--- a/docs/module3-4_oa_zenodo.pptx
+++ b/docs/module3-4_oa_zenodo.pptx
@@ -5,35 +5,38 @@
     <p:sldMasterId id="2147483648" r:id="rId1"/>
   </p:sldMasterIdLst>
   <p:notesMasterIdLst>
-    <p:notesMasterId r:id="rId28"/>
+    <p:notesMasterId r:id="rId31"/>
   </p:notesMasterIdLst>
   <p:sldIdLst>
     <p:sldId id="256" r:id="rId2"/>
     <p:sldId id="257" r:id="rId3"/>
     <p:sldId id="258" r:id="rId4"/>
-    <p:sldId id="320" r:id="rId5"/>
-    <p:sldId id="322" r:id="rId6"/>
-    <p:sldId id="321" r:id="rId7"/>
-    <p:sldId id="337" r:id="rId8"/>
-    <p:sldId id="338" r:id="rId9"/>
-    <p:sldId id="339" r:id="rId10"/>
-    <p:sldId id="336" r:id="rId11"/>
-    <p:sldId id="344" r:id="rId12"/>
-    <p:sldId id="345" r:id="rId13"/>
-    <p:sldId id="328" r:id="rId14"/>
-    <p:sldId id="342" r:id="rId15"/>
-    <p:sldId id="330" r:id="rId16"/>
-    <p:sldId id="340" r:id="rId17"/>
-    <p:sldId id="341" r:id="rId18"/>
-    <p:sldId id="315" r:id="rId19"/>
-    <p:sldId id="323" r:id="rId20"/>
-    <p:sldId id="324" r:id="rId21"/>
-    <p:sldId id="316" r:id="rId22"/>
-    <p:sldId id="343" r:id="rId23"/>
-    <p:sldId id="326" r:id="rId24"/>
-    <p:sldId id="327" r:id="rId25"/>
-    <p:sldId id="333" r:id="rId26"/>
-    <p:sldId id="284" r:id="rId27"/>
+    <p:sldId id="346" r:id="rId5"/>
+    <p:sldId id="347" r:id="rId6"/>
+    <p:sldId id="322" r:id="rId7"/>
+    <p:sldId id="321" r:id="rId8"/>
+    <p:sldId id="337" r:id="rId9"/>
+    <p:sldId id="338" r:id="rId10"/>
+    <p:sldId id="339" r:id="rId11"/>
+    <p:sldId id="336" r:id="rId12"/>
+    <p:sldId id="348" r:id="rId13"/>
+    <p:sldId id="345" r:id="rId14"/>
+    <p:sldId id="349" r:id="rId15"/>
+    <p:sldId id="328" r:id="rId16"/>
+    <p:sldId id="342" r:id="rId17"/>
+    <p:sldId id="330" r:id="rId18"/>
+    <p:sldId id="340" r:id="rId19"/>
+    <p:sldId id="341" r:id="rId20"/>
+    <p:sldId id="315" r:id="rId21"/>
+    <p:sldId id="350" r:id="rId22"/>
+    <p:sldId id="351" r:id="rId23"/>
+    <p:sldId id="352" r:id="rId24"/>
+    <p:sldId id="316" r:id="rId25"/>
+    <p:sldId id="343" r:id="rId26"/>
+    <p:sldId id="326" r:id="rId27"/>
+    <p:sldId id="327" r:id="rId28"/>
+    <p:sldId id="333" r:id="rId29"/>
+    <p:sldId id="284" r:id="rId30"/>
   </p:sldIdLst>
   <p:sldSz cx="12192000" cy="6858000"/>
   <p:notesSz cx="6858000" cy="9144000"/>
@@ -222,7 +225,7 @@
           <a:p>
             <a:fld id="{91E9DC1B-7AD4-4493-BE2D-19F04AF919E8}" type="datetimeFigureOut">
               <a:rPr lang="fr-FR" smtClean="0"/>
-              <a:t>19/08/2021</a:t>
+              <a:t>23/06/2022</a:t>
             </a:fld>
             <a:endParaRPr lang="fr-FR"/>
           </a:p>
@@ -534,7 +537,7 @@
           <a:bodyPr/>
           <a:lstStyle/>
           <a:p>
-            <a:endParaRPr lang="fr-FR" dirty="0"/>
+            <a:endParaRPr lang="fr-FR"/>
           </a:p>
         </p:txBody>
       </p:sp>
@@ -618,10 +621,94 @@
           <a:bodyPr/>
           <a:lstStyle/>
           <a:p>
+            <a:endParaRPr lang="fr-FR" dirty="0"/>
+          </a:p>
+        </p:txBody>
+      </p:sp>
+      <p:sp>
+        <p:nvSpPr>
+          <p:cNvPr id="4" name="Espace réservé du numéro de diapositive 3"/>
+          <p:cNvSpPr>
+            <a:spLocks noGrp="1"/>
+          </p:cNvSpPr>
+          <p:nvPr>
+            <p:ph type="sldNum" sz="quarter" idx="10"/>
+          </p:nvPr>
+        </p:nvSpPr>
+        <p:spPr/>
+        <p:txBody>
+          <a:bodyPr/>
+          <a:lstStyle/>
+          <a:p>
+            <a:fld id="{0145B376-959C-4F10-BF50-4FF0FAF5ADD9}" type="slidenum">
+              <a:rPr lang="fr-FR" smtClean="0"/>
+              <a:t>14</a:t>
+            </a:fld>
             <a:endParaRPr lang="fr-FR"/>
           </a:p>
         </p:txBody>
       </p:sp>
+    </p:spTree>
+    <p:extLst>
+      <p:ext uri="{BB962C8B-B14F-4D97-AF65-F5344CB8AC3E}">
+        <p14:creationId xmlns:p14="http://schemas.microsoft.com/office/powerpoint/2010/main" val="2325401885"/>
+      </p:ext>
+    </p:extLst>
+  </p:cSld>
+  <p:clrMapOvr>
+    <a:masterClrMapping/>
+  </p:clrMapOvr>
+</p:notes>
+</file>
+
+<file path=ppt/notesSlides/notesSlide11.xml><?xml version="1.0" encoding="utf-8"?>
+<p:notes xmlns:a="http://schemas.openxmlformats.org/drawingml/2006/main" xmlns:r="http://schemas.openxmlformats.org/officeDocument/2006/relationships" xmlns:p="http://schemas.openxmlformats.org/presentationml/2006/main">
+  <p:cSld>
+    <p:spTree>
+      <p:nvGrpSpPr>
+        <p:cNvPr id="1" name=""/>
+        <p:cNvGrpSpPr/>
+        <p:nvPr/>
+      </p:nvGrpSpPr>
+      <p:grpSpPr>
+        <a:xfrm>
+          <a:off x="0" y="0"/>
+          <a:ext cx="0" cy="0"/>
+          <a:chOff x="0" y="0"/>
+          <a:chExt cx="0" cy="0"/>
+        </a:xfrm>
+      </p:grpSpPr>
+      <p:sp>
+        <p:nvSpPr>
+          <p:cNvPr id="2" name="Espace réservé de l'image des diapositives 1"/>
+          <p:cNvSpPr>
+            <a:spLocks noGrp="1" noRot="1" noChangeAspect="1"/>
+          </p:cNvSpPr>
+          <p:nvPr>
+            <p:ph type="sldImg"/>
+          </p:nvPr>
+        </p:nvSpPr>
+        <p:spPr/>
+      </p:sp>
+      <p:sp>
+        <p:nvSpPr>
+          <p:cNvPr id="3" name="Espace réservé des commentaires 2"/>
+          <p:cNvSpPr>
+            <a:spLocks noGrp="1"/>
+          </p:cNvSpPr>
+          <p:nvPr>
+            <p:ph type="body" idx="1"/>
+          </p:nvPr>
+        </p:nvSpPr>
+        <p:spPr/>
+        <p:txBody>
+          <a:bodyPr/>
+          <a:lstStyle/>
+          <a:p>
+            <a:endParaRPr lang="fr-FR" dirty="0"/>
+          </a:p>
+        </p:txBody>
+      </p:sp>
       <p:sp>
         <p:nvSpPr>
           <p:cNvPr id="4" name="Espace réservé du numéro de diapositive 3"/>
@@ -639,7 +726,343 @@
           <a:p>
             <a:fld id="{0145B376-959C-4F10-BF50-4FF0FAF5ADD9}" type="slidenum">
               <a:rPr lang="fr-FR" smtClean="0"/>
+              <a:t>15</a:t>
+            </a:fld>
+            <a:endParaRPr lang="fr-FR"/>
+          </a:p>
+        </p:txBody>
+      </p:sp>
+    </p:spTree>
+    <p:extLst>
+      <p:ext uri="{BB962C8B-B14F-4D97-AF65-F5344CB8AC3E}">
+        <p14:creationId xmlns:p14="http://schemas.microsoft.com/office/powerpoint/2010/main" val="1665877326"/>
+      </p:ext>
+    </p:extLst>
+  </p:cSld>
+  <p:clrMapOvr>
+    <a:masterClrMapping/>
+  </p:clrMapOvr>
+</p:notes>
+</file>
+
+<file path=ppt/notesSlides/notesSlide12.xml><?xml version="1.0" encoding="utf-8"?>
+<p:notes xmlns:a="http://schemas.openxmlformats.org/drawingml/2006/main" xmlns:r="http://schemas.openxmlformats.org/officeDocument/2006/relationships" xmlns:p="http://schemas.openxmlformats.org/presentationml/2006/main">
+  <p:cSld>
+    <p:spTree>
+      <p:nvGrpSpPr>
+        <p:cNvPr id="1" name=""/>
+        <p:cNvGrpSpPr/>
+        <p:nvPr/>
+      </p:nvGrpSpPr>
+      <p:grpSpPr>
+        <a:xfrm>
+          <a:off x="0" y="0"/>
+          <a:ext cx="0" cy="0"/>
+          <a:chOff x="0" y="0"/>
+          <a:chExt cx="0" cy="0"/>
+        </a:xfrm>
+      </p:grpSpPr>
+      <p:sp>
+        <p:nvSpPr>
+          <p:cNvPr id="2" name="Espace réservé de l'image des diapositives 1"/>
+          <p:cNvSpPr>
+            <a:spLocks noGrp="1" noRot="1" noChangeAspect="1"/>
+          </p:cNvSpPr>
+          <p:nvPr>
+            <p:ph type="sldImg"/>
+          </p:nvPr>
+        </p:nvSpPr>
+        <p:spPr/>
+      </p:sp>
+      <p:sp>
+        <p:nvSpPr>
+          <p:cNvPr id="3" name="Espace réservé des commentaires 2"/>
+          <p:cNvSpPr>
+            <a:spLocks noGrp="1"/>
+          </p:cNvSpPr>
+          <p:nvPr>
+            <p:ph type="body" idx="1"/>
+          </p:nvPr>
+        </p:nvSpPr>
+        <p:spPr/>
+        <p:txBody>
+          <a:bodyPr/>
+          <a:lstStyle/>
+          <a:p>
+            <a:endParaRPr lang="fr-FR" dirty="0"/>
+          </a:p>
+        </p:txBody>
+      </p:sp>
+      <p:sp>
+        <p:nvSpPr>
+          <p:cNvPr id="4" name="Espace réservé du numéro de diapositive 3"/>
+          <p:cNvSpPr>
+            <a:spLocks noGrp="1"/>
+          </p:cNvSpPr>
+          <p:nvPr>
+            <p:ph type="sldNum" sz="quarter" idx="10"/>
+          </p:nvPr>
+        </p:nvSpPr>
+        <p:spPr/>
+        <p:txBody>
+          <a:bodyPr/>
+          <a:lstStyle/>
+          <a:p>
+            <a:fld id="{0145B376-959C-4F10-BF50-4FF0FAF5ADD9}" type="slidenum">
+              <a:rPr lang="fr-FR" smtClean="0"/>
+              <a:t>16</a:t>
+            </a:fld>
+            <a:endParaRPr lang="fr-FR"/>
+          </a:p>
+        </p:txBody>
+      </p:sp>
+    </p:spTree>
+    <p:extLst>
+      <p:ext uri="{BB962C8B-B14F-4D97-AF65-F5344CB8AC3E}">
+        <p14:creationId xmlns:p14="http://schemas.microsoft.com/office/powerpoint/2010/main" val="2807336973"/>
+      </p:ext>
+    </p:extLst>
+  </p:cSld>
+  <p:clrMapOvr>
+    <a:masterClrMapping/>
+  </p:clrMapOvr>
+</p:notes>
+</file>
+
+<file path=ppt/notesSlides/notesSlide13.xml><?xml version="1.0" encoding="utf-8"?>
+<p:notes xmlns:a="http://schemas.openxmlformats.org/drawingml/2006/main" xmlns:r="http://schemas.openxmlformats.org/officeDocument/2006/relationships" xmlns:p="http://schemas.openxmlformats.org/presentationml/2006/main">
+  <p:cSld>
+    <p:spTree>
+      <p:nvGrpSpPr>
+        <p:cNvPr id="1" name=""/>
+        <p:cNvGrpSpPr/>
+        <p:nvPr/>
+      </p:nvGrpSpPr>
+      <p:grpSpPr>
+        <a:xfrm>
+          <a:off x="0" y="0"/>
+          <a:ext cx="0" cy="0"/>
+          <a:chOff x="0" y="0"/>
+          <a:chExt cx="0" cy="0"/>
+        </a:xfrm>
+      </p:grpSpPr>
+      <p:sp>
+        <p:nvSpPr>
+          <p:cNvPr id="2" name="Espace réservé de l'image des diapositives 1"/>
+          <p:cNvSpPr>
+            <a:spLocks noGrp="1" noRot="1" noChangeAspect="1"/>
+          </p:cNvSpPr>
+          <p:nvPr>
+            <p:ph type="sldImg"/>
+          </p:nvPr>
+        </p:nvSpPr>
+        <p:spPr/>
+      </p:sp>
+      <p:sp>
+        <p:nvSpPr>
+          <p:cNvPr id="3" name="Espace réservé des commentaires 2"/>
+          <p:cNvSpPr>
+            <a:spLocks noGrp="1"/>
+          </p:cNvSpPr>
+          <p:nvPr>
+            <p:ph type="body" idx="1"/>
+          </p:nvPr>
+        </p:nvSpPr>
+        <p:spPr/>
+        <p:txBody>
+          <a:bodyPr/>
+          <a:lstStyle/>
+          <a:p>
+            <a:endParaRPr lang="fr-FR"/>
+          </a:p>
+        </p:txBody>
+      </p:sp>
+      <p:sp>
+        <p:nvSpPr>
+          <p:cNvPr id="4" name="Espace réservé du numéro de diapositive 3"/>
+          <p:cNvSpPr>
+            <a:spLocks noGrp="1"/>
+          </p:cNvSpPr>
+          <p:nvPr>
+            <p:ph type="sldNum" sz="quarter" idx="10"/>
+          </p:nvPr>
+        </p:nvSpPr>
+        <p:spPr/>
+        <p:txBody>
+          <a:bodyPr/>
+          <a:lstStyle/>
+          <a:p>
+            <a:fld id="{0145B376-959C-4F10-BF50-4FF0FAF5ADD9}" type="slidenum">
+              <a:rPr lang="fr-FR" smtClean="0"/>
+              <a:t>20</a:t>
+            </a:fld>
+            <a:endParaRPr lang="fr-FR"/>
+          </a:p>
+        </p:txBody>
+      </p:sp>
+    </p:spTree>
+    <p:extLst>
+      <p:ext uri="{BB962C8B-B14F-4D97-AF65-F5344CB8AC3E}">
+        <p14:creationId xmlns:p14="http://schemas.microsoft.com/office/powerpoint/2010/main" val="905473989"/>
+      </p:ext>
+    </p:extLst>
+  </p:cSld>
+  <p:clrMapOvr>
+    <a:masterClrMapping/>
+  </p:clrMapOvr>
+</p:notes>
+</file>
+
+<file path=ppt/notesSlides/notesSlide14.xml><?xml version="1.0" encoding="utf-8"?>
+<p:notes xmlns:a="http://schemas.openxmlformats.org/drawingml/2006/main" xmlns:r="http://schemas.openxmlformats.org/officeDocument/2006/relationships" xmlns:p="http://schemas.openxmlformats.org/presentationml/2006/main">
+  <p:cSld>
+    <p:spTree>
+      <p:nvGrpSpPr>
+        <p:cNvPr id="1" name=""/>
+        <p:cNvGrpSpPr/>
+        <p:nvPr/>
+      </p:nvGrpSpPr>
+      <p:grpSpPr>
+        <a:xfrm>
+          <a:off x="0" y="0"/>
+          <a:ext cx="0" cy="0"/>
+          <a:chOff x="0" y="0"/>
+          <a:chExt cx="0" cy="0"/>
+        </a:xfrm>
+      </p:grpSpPr>
+      <p:sp>
+        <p:nvSpPr>
+          <p:cNvPr id="2" name="Espace réservé de l'image des diapositives 1"/>
+          <p:cNvSpPr>
+            <a:spLocks noGrp="1" noRot="1" noChangeAspect="1"/>
+          </p:cNvSpPr>
+          <p:nvPr>
+            <p:ph type="sldImg"/>
+          </p:nvPr>
+        </p:nvSpPr>
+        <p:spPr/>
+      </p:sp>
+      <p:sp>
+        <p:nvSpPr>
+          <p:cNvPr id="3" name="Espace réservé des commentaires 2"/>
+          <p:cNvSpPr>
+            <a:spLocks noGrp="1"/>
+          </p:cNvSpPr>
+          <p:nvPr>
+            <p:ph type="body" idx="1"/>
+          </p:nvPr>
+        </p:nvSpPr>
+        <p:spPr/>
+        <p:txBody>
+          <a:bodyPr/>
+          <a:lstStyle/>
+          <a:p>
+            <a:endParaRPr lang="fr-FR" dirty="0"/>
+          </a:p>
+        </p:txBody>
+      </p:sp>
+      <p:sp>
+        <p:nvSpPr>
+          <p:cNvPr id="4" name="Espace réservé du numéro de diapositive 3"/>
+          <p:cNvSpPr>
+            <a:spLocks noGrp="1"/>
+          </p:cNvSpPr>
+          <p:nvPr>
+            <p:ph type="sldNum" sz="quarter" idx="10"/>
+          </p:nvPr>
+        </p:nvSpPr>
+        <p:spPr/>
+        <p:txBody>
+          <a:bodyPr/>
+          <a:lstStyle/>
+          <a:p>
+            <a:fld id="{0145B376-959C-4F10-BF50-4FF0FAF5ADD9}" type="slidenum">
+              <a:rPr lang="fr-FR" smtClean="0"/>
               <a:t>21</a:t>
+            </a:fld>
+            <a:endParaRPr lang="fr-FR"/>
+          </a:p>
+        </p:txBody>
+      </p:sp>
+    </p:spTree>
+    <p:extLst>
+      <p:ext uri="{BB962C8B-B14F-4D97-AF65-F5344CB8AC3E}">
+        <p14:creationId xmlns:p14="http://schemas.microsoft.com/office/powerpoint/2010/main" val="3448367388"/>
+      </p:ext>
+    </p:extLst>
+  </p:cSld>
+  <p:clrMapOvr>
+    <a:masterClrMapping/>
+  </p:clrMapOvr>
+</p:notes>
+</file>
+
+<file path=ppt/notesSlides/notesSlide15.xml><?xml version="1.0" encoding="utf-8"?>
+<p:notes xmlns:a="http://schemas.openxmlformats.org/drawingml/2006/main" xmlns:r="http://schemas.openxmlformats.org/officeDocument/2006/relationships" xmlns:p="http://schemas.openxmlformats.org/presentationml/2006/main">
+  <p:cSld>
+    <p:spTree>
+      <p:nvGrpSpPr>
+        <p:cNvPr id="1" name=""/>
+        <p:cNvGrpSpPr/>
+        <p:nvPr/>
+      </p:nvGrpSpPr>
+      <p:grpSpPr>
+        <a:xfrm>
+          <a:off x="0" y="0"/>
+          <a:ext cx="0" cy="0"/>
+          <a:chOff x="0" y="0"/>
+          <a:chExt cx="0" cy="0"/>
+        </a:xfrm>
+      </p:grpSpPr>
+      <p:sp>
+        <p:nvSpPr>
+          <p:cNvPr id="2" name="Espace réservé de l'image des diapositives 1"/>
+          <p:cNvSpPr>
+            <a:spLocks noGrp="1" noRot="1" noChangeAspect="1"/>
+          </p:cNvSpPr>
+          <p:nvPr>
+            <p:ph type="sldImg"/>
+          </p:nvPr>
+        </p:nvSpPr>
+        <p:spPr/>
+      </p:sp>
+      <p:sp>
+        <p:nvSpPr>
+          <p:cNvPr id="3" name="Espace réservé des commentaires 2"/>
+          <p:cNvSpPr>
+            <a:spLocks noGrp="1"/>
+          </p:cNvSpPr>
+          <p:nvPr>
+            <p:ph type="body" idx="1"/>
+          </p:nvPr>
+        </p:nvSpPr>
+        <p:spPr/>
+        <p:txBody>
+          <a:bodyPr/>
+          <a:lstStyle/>
+          <a:p>
+            <a:endParaRPr lang="fr-FR"/>
+          </a:p>
+        </p:txBody>
+      </p:sp>
+      <p:sp>
+        <p:nvSpPr>
+          <p:cNvPr id="4" name="Espace réservé du numéro de diapositive 3"/>
+          <p:cNvSpPr>
+            <a:spLocks noGrp="1"/>
+          </p:cNvSpPr>
+          <p:nvPr>
+            <p:ph type="sldNum" sz="quarter" idx="10"/>
+          </p:nvPr>
+        </p:nvSpPr>
+        <p:spPr/>
+        <p:txBody>
+          <a:bodyPr/>
+          <a:lstStyle/>
+          <a:p>
+            <a:fld id="{0145B376-959C-4F10-BF50-4FF0FAF5ADD9}" type="slidenum">
+              <a:rPr lang="fr-FR" smtClean="0"/>
+              <a:t>24</a:t>
             </a:fld>
             <a:endParaRPr lang="fr-FR"/>
           </a:p>
@@ -649,6 +1072,90 @@
     <p:extLst>
       <p:ext uri="{BB962C8B-B14F-4D97-AF65-F5344CB8AC3E}">
         <p14:creationId xmlns:p14="http://schemas.microsoft.com/office/powerpoint/2010/main" val="813498706"/>
+      </p:ext>
+    </p:extLst>
+  </p:cSld>
+  <p:clrMapOvr>
+    <a:masterClrMapping/>
+  </p:clrMapOvr>
+</p:notes>
+</file>
+
+<file path=ppt/notesSlides/notesSlide16.xml><?xml version="1.0" encoding="utf-8"?>
+<p:notes xmlns:a="http://schemas.openxmlformats.org/drawingml/2006/main" xmlns:r="http://schemas.openxmlformats.org/officeDocument/2006/relationships" xmlns:p="http://schemas.openxmlformats.org/presentationml/2006/main">
+  <p:cSld>
+    <p:spTree>
+      <p:nvGrpSpPr>
+        <p:cNvPr id="1" name=""/>
+        <p:cNvGrpSpPr/>
+        <p:nvPr/>
+      </p:nvGrpSpPr>
+      <p:grpSpPr>
+        <a:xfrm>
+          <a:off x="0" y="0"/>
+          <a:ext cx="0" cy="0"/>
+          <a:chOff x="0" y="0"/>
+          <a:chExt cx="0" cy="0"/>
+        </a:xfrm>
+      </p:grpSpPr>
+      <p:sp>
+        <p:nvSpPr>
+          <p:cNvPr id="2" name="Espace réservé de l'image des diapositives 1"/>
+          <p:cNvSpPr>
+            <a:spLocks noGrp="1" noRot="1" noChangeAspect="1"/>
+          </p:cNvSpPr>
+          <p:nvPr>
+            <p:ph type="sldImg"/>
+          </p:nvPr>
+        </p:nvSpPr>
+        <p:spPr/>
+      </p:sp>
+      <p:sp>
+        <p:nvSpPr>
+          <p:cNvPr id="3" name="Espace réservé des commentaires 2"/>
+          <p:cNvSpPr>
+            <a:spLocks noGrp="1"/>
+          </p:cNvSpPr>
+          <p:nvPr>
+            <p:ph type="body" idx="1"/>
+          </p:nvPr>
+        </p:nvSpPr>
+        <p:spPr/>
+        <p:txBody>
+          <a:bodyPr/>
+          <a:lstStyle/>
+          <a:p>
+            <a:endParaRPr lang="fr-FR"/>
+          </a:p>
+        </p:txBody>
+      </p:sp>
+      <p:sp>
+        <p:nvSpPr>
+          <p:cNvPr id="4" name="Espace réservé du numéro de diapositive 3"/>
+          <p:cNvSpPr>
+            <a:spLocks noGrp="1"/>
+          </p:cNvSpPr>
+          <p:nvPr>
+            <p:ph type="sldNum" sz="quarter" idx="10"/>
+          </p:nvPr>
+        </p:nvSpPr>
+        <p:spPr/>
+        <p:txBody>
+          <a:bodyPr/>
+          <a:lstStyle/>
+          <a:p>
+            <a:fld id="{0145B376-959C-4F10-BF50-4FF0FAF5ADD9}" type="slidenum">
+              <a:rPr lang="fr-FR" smtClean="0"/>
+              <a:t>29</a:t>
+            </a:fld>
+            <a:endParaRPr lang="fr-FR"/>
+          </a:p>
+        </p:txBody>
+      </p:sp>
+    </p:spTree>
+    <p:extLst>
+      <p:ext uri="{BB962C8B-B14F-4D97-AF65-F5344CB8AC3E}">
+        <p14:creationId xmlns:p14="http://schemas.microsoft.com/office/powerpoint/2010/main" val="88894481"/>
       </p:ext>
     </p:extLst>
   </p:cSld>
@@ -870,7 +1377,7 @@
           <a:bodyPr/>
           <a:lstStyle/>
           <a:p>
-            <a:endParaRPr lang="fr-FR" dirty="0"/>
+            <a:endParaRPr lang="fr-FR"/>
           </a:p>
         </p:txBody>
       </p:sp>
@@ -891,7 +1398,7 @@
           <a:p>
             <a:fld id="{0145B376-959C-4F10-BF50-4FF0FAF5ADD9}" type="slidenum">
               <a:rPr lang="fr-FR" smtClean="0"/>
-              <a:t>6</a:t>
+              <a:t>4</a:t>
             </a:fld>
             <a:endParaRPr lang="fr-FR"/>
           </a:p>
@@ -900,7 +1407,7 @@
     </p:spTree>
     <p:extLst>
       <p:ext uri="{BB962C8B-B14F-4D97-AF65-F5344CB8AC3E}">
-        <p14:creationId xmlns:p14="http://schemas.microsoft.com/office/powerpoint/2010/main" val="3580458202"/>
+        <p14:creationId xmlns:p14="http://schemas.microsoft.com/office/powerpoint/2010/main" val="3629866721"/>
       </p:ext>
     </p:extLst>
   </p:cSld>
@@ -975,7 +1482,7 @@
           <a:p>
             <a:fld id="{0145B376-959C-4F10-BF50-4FF0FAF5ADD9}" type="slidenum">
               <a:rPr lang="fr-FR" smtClean="0"/>
-              <a:t>7</a:t>
+              <a:t>5</a:t>
             </a:fld>
             <a:endParaRPr lang="fr-FR"/>
           </a:p>
@@ -984,7 +1491,7 @@
     </p:spTree>
     <p:extLst>
       <p:ext uri="{BB962C8B-B14F-4D97-AF65-F5344CB8AC3E}">
-        <p14:creationId xmlns:p14="http://schemas.microsoft.com/office/powerpoint/2010/main" val="792933691"/>
+        <p14:creationId xmlns:p14="http://schemas.microsoft.com/office/powerpoint/2010/main" val="4132566986"/>
       </p:ext>
     </p:extLst>
   </p:cSld>
@@ -1059,7 +1566,7 @@
           <a:p>
             <a:fld id="{0145B376-959C-4F10-BF50-4FF0FAF5ADD9}" type="slidenum">
               <a:rPr lang="fr-FR" smtClean="0"/>
-              <a:t>8</a:t>
+              <a:t>7</a:t>
             </a:fld>
             <a:endParaRPr lang="fr-FR"/>
           </a:p>
@@ -1068,7 +1575,7 @@
     </p:spTree>
     <p:extLst>
       <p:ext uri="{BB962C8B-B14F-4D97-AF65-F5344CB8AC3E}">
-        <p14:creationId xmlns:p14="http://schemas.microsoft.com/office/powerpoint/2010/main" val="2275343050"/>
+        <p14:creationId xmlns:p14="http://schemas.microsoft.com/office/powerpoint/2010/main" val="3580458202"/>
       </p:ext>
     </p:extLst>
   </p:cSld>
@@ -1143,7 +1650,7 @@
           <a:p>
             <a:fld id="{0145B376-959C-4F10-BF50-4FF0FAF5ADD9}" type="slidenum">
               <a:rPr lang="fr-FR" smtClean="0"/>
-              <a:t>13</a:t>
+              <a:t>8</a:t>
             </a:fld>
             <a:endParaRPr lang="fr-FR"/>
           </a:p>
@@ -1152,7 +1659,7 @@
     </p:spTree>
     <p:extLst>
       <p:ext uri="{BB962C8B-B14F-4D97-AF65-F5344CB8AC3E}">
-        <p14:creationId xmlns:p14="http://schemas.microsoft.com/office/powerpoint/2010/main" val="1665877326"/>
+        <p14:creationId xmlns:p14="http://schemas.microsoft.com/office/powerpoint/2010/main" val="792933691"/>
       </p:ext>
     </p:extLst>
   </p:cSld>
@@ -1227,7 +1734,7 @@
           <a:p>
             <a:fld id="{0145B376-959C-4F10-BF50-4FF0FAF5ADD9}" type="slidenum">
               <a:rPr lang="fr-FR" smtClean="0"/>
-              <a:t>14</a:t>
+              <a:t>9</a:t>
             </a:fld>
             <a:endParaRPr lang="fr-FR"/>
           </a:p>
@@ -1236,7 +1743,7 @@
     </p:spTree>
     <p:extLst>
       <p:ext uri="{BB962C8B-B14F-4D97-AF65-F5344CB8AC3E}">
-        <p14:creationId xmlns:p14="http://schemas.microsoft.com/office/powerpoint/2010/main" val="2807336973"/>
+        <p14:creationId xmlns:p14="http://schemas.microsoft.com/office/powerpoint/2010/main" val="2275343050"/>
       </p:ext>
     </p:extLst>
   </p:cSld>
@@ -1311,7 +1818,7 @@
           <a:p>
             <a:fld id="{0145B376-959C-4F10-BF50-4FF0FAF5ADD9}" type="slidenum">
               <a:rPr lang="fr-FR" smtClean="0"/>
-              <a:t>18</a:t>
+              <a:t>12</a:t>
             </a:fld>
             <a:endParaRPr lang="fr-FR"/>
           </a:p>
@@ -1320,7 +1827,7 @@
     </p:spTree>
     <p:extLst>
       <p:ext uri="{BB962C8B-B14F-4D97-AF65-F5344CB8AC3E}">
-        <p14:creationId xmlns:p14="http://schemas.microsoft.com/office/powerpoint/2010/main" val="905473989"/>
+        <p14:creationId xmlns:p14="http://schemas.microsoft.com/office/powerpoint/2010/main" val="1286420845"/>
       </p:ext>
     </p:extLst>
   </p:cSld>
@@ -1475,9 +1982,9 @@
           <a:bodyPr/>
           <a:lstStyle/>
           <a:p>
-            <a:fld id="{7B0FEA55-F1EF-4025-A34D-66B565B2A182}" type="datetime1">
-              <a:rPr lang="fr-FR" smtClean="0"/>
-              <a:t>19/08/2021</a:t>
+            <a:fld id="{02D3F904-4927-4D24-99B7-1951A1C5E534}" type="datetime1">
+              <a:rPr lang="fr-FR" smtClean="0"/>
+              <a:t>23/06/2022</a:t>
             </a:fld>
             <a:endParaRPr lang="fr-FR" dirty="0"/>
           </a:p>
@@ -1500,7 +2007,7 @@
           <a:p>
             <a:r>
               <a:rPr lang="fr-FR" smtClean="0"/>
-              <a:t>F. Flamerie - Données de recherche : entrepôts - 2021-06-29</a:t>
+              <a:t>F. Flamerie - Données de recherche : entrepôts - 2022-06-28</a:t>
             </a:r>
             <a:endParaRPr lang="fr-FR"/>
           </a:p>
@@ -1657,9 +2164,9 @@
           <a:bodyPr/>
           <a:lstStyle/>
           <a:p>
-            <a:fld id="{E5DA0458-CB77-4BCD-ADD8-2969990C960F}" type="datetime1">
-              <a:rPr lang="fr-FR" smtClean="0"/>
-              <a:t>19/08/2021</a:t>
+            <a:fld id="{B0C47D7B-6D09-4951-99BC-C77EF53225E8}" type="datetime1">
+              <a:rPr lang="fr-FR" smtClean="0"/>
+              <a:t>23/06/2022</a:t>
             </a:fld>
             <a:endParaRPr lang="fr-FR"/>
           </a:p>
@@ -1682,7 +2189,7 @@
           <a:p>
             <a:r>
               <a:rPr lang="fr-FR" smtClean="0"/>
-              <a:t>F. Flamerie - Données de recherche : entrepôts - 2021-06-29</a:t>
+              <a:t>F. Flamerie - Données de recherche : entrepôts - 2022-06-28</a:t>
             </a:r>
             <a:endParaRPr lang="fr-FR"/>
           </a:p>
@@ -1849,9 +2356,9 @@
           <a:bodyPr/>
           <a:lstStyle/>
           <a:p>
-            <a:fld id="{34A8FB2D-A079-484B-8C9E-AF30406FFA7C}" type="datetime1">
-              <a:rPr lang="fr-FR" smtClean="0"/>
-              <a:t>19/08/2021</a:t>
+            <a:fld id="{00E13BB8-C238-4C1B-9C4A-99D242D98A8A}" type="datetime1">
+              <a:rPr lang="fr-FR" smtClean="0"/>
+              <a:t>23/06/2022</a:t>
             </a:fld>
             <a:endParaRPr lang="fr-FR"/>
           </a:p>
@@ -1874,7 +2381,7 @@
           <a:p>
             <a:r>
               <a:rPr lang="fr-FR" smtClean="0"/>
-              <a:t>F. Flamerie - Données de recherche : entrepôts - 2021-06-29</a:t>
+              <a:t>F. Flamerie - Données de recherche : entrepôts - 2022-06-28</a:t>
             </a:r>
             <a:endParaRPr lang="fr-FR"/>
           </a:p>
@@ -2075,9 +2582,9 @@
             </a:lvl1pPr>
           </a:lstStyle>
           <a:p>
-            <a:fld id="{A3A97376-DA7D-41CC-ADCD-A38899DAFCF7}" type="datetime1">
-              <a:rPr lang="fr-FR" smtClean="0"/>
-              <a:t>19/08/2021</a:t>
+            <a:fld id="{A524B088-9D06-4F19-91B2-AAB0305A4582}" type="datetime1">
+              <a:rPr lang="fr-FR" smtClean="0"/>
+              <a:t>23/06/2022</a:t>
             </a:fld>
             <a:endParaRPr lang="fr-FR" dirty="0"/>
           </a:p>
@@ -2106,7 +2613,7 @@
           <a:p>
             <a:r>
               <a:rPr lang="fr-FR" smtClean="0"/>
-              <a:t>F. Flamerie - Données de recherche : entrepôts - 2021-06-29</a:t>
+              <a:t>F. Flamerie - Données de recherche : entrepôts - 2022-06-28</a:t>
             </a:r>
             <a:endParaRPr lang="fr-FR" dirty="0"/>
           </a:p>
@@ -2353,9 +2860,9 @@
           <a:bodyPr/>
           <a:lstStyle/>
           <a:p>
-            <a:fld id="{8DA361AD-5C70-4989-83CA-565A361D62B4}" type="datetime1">
-              <a:rPr lang="fr-FR" smtClean="0"/>
-              <a:t>19/08/2021</a:t>
+            <a:fld id="{7A38877A-73CE-46FA-A4AF-741FBF715B47}" type="datetime1">
+              <a:rPr lang="fr-FR" smtClean="0"/>
+              <a:t>23/06/2022</a:t>
             </a:fld>
             <a:endParaRPr lang="fr-FR"/>
           </a:p>
@@ -2378,7 +2885,7 @@
           <a:p>
             <a:r>
               <a:rPr lang="fr-FR" smtClean="0"/>
-              <a:t>F. Flamerie - Données de recherche : entrepôts - 2021-06-29</a:t>
+              <a:t>F. Flamerie - Données de recherche : entrepôts - 2022-06-28</a:t>
             </a:r>
             <a:endParaRPr lang="fr-FR"/>
           </a:p>
@@ -2661,9 +3168,9 @@
           <a:bodyPr/>
           <a:lstStyle/>
           <a:p>
-            <a:fld id="{D6820349-A1ED-4B2A-9042-2064AC9B3105}" type="datetime1">
-              <a:rPr lang="fr-FR" smtClean="0"/>
-              <a:t>19/08/2021</a:t>
+            <a:fld id="{A6990BBA-C93B-4C67-9507-44FEF8354CB9}" type="datetime1">
+              <a:rPr lang="fr-FR" smtClean="0"/>
+              <a:t>23/06/2022</a:t>
             </a:fld>
             <a:endParaRPr lang="fr-FR"/>
           </a:p>
@@ -2686,7 +3193,7 @@
           <a:p>
             <a:r>
               <a:rPr lang="fr-FR" smtClean="0"/>
-              <a:t>F. Flamerie - Données de recherche : entrepôts - 2021-06-29</a:t>
+              <a:t>F. Flamerie - Données de recherche : entrepôts - 2022-06-28</a:t>
             </a:r>
             <a:endParaRPr lang="fr-FR"/>
           </a:p>
@@ -3040,9 +3547,9 @@
           <a:bodyPr/>
           <a:lstStyle/>
           <a:p>
-            <a:fld id="{A84A7933-0638-4AB1-B721-3DCBE0124016}" type="datetime1">
-              <a:rPr lang="fr-FR" smtClean="0"/>
-              <a:t>19/08/2021</a:t>
+            <a:fld id="{13691170-7E6A-4F5D-A68A-B0B356A43CE6}" type="datetime1">
+              <a:rPr lang="fr-FR" smtClean="0"/>
+              <a:t>23/06/2022</a:t>
             </a:fld>
             <a:endParaRPr lang="fr-FR"/>
           </a:p>
@@ -3065,7 +3572,7 @@
           <a:p>
             <a:r>
               <a:rPr lang="fr-FR" smtClean="0"/>
-              <a:t>F. Flamerie - Données de recherche : entrepôts - 2021-06-29</a:t>
+              <a:t>F. Flamerie - Données de recherche : entrepôts - 2022-06-28</a:t>
             </a:r>
             <a:endParaRPr lang="fr-FR"/>
           </a:p>
@@ -3170,9 +3677,9 @@
           <a:bodyPr/>
           <a:lstStyle/>
           <a:p>
-            <a:fld id="{5DDC7C82-FA96-4BD7-8E1A-482CD38669AB}" type="datetime1">
-              <a:rPr lang="fr-FR" smtClean="0"/>
-              <a:t>19/08/2021</a:t>
+            <a:fld id="{0115937F-94CF-432D-ABA8-9F52853AC9BD}" type="datetime1">
+              <a:rPr lang="fr-FR" smtClean="0"/>
+              <a:t>23/06/2022</a:t>
             </a:fld>
             <a:endParaRPr lang="fr-FR"/>
           </a:p>
@@ -3195,7 +3702,7 @@
           <a:p>
             <a:r>
               <a:rPr lang="fr-FR" smtClean="0"/>
-              <a:t>F. Flamerie - Données de recherche : entrepôts - 2021-06-29</a:t>
+              <a:t>F. Flamerie - Données de recherche : entrepôts - 2022-06-28</a:t>
             </a:r>
             <a:endParaRPr lang="fr-FR"/>
           </a:p>
@@ -3277,9 +3784,9 @@
           <a:bodyPr/>
           <a:lstStyle/>
           <a:p>
-            <a:fld id="{43E144C5-6753-4072-A006-FF360547AC67}" type="datetime1">
-              <a:rPr lang="fr-FR" smtClean="0"/>
-              <a:t>19/08/2021</a:t>
+            <a:fld id="{633F20E1-E50F-4F58-B791-0753B7CFE545}" type="datetime1">
+              <a:rPr lang="fr-FR" smtClean="0"/>
+              <a:t>23/06/2022</a:t>
             </a:fld>
             <a:endParaRPr lang="fr-FR"/>
           </a:p>
@@ -3302,7 +3809,7 @@
           <a:p>
             <a:r>
               <a:rPr lang="fr-FR" smtClean="0"/>
-              <a:t>F. Flamerie - Données de recherche : entrepôts - 2021-06-29</a:t>
+              <a:t>F. Flamerie - Données de recherche : entrepôts - 2022-06-28</a:t>
             </a:r>
             <a:endParaRPr lang="fr-FR"/>
           </a:p>
@@ -3566,9 +4073,9 @@
           <a:bodyPr/>
           <a:lstStyle/>
           <a:p>
-            <a:fld id="{CA6AD8BB-A1FF-4B68-86D1-E345394FB255}" type="datetime1">
-              <a:rPr lang="fr-FR" smtClean="0"/>
-              <a:t>19/08/2021</a:t>
+            <a:fld id="{E6C73777-31B6-4857-BF97-271581B342BF}" type="datetime1">
+              <a:rPr lang="fr-FR" smtClean="0"/>
+              <a:t>23/06/2022</a:t>
             </a:fld>
             <a:endParaRPr lang="fr-FR"/>
           </a:p>
@@ -3591,7 +4098,7 @@
           <a:p>
             <a:r>
               <a:rPr lang="fr-FR" smtClean="0"/>
-              <a:t>F. Flamerie - Données de recherche : entrepôts - 2021-06-29</a:t>
+              <a:t>F. Flamerie - Données de recherche : entrepôts - 2022-06-28</a:t>
             </a:r>
             <a:endParaRPr lang="fr-FR"/>
           </a:p>
@@ -3831,9 +4338,9 @@
           <a:bodyPr/>
           <a:lstStyle/>
           <a:p>
-            <a:fld id="{E014B067-44FF-4985-847A-7634067458BD}" type="datetime1">
-              <a:rPr lang="fr-FR" smtClean="0"/>
-              <a:t>19/08/2021</a:t>
+            <a:fld id="{8F43A4F6-E1D8-4581-BAFA-93E1BBD0772C}" type="datetime1">
+              <a:rPr lang="fr-FR" smtClean="0"/>
+              <a:t>23/06/2022</a:t>
             </a:fld>
             <a:endParaRPr lang="fr-FR"/>
           </a:p>
@@ -3856,7 +4363,7 @@
           <a:p>
             <a:r>
               <a:rPr lang="fr-FR" smtClean="0"/>
-              <a:t>F. Flamerie - Données de recherche : entrepôts - 2021-06-29</a:t>
+              <a:t>F. Flamerie - Données de recherche : entrepôts - 2022-06-28</a:t>
             </a:r>
             <a:endParaRPr lang="fr-FR"/>
           </a:p>
@@ -4050,7 +4557,7 @@
           <a:p>
             <a:r>
               <a:rPr lang="fr-FR" smtClean="0"/>
-              <a:t>F. Flamerie - Données de recherche : entrepôts - 2021-06-29</a:t>
+              <a:t>F. Flamerie - Données de recherche : entrepôts - 2022-06-28</a:t>
             </a:r>
             <a:endParaRPr lang="fr-FR"/>
           </a:p>
@@ -4713,24 +5220,580 @@
           <a:p>
             <a:r>
               <a:rPr lang="fr-FR" dirty="0" smtClean="0"/>
-              <a:t>Enjeux</a:t>
+              <a:t>Modes de partage des données de recherche</a:t>
             </a:r>
             <a:endParaRPr lang="fr-FR" dirty="0"/>
           </a:p>
         </p:txBody>
       </p:sp>
+      <p:sp>
+        <p:nvSpPr>
+          <p:cNvPr id="3" name="Espace réservé du contenu 2"/>
+          <p:cNvSpPr>
+            <a:spLocks noGrp="1"/>
+          </p:cNvSpPr>
+          <p:nvPr>
+            <p:ph idx="1"/>
+          </p:nvPr>
+        </p:nvSpPr>
+        <p:spPr>
+          <a:xfrm>
+            <a:off x="849328" y="1689100"/>
+            <a:ext cx="5261390" cy="5032375"/>
+          </a:xfrm>
+        </p:spPr>
+        <p:txBody>
+          <a:bodyPr>
+            <a:normAutofit fontScale="85000" lnSpcReduction="20000"/>
+          </a:bodyPr>
+          <a:lstStyle/>
+          <a:p>
+            <a:pPr marL="0" indent="0">
+              <a:lnSpc>
+                <a:spcPct val="120000"/>
+              </a:lnSpc>
+              <a:buNone/>
+            </a:pPr>
+            <a:r>
+              <a:rPr lang="fr-FR" dirty="0" smtClean="0"/>
+              <a:t>NB ces modes de partage ne sont pas exclusifs les uns des autres, des fichiers supplémentaires à un article peuvent être déposés dans un entrepôt de données, parfois par  la revue elle-même. </a:t>
+            </a:r>
+          </a:p>
+          <a:p>
+            <a:pPr marL="0" indent="0">
+              <a:lnSpc>
+                <a:spcPct val="120000"/>
+              </a:lnSpc>
+              <a:buNone/>
+            </a:pPr>
+            <a:r>
+              <a:rPr lang="fr-FR" dirty="0" smtClean="0"/>
+              <a:t>Exemple: </a:t>
+            </a:r>
+          </a:p>
+          <a:p>
+            <a:pPr>
+              <a:lnSpc>
+                <a:spcPct val="120000"/>
+              </a:lnSpc>
+            </a:pPr>
+            <a:r>
+              <a:rPr lang="fr-FR" sz="1400" dirty="0" smtClean="0"/>
+              <a:t>Article : Rousselot</a:t>
+            </a:r>
+            <a:r>
+              <a:rPr lang="fr-FR" sz="1400" dirty="0"/>
+              <a:t>, N., </a:t>
+            </a:r>
+            <a:r>
+              <a:rPr lang="fr-FR" sz="1400" dirty="0" err="1"/>
+              <a:t>Tombrey</a:t>
+            </a:r>
+            <a:r>
+              <a:rPr lang="fr-FR" sz="1400" dirty="0"/>
+              <a:t>, T., </a:t>
+            </a:r>
+            <a:r>
+              <a:rPr lang="fr-FR" sz="1400" dirty="0" err="1"/>
+              <a:t>Zongo</a:t>
+            </a:r>
+            <a:r>
+              <a:rPr lang="fr-FR" sz="1400" dirty="0"/>
+              <a:t>, D., </a:t>
+            </a:r>
+            <a:r>
+              <a:rPr lang="fr-FR" sz="1400" dirty="0" err="1"/>
+              <a:t>Mouillet</a:t>
+            </a:r>
+            <a:r>
+              <a:rPr lang="fr-FR" sz="1400" dirty="0"/>
+              <a:t>, E., Joseph, J.-P., Gay, B., &amp; Salmi, L. R. (2018). </a:t>
+            </a:r>
+            <a:r>
+              <a:rPr lang="fr-FR" sz="1400" dirty="0" err="1"/>
+              <a:t>Development</a:t>
+            </a:r>
+            <a:r>
+              <a:rPr lang="fr-FR" sz="1400" dirty="0"/>
+              <a:t> and pilot </a:t>
+            </a:r>
+            <a:r>
+              <a:rPr lang="fr-FR" sz="1400" dirty="0" err="1"/>
+              <a:t>testing</a:t>
+            </a:r>
+            <a:r>
+              <a:rPr lang="fr-FR" sz="1400" dirty="0"/>
+              <a:t> of a </a:t>
+            </a:r>
+            <a:r>
+              <a:rPr lang="fr-FR" sz="1400" dirty="0" err="1"/>
+              <a:t>tool</a:t>
+            </a:r>
+            <a:r>
+              <a:rPr lang="fr-FR" sz="1400" dirty="0"/>
+              <a:t> to </a:t>
+            </a:r>
+            <a:r>
+              <a:rPr lang="fr-FR" sz="1400" dirty="0" err="1"/>
+              <a:t>assess</a:t>
+            </a:r>
+            <a:r>
+              <a:rPr lang="fr-FR" sz="1400" dirty="0"/>
+              <a:t> </a:t>
+            </a:r>
+            <a:r>
+              <a:rPr lang="fr-FR" sz="1400" dirty="0" err="1"/>
+              <a:t>evidence-based</a:t>
+            </a:r>
+            <a:r>
+              <a:rPr lang="fr-FR" sz="1400" dirty="0"/>
+              <a:t> practice </a:t>
+            </a:r>
+            <a:r>
+              <a:rPr lang="fr-FR" sz="1400" dirty="0" err="1"/>
+              <a:t>skills</a:t>
+            </a:r>
+            <a:r>
+              <a:rPr lang="fr-FR" sz="1400" dirty="0"/>
+              <a:t> </a:t>
+            </a:r>
+            <a:r>
+              <a:rPr lang="fr-FR" sz="1400" dirty="0" err="1"/>
+              <a:t>among</a:t>
+            </a:r>
+            <a:r>
+              <a:rPr lang="fr-FR" sz="1400" dirty="0"/>
+              <a:t> French </a:t>
+            </a:r>
+            <a:r>
+              <a:rPr lang="fr-FR" sz="1400" dirty="0" err="1"/>
+              <a:t>general</a:t>
+            </a:r>
+            <a:r>
+              <a:rPr lang="fr-FR" sz="1400" dirty="0"/>
+              <a:t> </a:t>
+            </a:r>
+            <a:r>
+              <a:rPr lang="fr-FR" sz="1400" dirty="0" err="1"/>
+              <a:t>practitioners</a:t>
+            </a:r>
+            <a:r>
+              <a:rPr lang="fr-FR" sz="1400" dirty="0"/>
+              <a:t>. </a:t>
+            </a:r>
+            <a:r>
+              <a:rPr lang="fr-FR" sz="1400" i="1" dirty="0"/>
+              <a:t>BMC </a:t>
+            </a:r>
+            <a:r>
+              <a:rPr lang="fr-FR" sz="1400" i="1" dirty="0" err="1"/>
+              <a:t>Medical</a:t>
+            </a:r>
+            <a:r>
+              <a:rPr lang="fr-FR" sz="1400" i="1" dirty="0"/>
+              <a:t> Education</a:t>
+            </a:r>
+            <a:r>
+              <a:rPr lang="fr-FR" sz="1400" dirty="0"/>
+              <a:t>, </a:t>
+            </a:r>
+            <a:r>
+              <a:rPr lang="fr-FR" sz="1400" i="1" dirty="0"/>
+              <a:t>18</a:t>
+            </a:r>
+            <a:r>
+              <a:rPr lang="fr-FR" sz="1400" dirty="0"/>
+              <a:t>(1), 254. </a:t>
+            </a:r>
+            <a:r>
+              <a:rPr lang="fr-FR" sz="1400" dirty="0">
+                <a:hlinkClick r:id="rId2"/>
+              </a:rPr>
+              <a:t>https://doi.org/10.1186/s12909-018-1368-y</a:t>
+            </a:r>
+            <a:endParaRPr lang="fr-FR" sz="1400" dirty="0"/>
+          </a:p>
+          <a:p>
+            <a:pPr>
+              <a:lnSpc>
+                <a:spcPct val="120000"/>
+              </a:lnSpc>
+            </a:pPr>
+            <a:r>
+              <a:rPr lang="fr-FR" sz="1400" dirty="0" smtClean="0"/>
+              <a:t>Fichiers déposés dans </a:t>
+            </a:r>
+            <a:r>
+              <a:rPr lang="fr-FR" sz="1400" dirty="0" err="1" smtClean="0"/>
+              <a:t>Figshare</a:t>
+            </a:r>
+            <a:r>
+              <a:rPr lang="fr-FR" sz="1400" dirty="0" smtClean="0"/>
+              <a:t>  : </a:t>
+            </a:r>
+            <a:r>
+              <a:rPr lang="fr-FR" sz="1400" dirty="0"/>
+              <a:t>Rousselot, N., </a:t>
+            </a:r>
+            <a:r>
+              <a:rPr lang="fr-FR" sz="1400" dirty="0" err="1"/>
+              <a:t>Tombrey</a:t>
+            </a:r>
+            <a:r>
+              <a:rPr lang="fr-FR" sz="1400" dirty="0"/>
+              <a:t>, T., Drissa </a:t>
+            </a:r>
+            <a:r>
+              <a:rPr lang="fr-FR" sz="1400" dirty="0" err="1"/>
+              <a:t>Zongo</a:t>
+            </a:r>
+            <a:r>
+              <a:rPr lang="fr-FR" sz="1400" dirty="0"/>
+              <a:t>, </a:t>
+            </a:r>
+            <a:r>
+              <a:rPr lang="fr-FR" sz="1400" dirty="0" err="1"/>
+              <a:t>Mouillet</a:t>
+            </a:r>
+            <a:r>
+              <a:rPr lang="fr-FR" sz="1400" dirty="0"/>
+              <a:t>, E., Jean-Philippe Joseph, Gay, B., &amp; Salmi, L. (2018). </a:t>
+            </a:r>
+            <a:r>
+              <a:rPr lang="fr-FR" sz="1400" i="1" dirty="0" err="1"/>
+              <a:t>Development</a:t>
+            </a:r>
+            <a:r>
+              <a:rPr lang="fr-FR" sz="1400" i="1" dirty="0"/>
+              <a:t> and pilot </a:t>
+            </a:r>
+            <a:r>
+              <a:rPr lang="fr-FR" sz="1400" i="1" dirty="0" err="1"/>
+              <a:t>testing</a:t>
+            </a:r>
+            <a:r>
+              <a:rPr lang="fr-FR" sz="1400" i="1" dirty="0"/>
+              <a:t> of a </a:t>
+            </a:r>
+            <a:r>
+              <a:rPr lang="fr-FR" sz="1400" i="1" dirty="0" err="1"/>
+              <a:t>tool</a:t>
+            </a:r>
+            <a:r>
+              <a:rPr lang="fr-FR" sz="1400" i="1" dirty="0"/>
+              <a:t> to </a:t>
+            </a:r>
+            <a:r>
+              <a:rPr lang="fr-FR" sz="1400" i="1" dirty="0" err="1"/>
+              <a:t>assess</a:t>
+            </a:r>
+            <a:r>
+              <a:rPr lang="fr-FR" sz="1400" i="1" dirty="0"/>
+              <a:t> </a:t>
+            </a:r>
+            <a:r>
+              <a:rPr lang="fr-FR" sz="1400" i="1" dirty="0" err="1"/>
+              <a:t>evidence-based</a:t>
+            </a:r>
+            <a:r>
+              <a:rPr lang="fr-FR" sz="1400" i="1" dirty="0"/>
+              <a:t> practice </a:t>
+            </a:r>
+            <a:r>
+              <a:rPr lang="fr-FR" sz="1400" i="1" dirty="0" err="1"/>
+              <a:t>skills</a:t>
+            </a:r>
+            <a:r>
+              <a:rPr lang="fr-FR" sz="1400" i="1" dirty="0"/>
+              <a:t> </a:t>
+            </a:r>
+            <a:r>
+              <a:rPr lang="fr-FR" sz="1400" i="1" dirty="0" err="1"/>
+              <a:t>among</a:t>
+            </a:r>
+            <a:r>
+              <a:rPr lang="fr-FR" sz="1400" i="1" dirty="0"/>
+              <a:t> French </a:t>
+            </a:r>
+            <a:r>
+              <a:rPr lang="fr-FR" sz="1400" i="1" dirty="0" err="1"/>
+              <a:t>general</a:t>
+            </a:r>
+            <a:r>
+              <a:rPr lang="fr-FR" sz="1400" i="1" dirty="0"/>
+              <a:t> </a:t>
+            </a:r>
+            <a:r>
+              <a:rPr lang="fr-FR" sz="1400" i="1" dirty="0" err="1"/>
+              <a:t>practitioners</a:t>
+            </a:r>
+            <a:r>
+              <a:rPr lang="fr-FR" sz="1400" dirty="0"/>
+              <a:t> [Data set]. </a:t>
+            </a:r>
+            <a:r>
+              <a:rPr lang="fr-FR" sz="1400" dirty="0" err="1"/>
+              <a:t>Figshare</a:t>
+            </a:r>
+            <a:r>
+              <a:rPr lang="fr-FR" sz="1400" dirty="0"/>
+              <a:t>. </a:t>
+            </a:r>
+            <a:r>
+              <a:rPr lang="fr-FR" sz="1400" dirty="0">
+                <a:hlinkClick r:id="rId3"/>
+              </a:rPr>
+              <a:t>https://doi.org/10.6084/M9.FIGSHARE.C.4297076.V1</a:t>
+            </a:r>
+            <a:endParaRPr lang="fr-FR" sz="1400" dirty="0"/>
+          </a:p>
+          <a:p>
+            <a:pPr marL="0" indent="0">
+              <a:lnSpc>
+                <a:spcPct val="120000"/>
+              </a:lnSpc>
+              <a:buNone/>
+            </a:pPr>
+            <a:endParaRPr lang="fr-FR" sz="1400" dirty="0"/>
+          </a:p>
+          <a:p>
+            <a:pPr marL="0" indent="0">
+              <a:lnSpc>
+                <a:spcPct val="120000"/>
+              </a:lnSpc>
+              <a:buNone/>
+            </a:pPr>
+            <a:endParaRPr lang="fr-FR" dirty="0"/>
+          </a:p>
+        </p:txBody>
+      </p:sp>
+      <p:sp>
+        <p:nvSpPr>
+          <p:cNvPr id="4" name="Espace réservé du pied de page 3"/>
+          <p:cNvSpPr>
+            <a:spLocks noGrp="1"/>
+          </p:cNvSpPr>
+          <p:nvPr>
+            <p:ph type="ftr" sz="quarter" idx="11"/>
+          </p:nvPr>
+        </p:nvSpPr>
+        <p:spPr/>
+        <p:txBody>
+          <a:bodyPr/>
+          <a:lstStyle/>
+          <a:p>
+            <a:r>
+              <a:rPr lang="fr-FR" smtClean="0"/>
+              <a:t>F. Flamerie - Données de recherche : entrepôts - 2022-06-28</a:t>
+            </a:r>
+            <a:endParaRPr lang="fr-FR" dirty="0"/>
+          </a:p>
+        </p:txBody>
+      </p:sp>
+      <p:sp>
+        <p:nvSpPr>
+          <p:cNvPr id="5" name="Espace réservé du numéro de diapositive 4"/>
+          <p:cNvSpPr>
+            <a:spLocks noGrp="1"/>
+          </p:cNvSpPr>
+          <p:nvPr>
+            <p:ph type="sldNum" sz="quarter" idx="12"/>
+          </p:nvPr>
+        </p:nvSpPr>
+        <p:spPr/>
+        <p:txBody>
+          <a:bodyPr/>
+          <a:lstStyle/>
+          <a:p>
+            <a:fld id="{99E13252-68E5-4994-B57B-B03F39B52C7D}" type="slidenum">
+              <a:rPr lang="fr-FR" smtClean="0"/>
+              <a:pPr/>
+              <a:t>10</a:t>
+            </a:fld>
+            <a:endParaRPr lang="fr-FR" dirty="0"/>
+          </a:p>
+        </p:txBody>
+      </p:sp>
+      <p:grpSp>
+        <p:nvGrpSpPr>
+          <p:cNvPr id="6" name="Arrow19" descr="{&quot;Key&quot;:&quot;POWER_USER_SHAPE_ICON&quot;,&quot;Value&quot;:&quot;POWER_USER_SHAPE_ICON_STYLE_1&quot;}"/>
+          <p:cNvGrpSpPr>
+            <a:grpSpLocks noChangeAspect="1"/>
+          </p:cNvGrpSpPr>
+          <p:nvPr/>
+        </p:nvGrpSpPr>
+        <p:grpSpPr>
+          <a:xfrm>
+            <a:off x="6211348" y="4633880"/>
+            <a:ext cx="426762" cy="371182"/>
+            <a:chOff x="1412032" y="2732632"/>
+            <a:chExt cx="1016496" cy="884112"/>
+          </a:xfrm>
+          <a:solidFill>
+            <a:srgbClr val="ED7F3D"/>
+          </a:solidFill>
+        </p:grpSpPr>
+        <p:sp>
+          <p:nvSpPr>
+            <p:cNvPr id="7" name="Chevron 6"/>
+            <p:cNvSpPr/>
+            <p:nvPr/>
+          </p:nvSpPr>
+          <p:spPr>
+            <a:xfrm>
+              <a:off x="1412032" y="2732632"/>
+              <a:ext cx="576064" cy="884112"/>
+            </a:xfrm>
+            <a:prstGeom prst="chevron">
+              <a:avLst>
+                <a:gd name="adj" fmla="val 56184"/>
+              </a:avLst>
+            </a:prstGeom>
+            <a:grpFill/>
+            <a:ln>
+              <a:noFill/>
+            </a:ln>
+          </p:spPr>
+          <p:style>
+            <a:lnRef idx="2">
+              <a:schemeClr val="accent1">
+                <a:shade val="50000"/>
+              </a:schemeClr>
+            </a:lnRef>
+            <a:fillRef idx="1">
+              <a:schemeClr val="accent1"/>
+            </a:fillRef>
+            <a:effectRef idx="0">
+              <a:schemeClr val="accent1"/>
+            </a:effectRef>
+            <a:fontRef idx="minor">
+              <a:schemeClr val="lt1"/>
+            </a:fontRef>
+          </p:style>
+          <p:txBody>
+            <a:bodyPr rtlCol="0" anchor="ctr"/>
+            <a:lstStyle/>
+            <a:p>
+              <a:pPr marL="0" marR="0" lvl="0" indent="0" algn="ctr" defTabSz="914400" rtl="0" eaLnBrk="1" fontAlgn="auto" latinLnBrk="0" hangingPunct="1">
+                <a:lnSpc>
+                  <a:spcPct val="100000"/>
+                </a:lnSpc>
+                <a:spcBef>
+                  <a:spcPts val="0"/>
+                </a:spcBef>
+                <a:spcAft>
+                  <a:spcPts val="0"/>
+                </a:spcAft>
+                <a:buClrTx/>
+                <a:buSzTx/>
+                <a:buFontTx/>
+                <a:buNone/>
+                <a:tabLst/>
+                <a:defRPr/>
+              </a:pPr>
+              <a:endParaRPr kumimoji="0" lang="fr-FR" sz="1800" b="0" i="0" u="none" strike="noStrike" kern="1200" cap="none" spc="0" normalizeH="0" baseline="0" noProof="0">
+                <a:ln>
+                  <a:noFill/>
+                </a:ln>
+                <a:solidFill>
+                  <a:prstClr val="black"/>
+                </a:solidFill>
+                <a:effectLst/>
+                <a:uLnTx/>
+                <a:uFillTx/>
+                <a:latin typeface="Calibri" panose="020F0502020204030204"/>
+                <a:ea typeface="+mn-ea"/>
+                <a:cs typeface="+mn-cs"/>
+              </a:endParaRPr>
+            </a:p>
+          </p:txBody>
+        </p:sp>
+        <p:sp>
+          <p:nvSpPr>
+            <p:cNvPr id="8" name="Chevron 7"/>
+            <p:cNvSpPr/>
+            <p:nvPr/>
+          </p:nvSpPr>
+          <p:spPr>
+            <a:xfrm>
+              <a:off x="1852464" y="2732632"/>
+              <a:ext cx="576064" cy="884112"/>
+            </a:xfrm>
+            <a:prstGeom prst="chevron">
+              <a:avLst>
+                <a:gd name="adj" fmla="val 56184"/>
+              </a:avLst>
+            </a:prstGeom>
+            <a:grpFill/>
+            <a:ln>
+              <a:noFill/>
+            </a:ln>
+          </p:spPr>
+          <p:style>
+            <a:lnRef idx="2">
+              <a:schemeClr val="accent1">
+                <a:shade val="50000"/>
+              </a:schemeClr>
+            </a:lnRef>
+            <a:fillRef idx="1">
+              <a:schemeClr val="accent1"/>
+            </a:fillRef>
+            <a:effectRef idx="0">
+              <a:schemeClr val="accent1"/>
+            </a:effectRef>
+            <a:fontRef idx="minor">
+              <a:schemeClr val="lt1"/>
+            </a:fontRef>
+          </p:style>
+          <p:txBody>
+            <a:bodyPr rtlCol="0" anchor="ctr"/>
+            <a:lstStyle/>
+            <a:p>
+              <a:pPr marL="0" marR="0" lvl="0" indent="0" algn="ctr" defTabSz="914400" rtl="0" eaLnBrk="1" fontAlgn="auto" latinLnBrk="0" hangingPunct="1">
+                <a:lnSpc>
+                  <a:spcPct val="100000"/>
+                </a:lnSpc>
+                <a:spcBef>
+                  <a:spcPts val="0"/>
+                </a:spcBef>
+                <a:spcAft>
+                  <a:spcPts val="0"/>
+                </a:spcAft>
+                <a:buClrTx/>
+                <a:buSzTx/>
+                <a:buFontTx/>
+                <a:buNone/>
+                <a:tabLst/>
+                <a:defRPr/>
+              </a:pPr>
+              <a:endParaRPr kumimoji="0" lang="fr-FR" sz="1800" b="0" i="0" u="none" strike="noStrike" kern="1200" cap="none" spc="0" normalizeH="0" baseline="0" noProof="0">
+                <a:ln>
+                  <a:noFill/>
+                </a:ln>
+                <a:solidFill>
+                  <a:prstClr val="black"/>
+                </a:solidFill>
+                <a:effectLst/>
+                <a:uLnTx/>
+                <a:uFillTx/>
+                <a:latin typeface="Calibri" panose="020F0502020204030204"/>
+                <a:ea typeface="+mn-ea"/>
+                <a:cs typeface="+mn-cs"/>
+              </a:endParaRPr>
+            </a:p>
+          </p:txBody>
+        </p:sp>
+      </p:grpSp>
       <p:pic>
         <p:nvPicPr>
-          <p:cNvPr id="6" name="Espace réservé du contenu 5"/>
+          <p:cNvPr id="12" name="Image 11"/>
           <p:cNvPicPr>
-            <a:picLocks noGrp="1" noChangeAspect="1"/>
+            <a:picLocks noChangeAspect="1"/>
           </p:cNvPicPr>
-          <p:nvPr>
-            <p:ph idx="1"/>
-          </p:nvPr>
+          <p:nvPr/>
         </p:nvPicPr>
         <p:blipFill>
-          <a:blip r:embed="rId2">
+          <a:blip r:embed="rId4">
             <a:extLst>
               <a:ext uri="{28A0092B-C50C-407E-A947-70E740481C1C}">
                 <a14:useLocalDpi xmlns:a14="http://schemas.microsoft.com/office/drawing/2010/main" val="0"/>
@@ -4743,62 +5806,18 @@
         </p:blipFill>
         <p:spPr>
           <a:xfrm>
-            <a:off x="3709205" y="65278"/>
-            <a:ext cx="8388096" cy="6291072"/>
+            <a:off x="7165503" y="976179"/>
+            <a:ext cx="4745484" cy="5745296"/>
           </a:xfrm>
+          <a:prstGeom prst="rect">
+            <a:avLst/>
+          </a:prstGeom>
         </p:spPr>
       </p:pic>
-      <p:sp>
-        <p:nvSpPr>
-          <p:cNvPr id="4" name="Espace réservé du pied de page 3"/>
-          <p:cNvSpPr>
-            <a:spLocks noGrp="1"/>
-          </p:cNvSpPr>
-          <p:nvPr>
-            <p:ph type="ftr" sz="quarter" idx="11"/>
-          </p:nvPr>
-        </p:nvSpPr>
-        <p:spPr/>
-        <p:txBody>
-          <a:bodyPr/>
-          <a:lstStyle/>
-          <a:p>
-            <a:r>
-              <a:rPr lang="fr-FR" smtClean="0"/>
-              <a:t>F. Flamerie - Données de recherche : entrepôts - 2021-06-29</a:t>
-            </a:r>
-            <a:endParaRPr lang="fr-FR" dirty="0"/>
-          </a:p>
-        </p:txBody>
-      </p:sp>
-      <p:sp>
-        <p:nvSpPr>
-          <p:cNvPr id="5" name="Espace réservé du numéro de diapositive 4"/>
-          <p:cNvSpPr>
-            <a:spLocks noGrp="1"/>
-          </p:cNvSpPr>
-          <p:nvPr>
-            <p:ph type="sldNum" sz="quarter" idx="12"/>
-          </p:nvPr>
-        </p:nvSpPr>
-        <p:spPr/>
-        <p:txBody>
-          <a:bodyPr/>
-          <a:lstStyle/>
-          <a:p>
-            <a:fld id="{99E13252-68E5-4994-B57B-B03F39B52C7D}" type="slidenum">
-              <a:rPr lang="fr-FR" smtClean="0"/>
-              <a:pPr/>
-              <a:t>10</a:t>
-            </a:fld>
-            <a:endParaRPr lang="fr-FR" dirty="0"/>
-          </a:p>
-        </p:txBody>
-      </p:sp>
     </p:spTree>
     <p:extLst>
       <p:ext uri="{BB962C8B-B14F-4D97-AF65-F5344CB8AC3E}">
-        <p14:creationId xmlns:p14="http://schemas.microsoft.com/office/powerpoint/2010/main" val="4248825788"/>
+        <p14:creationId xmlns:p14="http://schemas.microsoft.com/office/powerpoint/2010/main" val="3890717875"/>
       </p:ext>
     </p:extLst>
   </p:cSld>
@@ -4849,12 +5868,41 @@
           <a:p>
             <a:r>
               <a:rPr lang="fr-FR" dirty="0" smtClean="0"/>
-              <a:t>Enjeux - exemple politique d’éditeurs</a:t>
+              <a:t>Enjeux</a:t>
             </a:r>
             <a:endParaRPr lang="fr-FR" dirty="0"/>
           </a:p>
         </p:txBody>
       </p:sp>
+      <p:pic>
+        <p:nvPicPr>
+          <p:cNvPr id="6" name="Espace réservé du contenu 5"/>
+          <p:cNvPicPr>
+            <a:picLocks noGrp="1" noChangeAspect="1"/>
+          </p:cNvPicPr>
+          <p:nvPr>
+            <p:ph idx="1"/>
+          </p:nvPr>
+        </p:nvPicPr>
+        <p:blipFill>
+          <a:blip r:embed="rId2">
+            <a:extLst>
+              <a:ext uri="{28A0092B-C50C-407E-A947-70E740481C1C}">
+                <a14:useLocalDpi xmlns:a14="http://schemas.microsoft.com/office/drawing/2010/main" val="0"/>
+              </a:ext>
+            </a:extLst>
+          </a:blip>
+          <a:stretch>
+            <a:fillRect/>
+          </a:stretch>
+        </p:blipFill>
+        <p:spPr>
+          <a:xfrm>
+            <a:off x="3709205" y="65278"/>
+            <a:ext cx="8388096" cy="6291072"/>
+          </a:xfrm>
+        </p:spPr>
+      </p:pic>
       <p:sp>
         <p:nvSpPr>
           <p:cNvPr id="4" name="Espace réservé du pied de page 3"/>
@@ -4872,7 +5920,7 @@
           <a:p>
             <a:r>
               <a:rPr lang="fr-FR" smtClean="0"/>
-              <a:t>F. Flamerie - Données de recherche : entrepôts - 2021-06-29</a:t>
+              <a:t>F. Flamerie - Données de recherche : entrepôts - 2022-06-28</a:t>
             </a:r>
             <a:endParaRPr lang="fr-FR" dirty="0"/>
           </a:p>
@@ -4902,157 +5950,10 @@
           </a:p>
         </p:txBody>
       </p:sp>
-      <p:sp>
-        <p:nvSpPr>
-          <p:cNvPr id="3" name="Espace réservé du contenu 2"/>
-          <p:cNvSpPr>
-            <a:spLocks noGrp="1"/>
-          </p:cNvSpPr>
-          <p:nvPr>
-            <p:ph idx="1"/>
-          </p:nvPr>
-        </p:nvSpPr>
-        <p:spPr>
-          <a:xfrm>
-            <a:off x="838200" y="1690688"/>
-            <a:ext cx="10515600" cy="4895850"/>
-          </a:xfrm>
-        </p:spPr>
-        <p:txBody>
-          <a:bodyPr>
-            <a:normAutofit fontScale="85000" lnSpcReduction="20000"/>
-          </a:bodyPr>
-          <a:lstStyle/>
-          <a:p>
-            <a:pPr marL="809625" indent="0">
-              <a:lnSpc>
-                <a:spcPct val="120000"/>
-              </a:lnSpc>
-              <a:buNone/>
-            </a:pPr>
-            <a:r>
-              <a:rPr lang="en-US" dirty="0" smtClean="0">
-                <a:solidFill>
-                  <a:schemeClr val="bg2">
-                    <a:lumMod val="50000"/>
-                  </a:schemeClr>
-                </a:solidFill>
-                <a:hlinkClick r:id="rId2"/>
-              </a:rPr>
-              <a:t>“From </a:t>
-            </a:r>
-            <a:r>
-              <a:rPr lang="en-US" dirty="0">
-                <a:solidFill>
-                  <a:schemeClr val="bg2">
-                    <a:lumMod val="50000"/>
-                  </a:schemeClr>
-                </a:solidFill>
-                <a:hlinkClick r:id="rId2"/>
-              </a:rPr>
-              <a:t>20th January 2021</a:t>
-            </a:r>
-            <a:r>
-              <a:rPr lang="en-US" dirty="0">
-                <a:solidFill>
-                  <a:schemeClr val="bg2">
-                    <a:lumMod val="50000"/>
-                  </a:schemeClr>
-                </a:solidFill>
-              </a:rPr>
-              <a:t> articles published by the original group of COVID Rapid Review Initiative members must have data shared in a public repository rather than just available on request. The new common policy is to meet the </a:t>
-            </a:r>
-            <a:r>
-              <a:rPr lang="en-US" dirty="0">
-                <a:solidFill>
-                  <a:schemeClr val="bg2">
-                    <a:lumMod val="50000"/>
-                  </a:schemeClr>
-                </a:solidFill>
-                <a:hlinkClick r:id="rId3"/>
-              </a:rPr>
-              <a:t>TOP Data Transparency Level II</a:t>
-            </a:r>
-            <a:r>
-              <a:rPr lang="en-US" dirty="0">
-                <a:solidFill>
-                  <a:schemeClr val="bg2">
-                    <a:lumMod val="50000"/>
-                  </a:schemeClr>
-                </a:solidFill>
-              </a:rPr>
-              <a:t> that requires that “Data must be posted to a trusted repository. Exceptions must be identified at article submission”. This means mandating data sharing in a public repository rather than just ensuring the authors publish a Data Availability Statement (DAS). Any DAS must now explicitly list the repositories where the data are publicly available (subject to ethical considerations). </a:t>
-            </a:r>
-            <a:r>
-              <a:rPr lang="en-US" dirty="0" smtClean="0">
-                <a:solidFill>
-                  <a:schemeClr val="bg2">
-                    <a:lumMod val="50000"/>
-                  </a:schemeClr>
-                </a:solidFill>
-              </a:rPr>
-              <a:t>”</a:t>
-            </a:r>
-          </a:p>
-          <a:p>
-            <a:pPr>
-              <a:lnSpc>
-                <a:spcPct val="120000"/>
-              </a:lnSpc>
-            </a:pPr>
-            <a:endParaRPr lang="en-US" dirty="0"/>
-          </a:p>
-          <a:p>
-            <a:pPr marL="0" indent="0">
-              <a:lnSpc>
-                <a:spcPct val="120000"/>
-              </a:lnSpc>
-              <a:buNone/>
-            </a:pPr>
-            <a:r>
-              <a:rPr lang="en-US" sz="2100" dirty="0" smtClean="0"/>
-              <a:t>Source : </a:t>
-            </a:r>
-            <a:r>
-              <a:rPr lang="en-US" sz="2100" dirty="0"/>
-              <a:t>STM Publishing. (2021, </a:t>
-            </a:r>
-            <a:r>
-              <a:rPr lang="en-US" sz="2100" dirty="0" err="1"/>
-              <a:t>janvier</a:t>
-            </a:r>
-            <a:r>
-              <a:rPr lang="en-US" sz="2100" dirty="0"/>
-              <a:t> 21). Data deposition required for all C19 Rapid Review publishers. </a:t>
-            </a:r>
-            <a:r>
-              <a:rPr lang="en-US" sz="2100" i="1" dirty="0"/>
-              <a:t>STM Publishing News</a:t>
-            </a:r>
-            <a:r>
-              <a:rPr lang="en-US" sz="2100" dirty="0"/>
-              <a:t>. </a:t>
-            </a:r>
-            <a:r>
-              <a:rPr lang="en-US" sz="2100" dirty="0">
-                <a:hlinkClick r:id="rId4"/>
-              </a:rPr>
-              <a:t>http://www.stm-publishing.com/data-deposition-required-for-all-c19-rapid-review-publishers</a:t>
-            </a:r>
-            <a:r>
-              <a:rPr lang="en-US" sz="2100" dirty="0" smtClean="0">
-                <a:hlinkClick r:id="rId4"/>
-              </a:rPr>
-              <a:t>/</a:t>
-            </a:r>
-            <a:endParaRPr lang="en-US" sz="2100" dirty="0"/>
-          </a:p>
-        </p:txBody>
-      </p:sp>
     </p:spTree>
     <p:extLst>
       <p:ext uri="{BB962C8B-B14F-4D97-AF65-F5344CB8AC3E}">
-        <p14:creationId xmlns:p14="http://schemas.microsoft.com/office/powerpoint/2010/main" val="1695938489"/>
+        <p14:creationId xmlns:p14="http://schemas.microsoft.com/office/powerpoint/2010/main" val="4248825788"/>
       </p:ext>
     </p:extLst>
   </p:cSld>
@@ -5096,239 +5997,19 @@
             <p:ph type="title"/>
           </p:nvPr>
         </p:nvSpPr>
-        <p:spPr/>
-        <p:txBody>
-          <a:bodyPr/>
-          <a:lstStyle/>
-          <a:p>
-            <a:r>
-              <a:rPr lang="fr-FR" smtClean="0"/>
-              <a:t>Enjeux - France</a:t>
-            </a:r>
-            <a:endParaRPr lang="fr-FR" dirty="0"/>
-          </a:p>
-        </p:txBody>
-      </p:sp>
-      <p:sp>
-        <p:nvSpPr>
-          <p:cNvPr id="9" name="Espace réservé du contenu 8"/>
-          <p:cNvSpPr>
-            <a:spLocks noGrp="1"/>
-          </p:cNvSpPr>
-          <p:nvPr>
-            <p:ph idx="1"/>
-          </p:nvPr>
-        </p:nvSpPr>
         <p:spPr>
           <a:xfrm>
-            <a:off x="838200" y="1603951"/>
-            <a:ext cx="10515600" cy="4612121"/>
+            <a:off x="294289" y="343813"/>
+            <a:ext cx="10515600" cy="1325563"/>
           </a:xfrm>
         </p:spPr>
         <p:txBody>
-          <a:bodyPr>
-            <a:normAutofit fontScale="85000" lnSpcReduction="20000"/>
-          </a:bodyPr>
-          <a:lstStyle/>
-          <a:p>
-            <a:pPr marL="0" indent="0">
-              <a:lnSpc>
-                <a:spcPct val="120000"/>
-              </a:lnSpc>
-              <a:buNone/>
-            </a:pPr>
-            <a:r>
-              <a:rPr lang="fr-FR" dirty="0"/>
-              <a:t>2 nouveaux groupes au </a:t>
-            </a:r>
+          <a:bodyPr/>
+          <a:lstStyle/>
+          <a:p>
             <a:r>
               <a:rPr lang="fr-FR" dirty="0" smtClean="0"/>
-              <a:t>sein de l’instance nationale </a:t>
-            </a:r>
-            <a:r>
-              <a:rPr lang="fr-FR" dirty="0" smtClean="0">
-                <a:hlinkClick r:id="rId2"/>
-              </a:rPr>
-              <a:t>Comité </a:t>
-            </a:r>
-            <a:r>
-              <a:rPr lang="fr-FR" dirty="0">
-                <a:hlinkClick r:id="rId2"/>
-              </a:rPr>
-              <a:t>pour la science </a:t>
-            </a:r>
-            <a:r>
-              <a:rPr lang="fr-FR" dirty="0" smtClean="0">
-                <a:hlinkClick r:id="rId2"/>
-              </a:rPr>
-              <a:t>ouverte</a:t>
-            </a:r>
-            <a:r>
-              <a:rPr lang="fr-FR" dirty="0" smtClean="0"/>
-              <a:t> portée par le MESRI</a:t>
-            </a:r>
-            <a:endParaRPr lang="fr-FR" dirty="0"/>
-          </a:p>
-          <a:p>
-            <a:pPr>
-              <a:lnSpc>
-                <a:spcPct val="120000"/>
-              </a:lnSpc>
-            </a:pPr>
-            <a:r>
-              <a:rPr lang="fr-FR" dirty="0">
-                <a:hlinkClick r:id="rId3"/>
-              </a:rPr>
-              <a:t> </a:t>
-            </a:r>
-            <a:r>
-              <a:rPr lang="fr-FR" dirty="0" smtClean="0">
-                <a:hlinkClick r:id="rId3"/>
-              </a:rPr>
-              <a:t>Plans </a:t>
-            </a:r>
-            <a:r>
-              <a:rPr lang="fr-FR" dirty="0">
-                <a:hlinkClick r:id="rId3"/>
-              </a:rPr>
-              <a:t>de partage des données issues des essais </a:t>
-            </a:r>
-            <a:r>
-              <a:rPr lang="fr-FR" dirty="0" smtClean="0">
-                <a:hlinkClick r:id="rId3"/>
-              </a:rPr>
-              <a:t>cliniques</a:t>
-            </a:r>
-            <a:endParaRPr lang="fr-FR" dirty="0" smtClean="0"/>
-          </a:p>
-          <a:p>
-            <a:pPr lvl="1">
-              <a:lnSpc>
-                <a:spcPct val="120000"/>
-              </a:lnSpc>
-            </a:pPr>
-            <a:r>
-              <a:rPr lang="fr-FR" dirty="0" smtClean="0"/>
-              <a:t>Pilotage CHU Rennes </a:t>
-            </a:r>
-          </a:p>
-          <a:p>
-            <a:pPr lvl="1">
-              <a:lnSpc>
-                <a:spcPct val="120000"/>
-              </a:lnSpc>
-            </a:pPr>
-            <a:r>
-              <a:rPr lang="fr-FR" dirty="0" smtClean="0"/>
-              <a:t>Optimiser la gestion des données collectées à l’occasion des essais cliniques</a:t>
-            </a:r>
-            <a:endParaRPr lang="fr-FR" dirty="0"/>
-          </a:p>
-          <a:p>
-            <a:pPr lvl="1">
-              <a:lnSpc>
-                <a:spcPct val="120000"/>
-              </a:lnSpc>
-            </a:pPr>
-            <a:r>
-              <a:rPr lang="fr-FR" dirty="0" smtClean="0"/>
-              <a:t>Elaborer des modèles de plans de partage des données (</a:t>
-            </a:r>
-            <a:r>
-              <a:rPr lang="fr-FR" i="1" dirty="0" smtClean="0"/>
-              <a:t>data sharing plans</a:t>
-            </a:r>
-            <a:r>
-              <a:rPr lang="fr-FR" dirty="0" smtClean="0"/>
-              <a:t>) pour favoriser le partage responsable de ces données</a:t>
-            </a:r>
-          </a:p>
-          <a:p>
-            <a:pPr>
-              <a:lnSpc>
-                <a:spcPct val="120000"/>
-              </a:lnSpc>
-            </a:pPr>
-            <a:r>
-              <a:rPr lang="fr-FR" dirty="0"/>
-              <a:t> </a:t>
-            </a:r>
-            <a:r>
-              <a:rPr lang="fr-FR" dirty="0" smtClean="0">
-                <a:hlinkClick r:id="rId4"/>
-              </a:rPr>
-              <a:t>Portail des </a:t>
-            </a:r>
-            <a:r>
-              <a:rPr lang="fr-FR" dirty="0">
-                <a:hlinkClick r:id="rId4"/>
-              </a:rPr>
-              <a:t>études </a:t>
-            </a:r>
-            <a:r>
-              <a:rPr lang="fr-FR" dirty="0" smtClean="0">
-                <a:hlinkClick r:id="rId4"/>
-              </a:rPr>
-              <a:t>individuelles en santé</a:t>
-            </a:r>
-            <a:endParaRPr lang="fr-FR" dirty="0" smtClean="0"/>
-          </a:p>
-          <a:p>
-            <a:pPr lvl="1">
-              <a:lnSpc>
-                <a:spcPct val="120000"/>
-              </a:lnSpc>
-            </a:pPr>
-            <a:r>
-              <a:rPr lang="fr-FR" dirty="0" smtClean="0"/>
-              <a:t>Pilotage </a:t>
-            </a:r>
-            <a:r>
-              <a:rPr lang="fr-FR" dirty="0" err="1" smtClean="0"/>
-              <a:t>Iresp</a:t>
-            </a:r>
-            <a:endParaRPr lang="fr-FR" dirty="0" smtClean="0"/>
-          </a:p>
-          <a:p>
-            <a:pPr lvl="1">
-              <a:lnSpc>
-                <a:spcPct val="120000"/>
-              </a:lnSpc>
-            </a:pPr>
-            <a:r>
-              <a:rPr lang="fr-FR" dirty="0" smtClean="0"/>
-              <a:t>Déclarer et caractériser les projets de recherche en santé impliquant des individus, quels que soient leur état d’avancement et leur issue</a:t>
-            </a:r>
-            <a:endParaRPr lang="fr-FR" dirty="0"/>
-          </a:p>
-          <a:p>
-            <a:pPr>
-              <a:lnSpc>
-                <a:spcPct val="120000"/>
-              </a:lnSpc>
-            </a:pPr>
-            <a:endParaRPr lang="fr-FR" dirty="0"/>
-          </a:p>
-        </p:txBody>
-      </p:sp>
-      <p:sp>
-        <p:nvSpPr>
-          <p:cNvPr id="4" name="Espace réservé du pied de page 3"/>
-          <p:cNvSpPr>
-            <a:spLocks noGrp="1"/>
-          </p:cNvSpPr>
-          <p:nvPr>
-            <p:ph type="ftr" sz="quarter" idx="11"/>
-          </p:nvPr>
-        </p:nvSpPr>
-        <p:spPr/>
-        <p:txBody>
-          <a:bodyPr/>
-          <a:lstStyle/>
-          <a:p>
-            <a:r>
-              <a:rPr lang="fr-FR" smtClean="0"/>
-              <a:t>F. Flamerie - Données de recherche : entrepôts - 2021-06-29</a:t>
+              <a:t>Enjeux</a:t>
             </a:r>
             <a:endParaRPr lang="fr-FR" dirty="0"/>
           </a:p>
@@ -5358,16 +6039,355 @@
           </a:p>
         </p:txBody>
       </p:sp>
+      <p:pic>
+        <p:nvPicPr>
+          <p:cNvPr id="9" name="Espace réservé du contenu 8"/>
+          <p:cNvPicPr>
+            <a:picLocks noGrp="1" noChangeAspect="1"/>
+          </p:cNvPicPr>
+          <p:nvPr>
+            <p:ph idx="1"/>
+          </p:nvPr>
+        </p:nvPicPr>
+        <p:blipFill>
+          <a:blip r:embed="rId3">
+            <a:extLst>
+              <a:ext uri="{28A0092B-C50C-407E-A947-70E740481C1C}">
+                <a14:useLocalDpi xmlns:a14="http://schemas.microsoft.com/office/drawing/2010/main" val="0"/>
+              </a:ext>
+            </a:extLst>
+          </a:blip>
+          <a:stretch>
+            <a:fillRect/>
+          </a:stretch>
+        </p:blipFill>
+        <p:spPr>
+          <a:xfrm>
+            <a:off x="2414752" y="574645"/>
+            <a:ext cx="9658350" cy="5089208"/>
+          </a:xfrm>
+        </p:spPr>
+      </p:pic>
+      <p:sp>
+        <p:nvSpPr>
+          <p:cNvPr id="10" name="Rectangle 9"/>
+          <p:cNvSpPr/>
+          <p:nvPr/>
+        </p:nvSpPr>
+        <p:spPr>
+          <a:xfrm>
+            <a:off x="294289" y="5817890"/>
+            <a:ext cx="11778813" cy="523220"/>
+          </a:xfrm>
+          <a:prstGeom prst="rect">
+            <a:avLst/>
+          </a:prstGeom>
+        </p:spPr>
+        <p:txBody>
+          <a:bodyPr wrap="square">
+            <a:spAutoFit/>
+          </a:bodyPr>
+          <a:lstStyle/>
+          <a:p>
+            <a:r>
+              <a:rPr lang="fr-FR" sz="1400" dirty="0" smtClean="0">
+                <a:latin typeface="Corbel" panose="020B0503020204020204" pitchFamily="34" charset="0"/>
+              </a:rPr>
+              <a:t>Source : Besançon</a:t>
+            </a:r>
+            <a:r>
+              <a:rPr lang="fr-FR" sz="1400" dirty="0">
+                <a:latin typeface="Corbel" panose="020B0503020204020204" pitchFamily="34" charset="0"/>
+              </a:rPr>
+              <a:t>, L., </a:t>
+            </a:r>
+            <a:r>
+              <a:rPr lang="fr-FR" sz="1400" dirty="0" err="1">
+                <a:latin typeface="Corbel" panose="020B0503020204020204" pitchFamily="34" charset="0"/>
+              </a:rPr>
+              <a:t>Peiffer-Smadja</a:t>
+            </a:r>
+            <a:r>
+              <a:rPr lang="fr-FR" sz="1400" dirty="0">
+                <a:latin typeface="Corbel" panose="020B0503020204020204" pitchFamily="34" charset="0"/>
+              </a:rPr>
+              <a:t>, N., </a:t>
+            </a:r>
+            <a:r>
+              <a:rPr lang="fr-FR" sz="1400" dirty="0" err="1">
+                <a:latin typeface="Corbel" panose="020B0503020204020204" pitchFamily="34" charset="0"/>
+              </a:rPr>
+              <a:t>Segalas</a:t>
+            </a:r>
+            <a:r>
+              <a:rPr lang="fr-FR" sz="1400" dirty="0">
+                <a:latin typeface="Corbel" panose="020B0503020204020204" pitchFamily="34" charset="0"/>
+              </a:rPr>
+              <a:t>, C., Jiang, H., </a:t>
+            </a:r>
+            <a:r>
+              <a:rPr lang="fr-FR" sz="1400" dirty="0" err="1">
+                <a:latin typeface="Corbel" panose="020B0503020204020204" pitchFamily="34" charset="0"/>
+              </a:rPr>
+              <a:t>Masuzzo</a:t>
+            </a:r>
+            <a:r>
+              <a:rPr lang="fr-FR" sz="1400" dirty="0">
+                <a:latin typeface="Corbel" panose="020B0503020204020204" pitchFamily="34" charset="0"/>
+              </a:rPr>
+              <a:t>, P., </a:t>
+            </a:r>
+            <a:r>
+              <a:rPr lang="fr-FR" sz="1400" dirty="0" err="1">
+                <a:latin typeface="Corbel" panose="020B0503020204020204" pitchFamily="34" charset="0"/>
+              </a:rPr>
+              <a:t>Smout</a:t>
+            </a:r>
+            <a:r>
+              <a:rPr lang="fr-FR" sz="1400" dirty="0">
+                <a:latin typeface="Corbel" panose="020B0503020204020204" pitchFamily="34" charset="0"/>
+              </a:rPr>
+              <a:t>, C., Billy, E., </a:t>
+            </a:r>
+            <a:r>
+              <a:rPr lang="fr-FR" sz="1400" dirty="0" err="1">
+                <a:latin typeface="Corbel" panose="020B0503020204020204" pitchFamily="34" charset="0"/>
+              </a:rPr>
+              <a:t>Deforet</a:t>
+            </a:r>
+            <a:r>
+              <a:rPr lang="fr-FR" sz="1400" dirty="0">
+                <a:latin typeface="Corbel" panose="020B0503020204020204" pitchFamily="34" charset="0"/>
+              </a:rPr>
+              <a:t>, M., &amp; </a:t>
+            </a:r>
+            <a:r>
+              <a:rPr lang="fr-FR" sz="1400" dirty="0" err="1">
+                <a:latin typeface="Corbel" panose="020B0503020204020204" pitchFamily="34" charset="0"/>
+              </a:rPr>
+              <a:t>Leyrat</a:t>
+            </a:r>
+            <a:r>
+              <a:rPr lang="fr-FR" sz="1400" dirty="0">
+                <a:latin typeface="Corbel" panose="020B0503020204020204" pitchFamily="34" charset="0"/>
+              </a:rPr>
+              <a:t>, C. (2021). Open science </a:t>
+            </a:r>
+            <a:r>
+              <a:rPr lang="fr-FR" sz="1400" dirty="0" err="1">
+                <a:latin typeface="Corbel" panose="020B0503020204020204" pitchFamily="34" charset="0"/>
+              </a:rPr>
+              <a:t>saves</a:t>
+            </a:r>
+            <a:r>
+              <a:rPr lang="fr-FR" sz="1400" dirty="0">
+                <a:latin typeface="Corbel" panose="020B0503020204020204" pitchFamily="34" charset="0"/>
+              </a:rPr>
+              <a:t> </a:t>
+            </a:r>
+            <a:r>
+              <a:rPr lang="fr-FR" sz="1400" dirty="0" err="1">
+                <a:latin typeface="Corbel" panose="020B0503020204020204" pitchFamily="34" charset="0"/>
+              </a:rPr>
+              <a:t>lives</a:t>
+            </a:r>
+            <a:r>
+              <a:rPr lang="fr-FR" sz="1400" dirty="0">
+                <a:latin typeface="Corbel" panose="020B0503020204020204" pitchFamily="34" charset="0"/>
+              </a:rPr>
+              <a:t> : </a:t>
+            </a:r>
+            <a:r>
+              <a:rPr lang="fr-FR" sz="1400" dirty="0" err="1">
+                <a:latin typeface="Corbel" panose="020B0503020204020204" pitchFamily="34" charset="0"/>
+              </a:rPr>
+              <a:t>Lessons</a:t>
+            </a:r>
+            <a:r>
+              <a:rPr lang="fr-FR" sz="1400" dirty="0">
+                <a:latin typeface="Corbel" panose="020B0503020204020204" pitchFamily="34" charset="0"/>
+              </a:rPr>
+              <a:t> </a:t>
+            </a:r>
+            <a:r>
+              <a:rPr lang="fr-FR" sz="1400" dirty="0" err="1">
+                <a:latin typeface="Corbel" panose="020B0503020204020204" pitchFamily="34" charset="0"/>
+              </a:rPr>
+              <a:t>from</a:t>
+            </a:r>
+            <a:r>
+              <a:rPr lang="fr-FR" sz="1400" dirty="0">
+                <a:latin typeface="Corbel" panose="020B0503020204020204" pitchFamily="34" charset="0"/>
+              </a:rPr>
+              <a:t> the COVID-19 </a:t>
+            </a:r>
+            <a:r>
+              <a:rPr lang="fr-FR" sz="1400" dirty="0" err="1">
+                <a:latin typeface="Corbel" panose="020B0503020204020204" pitchFamily="34" charset="0"/>
+              </a:rPr>
+              <a:t>pandemic</a:t>
+            </a:r>
+            <a:r>
+              <a:rPr lang="fr-FR" sz="1400" dirty="0">
+                <a:latin typeface="Corbel" panose="020B0503020204020204" pitchFamily="34" charset="0"/>
+              </a:rPr>
+              <a:t>. </a:t>
+            </a:r>
+            <a:r>
+              <a:rPr lang="fr-FR" sz="1400" i="1" dirty="0">
+                <a:latin typeface="Corbel" panose="020B0503020204020204" pitchFamily="34" charset="0"/>
+              </a:rPr>
+              <a:t>BMC </a:t>
+            </a:r>
+            <a:r>
+              <a:rPr lang="fr-FR" sz="1400" i="1" dirty="0" err="1">
+                <a:latin typeface="Corbel" panose="020B0503020204020204" pitchFamily="34" charset="0"/>
+              </a:rPr>
+              <a:t>Medical</a:t>
+            </a:r>
+            <a:r>
+              <a:rPr lang="fr-FR" sz="1400" i="1" dirty="0">
+                <a:latin typeface="Corbel" panose="020B0503020204020204" pitchFamily="34" charset="0"/>
+              </a:rPr>
+              <a:t> </a:t>
+            </a:r>
+            <a:r>
+              <a:rPr lang="fr-FR" sz="1400" i="1" dirty="0" err="1">
+                <a:latin typeface="Corbel" panose="020B0503020204020204" pitchFamily="34" charset="0"/>
+              </a:rPr>
+              <a:t>Research</a:t>
+            </a:r>
+            <a:r>
+              <a:rPr lang="fr-FR" sz="1400" i="1" dirty="0">
+                <a:latin typeface="Corbel" panose="020B0503020204020204" pitchFamily="34" charset="0"/>
+              </a:rPr>
+              <a:t> </a:t>
+            </a:r>
+            <a:r>
+              <a:rPr lang="fr-FR" sz="1400" i="1" dirty="0" err="1">
+                <a:latin typeface="Corbel" panose="020B0503020204020204" pitchFamily="34" charset="0"/>
+              </a:rPr>
+              <a:t>Methodology</a:t>
+            </a:r>
+            <a:r>
+              <a:rPr lang="fr-FR" sz="1400" dirty="0">
+                <a:latin typeface="Corbel" panose="020B0503020204020204" pitchFamily="34" charset="0"/>
+              </a:rPr>
+              <a:t>, </a:t>
+            </a:r>
+            <a:r>
+              <a:rPr lang="fr-FR" sz="1400" i="1" dirty="0">
+                <a:latin typeface="Corbel" panose="020B0503020204020204" pitchFamily="34" charset="0"/>
+              </a:rPr>
+              <a:t>21</a:t>
+            </a:r>
+            <a:r>
+              <a:rPr lang="fr-FR" sz="1400" dirty="0">
+                <a:latin typeface="Corbel" panose="020B0503020204020204" pitchFamily="34" charset="0"/>
+              </a:rPr>
+              <a:t>(1), 117. </a:t>
+            </a:r>
+            <a:r>
+              <a:rPr lang="fr-FR" sz="1400" dirty="0">
+                <a:latin typeface="Corbel" panose="020B0503020204020204" pitchFamily="34" charset="0"/>
+                <a:hlinkClick r:id="rId4"/>
+              </a:rPr>
+              <a:t>https://doi.org/10.1186/s12874-021-01304-y</a:t>
+            </a:r>
+            <a:endParaRPr lang="fr-FR" sz="1400" dirty="0">
+              <a:effectLst/>
+              <a:latin typeface="Corbel" panose="020B0503020204020204" pitchFamily="34" charset="0"/>
+            </a:endParaRPr>
+          </a:p>
+        </p:txBody>
+      </p:sp>
+      <p:sp>
+        <p:nvSpPr>
+          <p:cNvPr id="3" name="Espace réservé du pied de page 2"/>
+          <p:cNvSpPr>
+            <a:spLocks noGrp="1"/>
+          </p:cNvSpPr>
+          <p:nvPr>
+            <p:ph type="ftr" sz="quarter" idx="11"/>
+          </p:nvPr>
+        </p:nvSpPr>
+        <p:spPr/>
+        <p:txBody>
+          <a:bodyPr/>
+          <a:lstStyle/>
+          <a:p>
+            <a:r>
+              <a:rPr lang="fr-FR" smtClean="0"/>
+              <a:t>F. Flamerie - Données de recherche : entrepôts - 2022-06-28</a:t>
+            </a:r>
+            <a:endParaRPr lang="fr-FR" dirty="0"/>
+          </a:p>
+        </p:txBody>
+      </p:sp>
+      <p:sp>
+        <p:nvSpPr>
+          <p:cNvPr id="8" name="Rectangle à coins arrondis 7"/>
+          <p:cNvSpPr/>
+          <p:nvPr/>
+        </p:nvSpPr>
+        <p:spPr>
+          <a:xfrm>
+            <a:off x="5463251" y="2766349"/>
+            <a:ext cx="1620455" cy="451413"/>
+          </a:xfrm>
+          <a:prstGeom prst="roundRect">
+            <a:avLst/>
+          </a:prstGeom>
+          <a:noFill/>
+          <a:ln w="38100">
+            <a:solidFill>
+              <a:srgbClr val="00B0F0"/>
+            </a:solidFill>
+            <a:prstDash val="sysDash"/>
+          </a:ln>
+        </p:spPr>
+        <p:style>
+          <a:lnRef idx="2">
+            <a:schemeClr val="accent1">
+              <a:shade val="50000"/>
+            </a:schemeClr>
+          </a:lnRef>
+          <a:fillRef idx="1">
+            <a:schemeClr val="accent1"/>
+          </a:fillRef>
+          <a:effectRef idx="0">
+            <a:schemeClr val="accent1"/>
+          </a:effectRef>
+          <a:fontRef idx="minor">
+            <a:schemeClr val="lt1"/>
+          </a:fontRef>
+        </p:style>
+        <p:txBody>
+          <a:bodyPr rtlCol="0" anchor="ctr"/>
+          <a:lstStyle/>
+          <a:p>
+            <a:pPr algn="ctr"/>
+            <a:endParaRPr lang="fr-FR"/>
+          </a:p>
+        </p:txBody>
+      </p:sp>
     </p:spTree>
     <p:extLst>
       <p:ext uri="{BB962C8B-B14F-4D97-AF65-F5344CB8AC3E}">
-        <p14:creationId xmlns:p14="http://schemas.microsoft.com/office/powerpoint/2010/main" val="1940710515"/>
+        <p14:creationId xmlns:p14="http://schemas.microsoft.com/office/powerpoint/2010/main" val="2489551365"/>
       </p:ext>
     </p:extLst>
   </p:cSld>
   <p:clrMapOvr>
     <a:masterClrMapping/>
   </p:clrMapOvr>
+  <p:timing>
+    <p:tnLst>
+      <p:par>
+        <p:cTn id="1" dur="indefinite" restart="never" nodeType="tmRoot"/>
+      </p:par>
+    </p:tnLst>
+  </p:timing>
 </p:sld>
 </file>
 
@@ -5390,17 +6410,330 @@
       </p:grpSpPr>
       <p:sp>
         <p:nvSpPr>
-          <p:cNvPr id="6" name="Titre 5"/>
+          <p:cNvPr id="2" name="Titre 1"/>
           <p:cNvSpPr>
             <a:spLocks noGrp="1"/>
           </p:cNvSpPr>
           <p:nvPr>
             <p:ph type="title"/>
+          </p:nvPr>
+        </p:nvSpPr>
+        <p:spPr/>
+        <p:txBody>
+          <a:bodyPr/>
+          <a:lstStyle/>
+          <a:p>
+            <a:r>
+              <a:rPr lang="fr-FR" smtClean="0"/>
+              <a:t>Enjeux - France</a:t>
+            </a:r>
+            <a:endParaRPr lang="fr-FR" dirty="0"/>
+          </a:p>
+        </p:txBody>
+      </p:sp>
+      <p:sp>
+        <p:nvSpPr>
+          <p:cNvPr id="9" name="Espace réservé du contenu 8"/>
+          <p:cNvSpPr>
+            <a:spLocks noGrp="1"/>
+          </p:cNvSpPr>
+          <p:nvPr>
+            <p:ph idx="1"/>
           </p:nvPr>
         </p:nvSpPr>
         <p:spPr>
           <a:xfrm>
-            <a:off x="838200" y="149240"/>
+            <a:off x="838200" y="1603951"/>
+            <a:ext cx="10515600" cy="4612121"/>
+          </a:xfrm>
+        </p:spPr>
+        <p:txBody>
+          <a:bodyPr>
+            <a:normAutofit fontScale="85000" lnSpcReduction="20000"/>
+          </a:bodyPr>
+          <a:lstStyle/>
+          <a:p>
+            <a:pPr marL="0" indent="0">
+              <a:lnSpc>
+                <a:spcPct val="120000"/>
+              </a:lnSpc>
+              <a:buNone/>
+            </a:pPr>
+            <a:r>
+              <a:rPr lang="fr-FR" dirty="0"/>
+              <a:t>2 nouveaux groupes au </a:t>
+            </a:r>
+            <a:r>
+              <a:rPr lang="fr-FR" dirty="0" smtClean="0"/>
+              <a:t>sein de l’instance nationale </a:t>
+            </a:r>
+            <a:r>
+              <a:rPr lang="fr-FR" dirty="0" smtClean="0">
+                <a:hlinkClick r:id="rId2"/>
+              </a:rPr>
+              <a:t>Comité </a:t>
+            </a:r>
+            <a:r>
+              <a:rPr lang="fr-FR" dirty="0">
+                <a:hlinkClick r:id="rId2"/>
+              </a:rPr>
+              <a:t>pour la science </a:t>
+            </a:r>
+            <a:r>
+              <a:rPr lang="fr-FR" dirty="0" smtClean="0">
+                <a:hlinkClick r:id="rId2"/>
+              </a:rPr>
+              <a:t>ouverte</a:t>
+            </a:r>
+            <a:r>
+              <a:rPr lang="fr-FR" dirty="0" smtClean="0"/>
+              <a:t> portée par le MESRI</a:t>
+            </a:r>
+            <a:endParaRPr lang="fr-FR" dirty="0"/>
+          </a:p>
+          <a:p>
+            <a:pPr>
+              <a:lnSpc>
+                <a:spcPct val="120000"/>
+              </a:lnSpc>
+            </a:pPr>
+            <a:r>
+              <a:rPr lang="fr-FR" dirty="0">
+                <a:hlinkClick r:id="rId3"/>
+              </a:rPr>
+              <a:t> </a:t>
+            </a:r>
+            <a:r>
+              <a:rPr lang="fr-FR" dirty="0" smtClean="0">
+                <a:hlinkClick r:id="rId3"/>
+              </a:rPr>
+              <a:t>Plans </a:t>
+            </a:r>
+            <a:r>
+              <a:rPr lang="fr-FR" dirty="0">
+                <a:hlinkClick r:id="rId3"/>
+              </a:rPr>
+              <a:t>de partage des données issues des essais </a:t>
+            </a:r>
+            <a:r>
+              <a:rPr lang="fr-FR" dirty="0" smtClean="0">
+                <a:hlinkClick r:id="rId3"/>
+              </a:rPr>
+              <a:t>cliniques</a:t>
+            </a:r>
+            <a:endParaRPr lang="fr-FR" dirty="0" smtClean="0"/>
+          </a:p>
+          <a:p>
+            <a:pPr lvl="1">
+              <a:lnSpc>
+                <a:spcPct val="120000"/>
+              </a:lnSpc>
+            </a:pPr>
+            <a:r>
+              <a:rPr lang="fr-FR" dirty="0" smtClean="0"/>
+              <a:t>Pilotage CHU Rennes </a:t>
+            </a:r>
+          </a:p>
+          <a:p>
+            <a:pPr lvl="1">
+              <a:lnSpc>
+                <a:spcPct val="120000"/>
+              </a:lnSpc>
+            </a:pPr>
+            <a:r>
+              <a:rPr lang="fr-FR" dirty="0" smtClean="0"/>
+              <a:t>Optimiser la gestion des données collectées à l’occasion des essais cliniques</a:t>
+            </a:r>
+            <a:endParaRPr lang="fr-FR" dirty="0"/>
+          </a:p>
+          <a:p>
+            <a:pPr lvl="1">
+              <a:lnSpc>
+                <a:spcPct val="120000"/>
+              </a:lnSpc>
+            </a:pPr>
+            <a:r>
+              <a:rPr lang="fr-FR" dirty="0" smtClean="0"/>
+              <a:t>Elaborer des modèles de plans de partage des données (</a:t>
+            </a:r>
+            <a:r>
+              <a:rPr lang="fr-FR" i="1" dirty="0" smtClean="0"/>
+              <a:t>data sharing plans</a:t>
+            </a:r>
+            <a:r>
+              <a:rPr lang="fr-FR" dirty="0" smtClean="0"/>
+              <a:t>) pour favoriser le partage responsable de ces données</a:t>
+            </a:r>
+          </a:p>
+          <a:p>
+            <a:pPr>
+              <a:lnSpc>
+                <a:spcPct val="120000"/>
+              </a:lnSpc>
+            </a:pPr>
+            <a:r>
+              <a:rPr lang="fr-FR" dirty="0"/>
+              <a:t> </a:t>
+            </a:r>
+            <a:r>
+              <a:rPr lang="fr-FR" dirty="0" smtClean="0">
+                <a:hlinkClick r:id="rId4"/>
+              </a:rPr>
+              <a:t>Portail des </a:t>
+            </a:r>
+            <a:r>
+              <a:rPr lang="fr-FR" dirty="0">
+                <a:hlinkClick r:id="rId4"/>
+              </a:rPr>
+              <a:t>études </a:t>
+            </a:r>
+            <a:r>
+              <a:rPr lang="fr-FR" dirty="0" smtClean="0">
+                <a:hlinkClick r:id="rId4"/>
+              </a:rPr>
+              <a:t>individuelles en santé</a:t>
+            </a:r>
+            <a:endParaRPr lang="fr-FR" dirty="0" smtClean="0"/>
+          </a:p>
+          <a:p>
+            <a:pPr lvl="1">
+              <a:lnSpc>
+                <a:spcPct val="120000"/>
+              </a:lnSpc>
+            </a:pPr>
+            <a:r>
+              <a:rPr lang="fr-FR" dirty="0" smtClean="0"/>
+              <a:t>Pilotage </a:t>
+            </a:r>
+            <a:r>
+              <a:rPr lang="fr-FR" dirty="0" err="1" smtClean="0"/>
+              <a:t>Iresp</a:t>
+            </a:r>
+            <a:endParaRPr lang="fr-FR" dirty="0" smtClean="0"/>
+          </a:p>
+          <a:p>
+            <a:pPr lvl="1">
+              <a:lnSpc>
+                <a:spcPct val="120000"/>
+              </a:lnSpc>
+            </a:pPr>
+            <a:r>
+              <a:rPr lang="fr-FR" dirty="0" smtClean="0"/>
+              <a:t>Déclarer et caractériser les projets de recherche en santé impliquant des individus, quels que soient leur état d’avancement et leur issue, </a:t>
+            </a:r>
+            <a:r>
+              <a:rPr lang="fr-FR" dirty="0"/>
+              <a:t>au travers d’un portail national </a:t>
+            </a:r>
+            <a:r>
+              <a:rPr lang="fr-FR" dirty="0" err="1"/>
+              <a:t>FReSH</a:t>
+            </a:r>
+            <a:r>
+              <a:rPr lang="fr-FR" dirty="0"/>
+              <a:t> (France Recherche en Santé Humaine)</a:t>
+            </a:r>
+          </a:p>
+          <a:p>
+            <a:pPr>
+              <a:lnSpc>
+                <a:spcPct val="120000"/>
+              </a:lnSpc>
+            </a:pPr>
+            <a:endParaRPr lang="fr-FR" dirty="0"/>
+          </a:p>
+        </p:txBody>
+      </p:sp>
+      <p:sp>
+        <p:nvSpPr>
+          <p:cNvPr id="4" name="Espace réservé du pied de page 3"/>
+          <p:cNvSpPr>
+            <a:spLocks noGrp="1"/>
+          </p:cNvSpPr>
+          <p:nvPr>
+            <p:ph type="ftr" sz="quarter" idx="11"/>
+          </p:nvPr>
+        </p:nvSpPr>
+        <p:spPr/>
+        <p:txBody>
+          <a:bodyPr/>
+          <a:lstStyle/>
+          <a:p>
+            <a:r>
+              <a:rPr lang="fr-FR" smtClean="0"/>
+              <a:t>F. Flamerie - Données de recherche : entrepôts - 2022-06-28</a:t>
+            </a:r>
+            <a:endParaRPr lang="fr-FR" dirty="0"/>
+          </a:p>
+        </p:txBody>
+      </p:sp>
+      <p:sp>
+        <p:nvSpPr>
+          <p:cNvPr id="5" name="Espace réservé du numéro de diapositive 4"/>
+          <p:cNvSpPr>
+            <a:spLocks noGrp="1"/>
+          </p:cNvSpPr>
+          <p:nvPr>
+            <p:ph type="sldNum" sz="quarter" idx="12"/>
+          </p:nvPr>
+        </p:nvSpPr>
+        <p:spPr/>
+        <p:txBody>
+          <a:bodyPr/>
+          <a:lstStyle/>
+          <a:p>
+            <a:fld id="{99E13252-68E5-4994-B57B-B03F39B52C7D}" type="slidenum">
+              <a:rPr lang="fr-FR" smtClean="0"/>
+              <a:pPr/>
+              <a:t>13</a:t>
+            </a:fld>
+            <a:endParaRPr lang="fr-FR" dirty="0"/>
+          </a:p>
+        </p:txBody>
+      </p:sp>
+    </p:spTree>
+    <p:extLst>
+      <p:ext uri="{BB962C8B-B14F-4D97-AF65-F5344CB8AC3E}">
+        <p14:creationId xmlns:p14="http://schemas.microsoft.com/office/powerpoint/2010/main" val="1940710515"/>
+      </p:ext>
+    </p:extLst>
+  </p:cSld>
+  <p:clrMapOvr>
+    <a:masterClrMapping/>
+  </p:clrMapOvr>
+</p:sld>
+</file>
+
+<file path=ppt/slides/slide14.xml><?xml version="1.0" encoding="utf-8"?>
+<p:sld xmlns:a="http://schemas.openxmlformats.org/drawingml/2006/main" xmlns:r="http://schemas.openxmlformats.org/officeDocument/2006/relationships" xmlns:p="http://schemas.openxmlformats.org/presentationml/2006/main">
+  <p:cSld>
+    <p:spTree>
+      <p:nvGrpSpPr>
+        <p:cNvPr id="1" name=""/>
+        <p:cNvGrpSpPr/>
+        <p:nvPr/>
+      </p:nvGrpSpPr>
+      <p:grpSpPr>
+        <a:xfrm>
+          <a:off x="0" y="0"/>
+          <a:ext cx="0" cy="0"/>
+          <a:chOff x="0" y="0"/>
+          <a:chExt cx="0" cy="0"/>
+        </a:xfrm>
+      </p:grpSpPr>
+      <p:sp>
+        <p:nvSpPr>
+          <p:cNvPr id="2" name="Titre 1"/>
+          <p:cNvSpPr>
+            <a:spLocks noGrp="1"/>
+          </p:cNvSpPr>
+          <p:nvPr>
+            <p:ph type="title"/>
+          </p:nvPr>
+        </p:nvSpPr>
+        <p:spPr>
+          <a:xfrm>
+            <a:off x="838200" y="305491"/>
             <a:ext cx="10515600" cy="1325563"/>
           </a:xfrm>
         </p:spPr>
@@ -5410,6 +6743,267 @@
           <a:p>
             <a:r>
               <a:rPr lang="fr-FR" dirty="0" smtClean="0"/>
+              <a:t>Enjeux - politique de l’ANR</a:t>
+            </a:r>
+            <a:endParaRPr lang="fr-FR" dirty="0"/>
+          </a:p>
+        </p:txBody>
+      </p:sp>
+      <p:sp>
+        <p:nvSpPr>
+          <p:cNvPr id="5" name="Espace réservé du numéro de diapositive 4"/>
+          <p:cNvSpPr>
+            <a:spLocks noGrp="1"/>
+          </p:cNvSpPr>
+          <p:nvPr>
+            <p:ph type="sldNum" sz="quarter" idx="12"/>
+          </p:nvPr>
+        </p:nvSpPr>
+        <p:spPr/>
+        <p:txBody>
+          <a:bodyPr/>
+          <a:lstStyle/>
+          <a:p>
+            <a:fld id="{99E13252-68E5-4994-B57B-B03F39B52C7D}" type="slidenum">
+              <a:rPr lang="fr-FR" smtClean="0"/>
+              <a:pPr/>
+              <a:t>14</a:t>
+            </a:fld>
+            <a:endParaRPr lang="fr-FR" dirty="0"/>
+          </a:p>
+        </p:txBody>
+      </p:sp>
+      <p:sp>
+        <p:nvSpPr>
+          <p:cNvPr id="3" name="Espace réservé du contenu 2"/>
+          <p:cNvSpPr>
+            <a:spLocks noGrp="1"/>
+          </p:cNvSpPr>
+          <p:nvPr>
+            <p:ph idx="1"/>
+          </p:nvPr>
+        </p:nvSpPr>
+        <p:spPr>
+          <a:xfrm>
+            <a:off x="838200" y="1631054"/>
+            <a:ext cx="10515600" cy="4895850"/>
+          </a:xfrm>
+        </p:spPr>
+        <p:txBody>
+          <a:bodyPr>
+            <a:normAutofit/>
+          </a:bodyPr>
+          <a:lstStyle/>
+          <a:p>
+            <a:pPr marL="0" indent="0">
+              <a:lnSpc>
+                <a:spcPct val="110000"/>
+              </a:lnSpc>
+              <a:buNone/>
+            </a:pPr>
+            <a:r>
+              <a:rPr lang="en-US" dirty="0" smtClean="0">
+                <a:solidFill>
+                  <a:schemeClr val="bg2">
+                    <a:lumMod val="50000"/>
+                  </a:schemeClr>
+                </a:solidFill>
+              </a:rPr>
+              <a:t>“</a:t>
+            </a:r>
+            <a:r>
+              <a:rPr lang="fr-FR" b="1" dirty="0">
+                <a:solidFill>
+                  <a:schemeClr val="bg2">
+                    <a:lumMod val="50000"/>
+                  </a:schemeClr>
+                </a:solidFill>
+              </a:rPr>
+              <a:t>Est-ce qu’il existe une obligation à l’ouverture des données ?</a:t>
+            </a:r>
+          </a:p>
+          <a:p>
+            <a:pPr marL="0" indent="0">
+              <a:lnSpc>
+                <a:spcPct val="110000"/>
+              </a:lnSpc>
+              <a:buNone/>
+            </a:pPr>
+            <a:r>
+              <a:rPr lang="fr-FR" dirty="0">
+                <a:solidFill>
+                  <a:schemeClr val="bg2">
+                    <a:lumMod val="50000"/>
+                  </a:schemeClr>
+                </a:solidFill>
+              </a:rPr>
+              <a:t>Non. En cas de financement le coordinateur ou la coordinatrice s’engage à fournir un plan de gestion de données. Le PGD a pour but de préparer la diffusion potentielle des données mais il ne constitue pas une obligation à l’ouverture. Le principe « aussi ouvert que possible, aussi fermé que nécessaire » est au cœur de la démarche de l’ANR. </a:t>
+            </a:r>
+            <a:endParaRPr lang="en-US" dirty="0" smtClean="0">
+              <a:solidFill>
+                <a:schemeClr val="bg2">
+                  <a:lumMod val="50000"/>
+                </a:schemeClr>
+              </a:solidFill>
+            </a:endParaRPr>
+          </a:p>
+          <a:p>
+            <a:pPr marL="0" indent="0">
+              <a:lnSpc>
+                <a:spcPct val="120000"/>
+              </a:lnSpc>
+              <a:buNone/>
+            </a:pPr>
+            <a:r>
+              <a:rPr lang="en-US" sz="2000" dirty="0" smtClean="0"/>
+              <a:t>Source : </a:t>
+            </a:r>
+            <a:r>
+              <a:rPr lang="fr-FR" sz="2000" dirty="0">
+                <a:hlinkClick r:id="rId3"/>
+              </a:rPr>
+              <a:t>FAQ Plan de Gestion des Données (PGD</a:t>
+            </a:r>
+            <a:r>
+              <a:rPr lang="fr-FR" sz="2000" dirty="0" smtClean="0">
+                <a:hlinkClick r:id="rId3"/>
+              </a:rPr>
+              <a:t>) de l’ANR</a:t>
+            </a:r>
+            <a:r>
+              <a:rPr lang="fr-FR" sz="2000" b="1" dirty="0" smtClean="0"/>
+              <a:t> </a:t>
+            </a:r>
+            <a:endParaRPr lang="fr-FR" sz="2000" b="1" dirty="0"/>
+          </a:p>
+          <a:p>
+            <a:pPr marL="0" indent="0">
+              <a:lnSpc>
+                <a:spcPct val="120000"/>
+              </a:lnSpc>
+              <a:buNone/>
+            </a:pPr>
+            <a:r>
+              <a:rPr lang="fr-FR" sz="2000" dirty="0" smtClean="0"/>
+              <a:t> A noter que cette politique est commune au réseau des agences de financement françaises (</a:t>
+            </a:r>
+            <a:r>
+              <a:rPr lang="fr-FR" sz="2000" dirty="0"/>
+              <a:t>ADEME, </a:t>
+            </a:r>
+            <a:r>
+              <a:rPr lang="fr-FR" sz="2000" dirty="0" smtClean="0"/>
+              <a:t>ANR</a:t>
+            </a:r>
+            <a:r>
+              <a:rPr lang="fr-FR" sz="2000" dirty="0"/>
+              <a:t>, </a:t>
+            </a:r>
+            <a:r>
+              <a:rPr lang="fr-FR" sz="2000" dirty="0" smtClean="0"/>
+              <a:t>ANRS-MIE</a:t>
+            </a:r>
+            <a:r>
+              <a:rPr lang="fr-FR" sz="2000" dirty="0"/>
+              <a:t>, </a:t>
+            </a:r>
+            <a:r>
+              <a:rPr lang="fr-FR" sz="2000" dirty="0" smtClean="0"/>
+              <a:t>Anses et </a:t>
+            </a:r>
+            <a:r>
+              <a:rPr lang="fr-FR" sz="2000" dirty="0" err="1" smtClean="0"/>
+              <a:t>INCa</a:t>
+            </a:r>
+            <a:r>
+              <a:rPr lang="fr-FR" sz="2000" dirty="0" smtClean="0"/>
+              <a:t>)</a:t>
+            </a:r>
+          </a:p>
+        </p:txBody>
+      </p:sp>
+      <p:sp>
+        <p:nvSpPr>
+          <p:cNvPr id="4" name="Espace réservé du pied de page 3"/>
+          <p:cNvSpPr>
+            <a:spLocks noGrp="1"/>
+          </p:cNvSpPr>
+          <p:nvPr>
+            <p:ph type="ftr" sz="quarter" idx="11"/>
+          </p:nvPr>
+        </p:nvSpPr>
+        <p:spPr/>
+        <p:txBody>
+          <a:bodyPr/>
+          <a:lstStyle/>
+          <a:p>
+            <a:r>
+              <a:rPr lang="fr-FR" smtClean="0"/>
+              <a:t>F. Flamerie - Données de recherche : entrepôts - 2022-06-28</a:t>
+            </a:r>
+            <a:endParaRPr lang="fr-FR" dirty="0"/>
+          </a:p>
+        </p:txBody>
+      </p:sp>
+    </p:spTree>
+    <p:extLst>
+      <p:ext uri="{BB962C8B-B14F-4D97-AF65-F5344CB8AC3E}">
+        <p14:creationId xmlns:p14="http://schemas.microsoft.com/office/powerpoint/2010/main" val="3946852752"/>
+      </p:ext>
+    </p:extLst>
+  </p:cSld>
+  <p:clrMapOvr>
+    <a:masterClrMapping/>
+  </p:clrMapOvr>
+  <p:timing>
+    <p:tnLst>
+      <p:par>
+        <p:cTn id="1" dur="indefinite" restart="never" nodeType="tmRoot"/>
+      </p:par>
+    </p:tnLst>
+  </p:timing>
+</p:sld>
+</file>
+
+<file path=ppt/slides/slide15.xml><?xml version="1.0" encoding="utf-8"?>
+<p:sld xmlns:a="http://schemas.openxmlformats.org/drawingml/2006/main" xmlns:r="http://schemas.openxmlformats.org/officeDocument/2006/relationships" xmlns:p="http://schemas.openxmlformats.org/presentationml/2006/main">
+  <p:cSld>
+    <p:spTree>
+      <p:nvGrpSpPr>
+        <p:cNvPr id="1" name=""/>
+        <p:cNvGrpSpPr/>
+        <p:nvPr/>
+      </p:nvGrpSpPr>
+      <p:grpSpPr>
+        <a:xfrm>
+          <a:off x="0" y="0"/>
+          <a:ext cx="0" cy="0"/>
+          <a:chOff x="0" y="0"/>
+          <a:chExt cx="0" cy="0"/>
+        </a:xfrm>
+      </p:grpSpPr>
+      <p:sp>
+        <p:nvSpPr>
+          <p:cNvPr id="6" name="Titre 5"/>
+          <p:cNvSpPr>
+            <a:spLocks noGrp="1"/>
+          </p:cNvSpPr>
+          <p:nvPr>
+            <p:ph type="title"/>
+          </p:nvPr>
+        </p:nvSpPr>
+        <p:spPr>
+          <a:xfrm>
+            <a:off x="685800" y="98282"/>
+            <a:ext cx="10515600" cy="1325563"/>
+          </a:xfrm>
+        </p:spPr>
+        <p:txBody>
+          <a:bodyPr/>
+          <a:lstStyle/>
+          <a:p>
+            <a:r>
+              <a:rPr lang="fr-FR" dirty="0" smtClean="0"/>
               <a:t>Entrepôts de données et principes FAIR</a:t>
             </a:r>
             <a:endParaRPr lang="fr-FR" dirty="0"/>
@@ -5433,7 +7027,7 @@
           <a:p>
             <a:r>
               <a:rPr lang="fr-FR" smtClean="0"/>
-              <a:t>F. Flamerie - Données de recherche : entrepôts - 2021-06-29</a:t>
+              <a:t>F. Flamerie - Données de recherche : entrepôts - 2022-06-28</a:t>
             </a:r>
             <a:endParaRPr lang="fr-FR"/>
           </a:p>
@@ -5456,7 +7050,7 @@
           <a:p>
             <a:fld id="{99E13252-68E5-4994-B57B-B03F39B52C7D}" type="slidenum">
               <a:rPr lang="fr-FR" smtClean="0"/>
-              <a:t>13</a:t>
+              <a:t>15</a:t>
             </a:fld>
             <a:endParaRPr lang="fr-FR"/>
           </a:p>
@@ -5681,10 +7275,16 @@
               <a:t>Principes FAIR en détail -&gt; </a:t>
             </a:r>
             <a:r>
-              <a:rPr lang="fr-FR" sz="2400" dirty="0" smtClean="0">
+              <a:rPr lang="fr-FR" sz="2400" dirty="0">
                 <a:hlinkClick r:id="rId4"/>
               </a:rPr>
-              <a:t>Page web « FAIR et DMP » sur le site de la BU</a:t>
+              <a:t>« Les principes FAIR » sur le site </a:t>
+            </a:r>
+            <a:r>
+              <a:rPr lang="fr-FR" sz="2400" dirty="0" err="1">
+                <a:hlinkClick r:id="rId4"/>
+              </a:rPr>
+              <a:t>DORANuM</a:t>
             </a:r>
             <a:endParaRPr lang="fr-FR" sz="2400" dirty="0"/>
           </a:p>
@@ -5733,7 +7333,7 @@
 </p:sld>
 </file>
 
-<file path=ppt/slides/slide14.xml><?xml version="1.0" encoding="utf-8"?>
+<file path=ppt/slides/slide16.xml><?xml version="1.0" encoding="utf-8"?>
 <p:sld xmlns:a="http://schemas.openxmlformats.org/drawingml/2006/main" xmlns:r="http://schemas.openxmlformats.org/officeDocument/2006/relationships" xmlns:p="http://schemas.openxmlformats.org/presentationml/2006/main">
   <p:cSld>
     <p:spTree>
@@ -5802,7 +7402,7 @@
           <a:p>
             <a:r>
               <a:rPr lang="fr-FR" smtClean="0"/>
-              <a:t>F. Flamerie - Données de recherche : entrepôts - 2021-06-29</a:t>
+              <a:t>F. Flamerie - Données de recherche : entrepôts - 2022-06-28</a:t>
             </a:r>
             <a:endParaRPr lang="fr-FR"/>
           </a:p>
@@ -5830,7 +7430,7 @@
           <a:p>
             <a:fld id="{99E13252-68E5-4994-B57B-B03F39B52C7D}" type="slidenum">
               <a:rPr lang="fr-FR" smtClean="0"/>
-              <a:t>14</a:t>
+              <a:t>16</a:t>
             </a:fld>
             <a:endParaRPr lang="fr-FR"/>
           </a:p>
@@ -6588,7 +8188,7 @@
 </p:sld>
 </file>
 
-<file path=ppt/slides/slide15.xml><?xml version="1.0" encoding="utf-8"?>
+<file path=ppt/slides/slide17.xml><?xml version="1.0" encoding="utf-8"?>
 <p:sld xmlns:a="http://schemas.openxmlformats.org/drawingml/2006/main" xmlns:r="http://schemas.openxmlformats.org/officeDocument/2006/relationships" xmlns:p="http://schemas.openxmlformats.org/presentationml/2006/main">
   <p:cSld>
     <p:spTree>
@@ -6864,7 +8464,7 @@
           <a:p>
             <a:r>
               <a:rPr lang="fr-FR" smtClean="0"/>
-              <a:t>F. Flamerie - Données de recherche : entrepôts - 2021-06-29</a:t>
+              <a:t>F. Flamerie - Données de recherche : entrepôts - 2022-06-28</a:t>
             </a:r>
             <a:endParaRPr lang="fr-FR" dirty="0"/>
           </a:p>
@@ -6888,7 +8488,7 @@
             <a:fld id="{99E13252-68E5-4994-B57B-B03F39B52C7D}" type="slidenum">
               <a:rPr lang="fr-FR" smtClean="0"/>
               <a:pPr/>
-              <a:t>15</a:t>
+              <a:t>17</a:t>
             </a:fld>
             <a:endParaRPr lang="fr-FR" dirty="0"/>
           </a:p>
@@ -6907,7 +8507,7 @@
 </p:sld>
 </file>
 
-<file path=ppt/slides/slide16.xml><?xml version="1.0" encoding="utf-8"?>
+<file path=ppt/slides/slide18.xml><?xml version="1.0" encoding="utf-8"?>
 <p:sld xmlns:a="http://schemas.openxmlformats.org/drawingml/2006/main" xmlns:r="http://schemas.openxmlformats.org/officeDocument/2006/relationships" xmlns:p="http://schemas.openxmlformats.org/presentationml/2006/main">
   <p:cSld>
     <p:spTree>
@@ -7000,7 +8600,7 @@
           <a:p>
             <a:r>
               <a:rPr lang="fr-FR" smtClean="0"/>
-              <a:t>F. Flamerie - Données de recherche : entrepôts - 2021-06-29</a:t>
+              <a:t>F. Flamerie - Données de recherche : entrepôts - 2022-06-28</a:t>
             </a:r>
             <a:endParaRPr lang="fr-FR" dirty="0"/>
           </a:p>
@@ -7024,7 +8624,7 @@
             <a:fld id="{99E13252-68E5-4994-B57B-B03F39B52C7D}" type="slidenum">
               <a:rPr lang="fr-FR" smtClean="0"/>
               <a:pPr/>
-              <a:t>16</a:t>
+              <a:t>18</a:t>
             </a:fld>
             <a:endParaRPr lang="fr-FR" dirty="0"/>
           </a:p>
@@ -7251,7 +8851,7 @@
 </p:sld>
 </file>
 
-<file path=ppt/slides/slide17.xml><?xml version="1.0" encoding="utf-8"?>
+<file path=ppt/slides/slide19.xml><?xml version="1.0" encoding="utf-8"?>
 <p:sld xmlns:a="http://schemas.openxmlformats.org/drawingml/2006/main" xmlns:r="http://schemas.openxmlformats.org/officeDocument/2006/relationships" xmlns:p="http://schemas.openxmlformats.org/presentationml/2006/main">
   <p:cSld>
     <p:spTree>
@@ -7327,7 +8927,7 @@
           <a:p>
             <a:r>
               <a:rPr lang="fr-FR" smtClean="0"/>
-              <a:t>F. Flamerie - Données de recherche : entrepôts - 2021-06-29</a:t>
+              <a:t>F. Flamerie - Données de recherche : entrepôts - 2022-06-28</a:t>
             </a:r>
             <a:endParaRPr lang="fr-FR" dirty="0"/>
           </a:p>
@@ -7351,7 +8951,7 @@
             <a:fld id="{99E13252-68E5-4994-B57B-B03F39B52C7D}" type="slidenum">
               <a:rPr lang="fr-FR" smtClean="0"/>
               <a:pPr/>
-              <a:t>17</a:t>
+              <a:t>19</a:t>
             </a:fld>
             <a:endParaRPr lang="fr-FR" dirty="0"/>
           </a:p>
@@ -7489,7 +9089,219 @@
 </p:sld>
 </file>
 
-<file path=ppt/slides/slide18.xml><?xml version="1.0" encoding="utf-8"?>
+<file path=ppt/slides/slide2.xml><?xml version="1.0" encoding="utf-8"?>
+<p:sld xmlns:a="http://schemas.openxmlformats.org/drawingml/2006/main" xmlns:r="http://schemas.openxmlformats.org/officeDocument/2006/relationships" xmlns:p="http://schemas.openxmlformats.org/presentationml/2006/main">
+  <p:cSld>
+    <p:spTree>
+      <p:nvGrpSpPr>
+        <p:cNvPr id="1" name=""/>
+        <p:cNvGrpSpPr/>
+        <p:nvPr/>
+      </p:nvGrpSpPr>
+      <p:grpSpPr>
+        <a:xfrm>
+          <a:off x="0" y="0"/>
+          <a:ext cx="0" cy="0"/>
+          <a:chOff x="0" y="0"/>
+          <a:chExt cx="0" cy="0"/>
+        </a:xfrm>
+      </p:grpSpPr>
+      <p:sp>
+        <p:nvSpPr>
+          <p:cNvPr id="2" name="Titre 1"/>
+          <p:cNvSpPr>
+            <a:spLocks noGrp="1"/>
+          </p:cNvSpPr>
+          <p:nvPr>
+            <p:ph type="title"/>
+          </p:nvPr>
+        </p:nvSpPr>
+        <p:spPr>
+          <a:xfrm>
+            <a:off x="838200" y="263586"/>
+            <a:ext cx="10515600" cy="1325563"/>
+          </a:xfrm>
+        </p:spPr>
+        <p:txBody>
+          <a:bodyPr/>
+          <a:lstStyle/>
+          <a:p>
+            <a:r>
+              <a:rPr lang="fr-FR" dirty="0" smtClean="0"/>
+              <a:t>Programme</a:t>
+            </a:r>
+            <a:endParaRPr lang="fr-FR" dirty="0"/>
+          </a:p>
+        </p:txBody>
+      </p:sp>
+      <p:sp>
+        <p:nvSpPr>
+          <p:cNvPr id="3" name="Espace réservé du contenu 2"/>
+          <p:cNvSpPr>
+            <a:spLocks noGrp="1"/>
+          </p:cNvSpPr>
+          <p:nvPr>
+            <p:ph idx="1"/>
+          </p:nvPr>
+        </p:nvSpPr>
+        <p:spPr>
+          <a:xfrm>
+            <a:off x="838200" y="1396735"/>
+            <a:ext cx="10515600" cy="5191893"/>
+          </a:xfrm>
+        </p:spPr>
+        <p:txBody>
+          <a:bodyPr>
+            <a:normAutofit/>
+          </a:bodyPr>
+          <a:lstStyle/>
+          <a:p>
+            <a:pPr marL="0" indent="0">
+              <a:lnSpc>
+                <a:spcPct val="110000"/>
+              </a:lnSpc>
+              <a:spcBef>
+                <a:spcPts val="0"/>
+              </a:spcBef>
+              <a:buNone/>
+            </a:pPr>
+            <a:r>
+              <a:rPr lang="fr-FR" sz="1800" i="1" dirty="0" smtClean="0"/>
+              <a:t>La </a:t>
+            </a:r>
+            <a:r>
+              <a:rPr lang="fr-FR" sz="1800" i="1" dirty="0"/>
+              <a:t>mise à disposition des données associées aux articles ou données sous-jacentes (</a:t>
+            </a:r>
+            <a:r>
+              <a:rPr lang="fr-FR" sz="1800" i="1" dirty="0" err="1"/>
+              <a:t>underlying</a:t>
+            </a:r>
+            <a:r>
+              <a:rPr lang="fr-FR" sz="1800" i="1" dirty="0"/>
+              <a:t> data) est une demande croissante de la part des éditeurs et des agences de financement. Les entrepôts de données permettent de répondre à ces exigences, en assurant l'accessibilité, l'archivage et/ou la diffusion des données déposées, en conformité avec les principes FAIR. Cette session présente les différents types d’entrepôts de données et des recommandations pour identifier un entrepôt adapté.</a:t>
+            </a:r>
+            <a:r>
+              <a:rPr lang="fr-FR" sz="1800" dirty="0"/>
+              <a:t> </a:t>
+            </a:r>
+          </a:p>
+          <a:p>
+            <a:pPr marL="0" indent="0">
+              <a:lnSpc>
+                <a:spcPct val="100000"/>
+              </a:lnSpc>
+              <a:spcBef>
+                <a:spcPts val="0"/>
+              </a:spcBef>
+              <a:buNone/>
+            </a:pPr>
+            <a:r>
+              <a:rPr lang="fr-FR" dirty="0" smtClean="0"/>
+              <a:t> </a:t>
+            </a:r>
+            <a:endParaRPr lang="fr-FR" sz="3600" dirty="0" smtClean="0"/>
+          </a:p>
+          <a:p>
+            <a:pPr>
+              <a:lnSpc>
+                <a:spcPct val="120000"/>
+              </a:lnSpc>
+            </a:pPr>
+            <a:r>
+              <a:rPr lang="fr-FR" sz="3600" dirty="0" smtClean="0"/>
+              <a:t>Introduction </a:t>
+            </a:r>
+          </a:p>
+          <a:p>
+            <a:pPr>
+              <a:lnSpc>
+                <a:spcPct val="120000"/>
+              </a:lnSpc>
+            </a:pPr>
+            <a:r>
+              <a:rPr lang="fr-FR" sz="3600" dirty="0" smtClean="0"/>
+              <a:t>Trouver un entrepôt de données généraliste</a:t>
+            </a:r>
+          </a:p>
+          <a:p>
+            <a:pPr>
+              <a:lnSpc>
+                <a:spcPct val="120000"/>
+              </a:lnSpc>
+            </a:pPr>
+            <a:r>
+              <a:rPr lang="fr-FR" sz="3600" smtClean="0"/>
+              <a:t>Trouver un </a:t>
+            </a:r>
+            <a:r>
+              <a:rPr lang="fr-FR" sz="3600" dirty="0" smtClean="0"/>
+              <a:t>entrepôt de données spécialisé</a:t>
+            </a:r>
+          </a:p>
+        </p:txBody>
+      </p:sp>
+      <p:sp>
+        <p:nvSpPr>
+          <p:cNvPr id="4" name="Espace réservé du pied de page 3"/>
+          <p:cNvSpPr>
+            <a:spLocks noGrp="1"/>
+          </p:cNvSpPr>
+          <p:nvPr>
+            <p:ph type="ftr" sz="quarter" idx="11"/>
+          </p:nvPr>
+        </p:nvSpPr>
+        <p:spPr/>
+        <p:txBody>
+          <a:bodyPr/>
+          <a:lstStyle/>
+          <a:p>
+            <a:r>
+              <a:rPr lang="fr-FR" smtClean="0"/>
+              <a:t>F. Flamerie - Données de recherche : entrepôts - 2022-06-28</a:t>
+            </a:r>
+            <a:endParaRPr lang="fr-FR" dirty="0"/>
+          </a:p>
+        </p:txBody>
+      </p:sp>
+      <p:sp>
+        <p:nvSpPr>
+          <p:cNvPr id="5" name="Espace réservé du numéro de diapositive 4"/>
+          <p:cNvSpPr>
+            <a:spLocks noGrp="1"/>
+          </p:cNvSpPr>
+          <p:nvPr>
+            <p:ph type="sldNum" sz="quarter" idx="12"/>
+          </p:nvPr>
+        </p:nvSpPr>
+        <p:spPr/>
+        <p:txBody>
+          <a:bodyPr/>
+          <a:lstStyle/>
+          <a:p>
+            <a:fld id="{99E13252-68E5-4994-B57B-B03F39B52C7D}" type="slidenum">
+              <a:rPr lang="fr-FR" smtClean="0"/>
+              <a:pPr/>
+              <a:t>2</a:t>
+            </a:fld>
+            <a:endParaRPr lang="fr-FR" dirty="0"/>
+          </a:p>
+        </p:txBody>
+      </p:sp>
+    </p:spTree>
+    <p:extLst>
+      <p:ext uri="{BB962C8B-B14F-4D97-AF65-F5344CB8AC3E}">
+        <p14:creationId xmlns:p14="http://schemas.microsoft.com/office/powerpoint/2010/main" val="4147771159"/>
+      </p:ext>
+    </p:extLst>
+  </p:cSld>
+  <p:clrMapOvr>
+    <a:masterClrMapping/>
+  </p:clrMapOvr>
+</p:sld>
+</file>
+
+<file path=ppt/slides/slide20.xml><?xml version="1.0" encoding="utf-8"?>
 <p:sld xmlns:a="http://schemas.openxmlformats.org/drawingml/2006/main" xmlns:r="http://schemas.openxmlformats.org/officeDocument/2006/relationships" xmlns:p="http://schemas.openxmlformats.org/presentationml/2006/main">
   <p:cSld>
     <p:spTree>
@@ -7577,19 +9389,25 @@
           <a:lstStyle/>
           <a:p>
             <a:r>
-              <a:rPr lang="fr-FR" dirty="0" smtClean="0"/>
+              <a:rPr lang="fr-FR" dirty="0"/>
               <a:t>Outil d’aide à la décision en ligne </a:t>
             </a:r>
             <a:r>
-              <a:rPr lang="fr-FR" dirty="0" err="1" smtClean="0"/>
+              <a:rPr lang="fr-FR" dirty="0" err="1"/>
               <a:t>UBx</a:t>
             </a:r>
             <a:r>
-              <a:rPr lang="fr-FR" dirty="0" smtClean="0"/>
+              <a:rPr lang="fr-FR" dirty="0"/>
               <a:t> : « Trouver un entrepôt de données »</a:t>
             </a:r>
           </a:p>
           <a:p>
+            <a:r>
+              <a:rPr lang="fr-FR" dirty="0"/>
+              <a:t>Limites des entrepôts de données généralistes</a:t>
+            </a:r>
+          </a:p>
+          <a:p>
             <a:endParaRPr lang="fr-FR" dirty="0"/>
           </a:p>
         </p:txBody>
@@ -7611,7 +9429,7 @@
           <a:p>
             <a:r>
               <a:rPr lang="fr-FR" smtClean="0"/>
-              <a:t>F. Flamerie - Données de recherche : entrepôts - 2021-06-29</a:t>
+              <a:t>F. Flamerie - Données de recherche : entrepôts - 2022-06-28</a:t>
             </a:r>
             <a:endParaRPr lang="fr-FR" dirty="0"/>
           </a:p>
@@ -7634,7 +9452,7 @@
           <a:p>
             <a:fld id="{99E13252-68E5-4994-B57B-B03F39B52C7D}" type="slidenum">
               <a:rPr lang="fr-FR" smtClean="0"/>
-              <a:t>18</a:t>
+              <a:t>20</a:t>
             </a:fld>
             <a:endParaRPr lang="fr-FR"/>
           </a:p>
@@ -7653,7 +9471,7 @@
 </p:sld>
 </file>
 
-<file path=ppt/slides/slide19.xml><?xml version="1.0" encoding="utf-8"?>
+<file path=ppt/slides/slide21.xml><?xml version="1.0" encoding="utf-8"?>
 <p:sld xmlns:a="http://schemas.openxmlformats.org/drawingml/2006/main" xmlns:r="http://schemas.openxmlformats.org/officeDocument/2006/relationships" xmlns:p="http://schemas.openxmlformats.org/presentationml/2006/main">
   <p:cSld>
     <p:spTree>
@@ -7680,7 +9498,12 @@
             <p:ph idx="1"/>
           </p:nvPr>
         </p:nvSpPr>
-        <p:spPr/>
+        <p:spPr>
+          <a:xfrm>
+            <a:off x="838200" y="1214159"/>
+            <a:ext cx="10868130" cy="5142191"/>
+          </a:xfrm>
+        </p:spPr>
         <p:txBody>
           <a:bodyPr>
             <a:normAutofit fontScale="92500" lnSpcReduction="10000"/>
@@ -7689,337 +9512,297 @@
           <a:p>
             <a:pPr marL="0" lvl="1" indent="0">
               <a:lnSpc>
-                <a:spcPct val="110000"/>
+                <a:spcPct val="120000"/>
               </a:lnSpc>
               <a:buNone/>
             </a:pPr>
             <a:r>
-              <a:rPr lang="en-GB" dirty="0" err="1">
+              <a:rPr lang="en-GB" sz="3000" dirty="0" err="1">
                 <a:ea typeface="Arial" charset="0"/>
                 <a:cs typeface="Arial" charset="0"/>
               </a:rPr>
               <a:t>Outil</a:t>
             </a:r>
             <a:r>
-              <a:rPr lang="en-GB" dirty="0">
+              <a:rPr lang="en-GB" sz="3000" dirty="0">
                 <a:ea typeface="Arial" charset="0"/>
                 <a:cs typeface="Arial" charset="0"/>
               </a:rPr>
               <a:t> </a:t>
             </a:r>
             <a:r>
-              <a:rPr lang="en-GB" dirty="0" err="1">
+              <a:rPr lang="en-GB" sz="3000" dirty="0" err="1">
                 <a:ea typeface="Arial" charset="0"/>
                 <a:cs typeface="Arial" charset="0"/>
               </a:rPr>
               <a:t>d’aide</a:t>
             </a:r>
             <a:r>
-              <a:rPr lang="en-GB" dirty="0">
+              <a:rPr lang="en-GB" sz="3000" dirty="0">
                 <a:ea typeface="Arial" charset="0"/>
                 <a:cs typeface="Arial" charset="0"/>
               </a:rPr>
               <a:t> à la </a:t>
             </a:r>
             <a:r>
-              <a:rPr lang="en-GB" dirty="0" err="1">
+              <a:rPr lang="en-GB" sz="3000" dirty="0" err="1">
                 <a:ea typeface="Arial" charset="0"/>
                 <a:cs typeface="Arial" charset="0"/>
               </a:rPr>
               <a:t>décision</a:t>
             </a:r>
             <a:r>
-              <a:rPr lang="en-GB" dirty="0">
+              <a:rPr lang="en-GB" sz="3000" dirty="0">
                 <a:ea typeface="Arial" charset="0"/>
                 <a:cs typeface="Arial" charset="0"/>
               </a:rPr>
               <a:t> </a:t>
             </a:r>
             <a:r>
-              <a:rPr lang="en-GB" dirty="0" err="1">
+              <a:rPr lang="en-GB" sz="3000" dirty="0" err="1">
                 <a:ea typeface="Arial" charset="0"/>
                 <a:cs typeface="Arial" charset="0"/>
               </a:rPr>
               <a:t>en</a:t>
             </a:r>
             <a:r>
-              <a:rPr lang="en-GB" dirty="0">
+              <a:rPr lang="en-GB" sz="3000" dirty="0">
                 <a:ea typeface="Arial" charset="0"/>
                 <a:cs typeface="Arial" charset="0"/>
               </a:rPr>
               <a:t> </a:t>
             </a:r>
             <a:r>
-              <a:rPr lang="en-GB" dirty="0" err="1" smtClean="0">
+              <a:rPr lang="en-GB" sz="3000" dirty="0" err="1" smtClean="0">
                 <a:ea typeface="Arial" charset="0"/>
                 <a:cs typeface="Arial" charset="0"/>
               </a:rPr>
               <a:t>ligne</a:t>
             </a:r>
             <a:r>
-              <a:rPr lang="en-GB" dirty="0" smtClean="0">
+              <a:rPr lang="en-GB" sz="3000" dirty="0" smtClean="0">
                 <a:ea typeface="Arial" charset="0"/>
                 <a:cs typeface="Arial" charset="0"/>
               </a:rPr>
               <a:t> </a:t>
             </a:r>
             <a:r>
-              <a:rPr lang="en-GB" dirty="0" err="1" smtClean="0">
+              <a:rPr lang="en-GB" sz="3000" dirty="0" err="1" smtClean="0">
                 <a:ea typeface="Arial" charset="0"/>
                 <a:cs typeface="Arial" charset="0"/>
               </a:rPr>
               <a:t>UBx</a:t>
             </a:r>
             <a:r>
-              <a:rPr lang="en-GB" dirty="0" smtClean="0">
+              <a:rPr lang="en-GB" sz="3000" dirty="0" smtClean="0">
                 <a:ea typeface="Arial" charset="0"/>
                 <a:cs typeface="Arial" charset="0"/>
               </a:rPr>
               <a:t> </a:t>
             </a:r>
             <a:r>
-              <a:rPr lang="en-GB" dirty="0">
+              <a:rPr lang="en-GB" sz="3000" dirty="0">
                 <a:ea typeface="Arial" charset="0"/>
                 <a:cs typeface="Arial" charset="0"/>
               </a:rPr>
               <a:t>: </a:t>
             </a:r>
             <a:r>
-              <a:rPr lang="fr-FR" dirty="0">
-                <a:hlinkClick r:id="rId2"/>
-              </a:rPr>
-              <a:t>Trouver un entrepôt de données</a:t>
-            </a:r>
-            <a:r>
-              <a:rPr lang="fr-FR" dirty="0"/>
-              <a:t> </a:t>
-            </a:r>
+              <a:rPr lang="fr-FR" sz="3000" b="1" dirty="0"/>
+              <a:t>Trouver un entrepôt de données </a:t>
+            </a:r>
+            <a:endParaRPr lang="fr-FR" sz="3000" b="1" dirty="0" smtClean="0"/>
           </a:p>
           <a:p>
             <a:pPr>
               <a:lnSpc>
-                <a:spcPct val="110000"/>
+                <a:spcPct val="120000"/>
               </a:lnSpc>
             </a:pPr>
             <a:r>
-              <a:rPr lang="fr-FR" sz="2400" dirty="0"/>
-              <a:t>Pour identifier l'entrepôt de données généraliste qui réponde le mieux aux besoins, à partir de la réponse aux 4 questions suivantes </a:t>
-            </a:r>
-            <a:r>
-              <a:rPr lang="fr-FR" sz="2400" dirty="0" smtClean="0"/>
-              <a:t>:</a:t>
+              <a:rPr lang="fr-FR" sz="2600" dirty="0" smtClean="0"/>
+              <a:t>Pour </a:t>
+            </a:r>
+            <a:r>
+              <a:rPr lang="fr-FR" sz="2600" dirty="0"/>
+              <a:t>identifier l'entrepôt de données généraliste qui réponde le mieux aux besoins, à partir de la réponse aux 4 questions suivantes :</a:t>
             </a:r>
           </a:p>
           <a:p>
             <a:pPr lvl="1">
               <a:lnSpc>
-                <a:spcPct val="110000"/>
+                <a:spcPct val="120000"/>
               </a:lnSpc>
             </a:pPr>
             <a:r>
-              <a:rPr lang="fr-FR" dirty="0" smtClean="0"/>
-              <a:t>Allez-vous </a:t>
-            </a:r>
-            <a:r>
-              <a:rPr lang="fr-FR" dirty="0"/>
-              <a:t>publier des données dont l'accès doit être </a:t>
-            </a:r>
-            <a:r>
-              <a:rPr lang="fr-FR" dirty="0" smtClean="0"/>
-              <a:t>restreint?</a:t>
+              <a:rPr lang="fr-FR" sz="2600" dirty="0"/>
+              <a:t>Allez-vous publier des données dont l'accès doit être restreint?</a:t>
             </a:r>
           </a:p>
           <a:p>
             <a:pPr lvl="1">
               <a:lnSpc>
-                <a:spcPct val="110000"/>
+                <a:spcPct val="120000"/>
               </a:lnSpc>
             </a:pPr>
             <a:r>
-              <a:rPr lang="fr-FR" dirty="0" smtClean="0"/>
-              <a:t>Recherchez-vous </a:t>
-            </a:r>
-            <a:r>
-              <a:rPr lang="fr-FR" dirty="0"/>
-              <a:t>un entrepôt avec des options de dépôt </a:t>
-            </a:r>
-            <a:r>
-              <a:rPr lang="fr-FR" dirty="0" smtClean="0"/>
-              <a:t>gratuit?</a:t>
+              <a:rPr lang="fr-FR" sz="2600" dirty="0"/>
+              <a:t>Recherchez-vous un entrepôt avec des options de dépôt gratuit?</a:t>
             </a:r>
           </a:p>
           <a:p>
             <a:pPr lvl="1">
               <a:lnSpc>
-                <a:spcPct val="110000"/>
+                <a:spcPct val="120000"/>
               </a:lnSpc>
             </a:pPr>
             <a:r>
-              <a:rPr lang="fr-FR" dirty="0" smtClean="0"/>
-              <a:t>Souhaitez-vous </a:t>
-            </a:r>
-            <a:r>
-              <a:rPr lang="fr-FR" dirty="0"/>
-              <a:t>pouvoir définir librement les conditions d'utilisation de vos </a:t>
-            </a:r>
-            <a:r>
-              <a:rPr lang="fr-FR" dirty="0" smtClean="0"/>
-              <a:t>données?</a:t>
+              <a:rPr lang="fr-FR" sz="2600" dirty="0"/>
+              <a:t>Souhaitez-vous pouvoir définir librement les conditions d'utilisation de vos données?</a:t>
             </a:r>
           </a:p>
           <a:p>
             <a:pPr lvl="1">
               <a:lnSpc>
-                <a:spcPct val="110000"/>
+                <a:spcPct val="120000"/>
               </a:lnSpc>
             </a:pPr>
             <a:r>
-              <a:rPr lang="fr-FR" dirty="0" smtClean="0"/>
-              <a:t>Souhaitez-vous </a:t>
-            </a:r>
-            <a:r>
-              <a:rPr lang="fr-FR" dirty="0"/>
-              <a:t>que votre dépôt de données soit relu avant d'être mis en ligne</a:t>
-            </a:r>
-            <a:r>
-              <a:rPr lang="fr-FR" dirty="0" smtClean="0"/>
-              <a:t>?</a:t>
-            </a:r>
-            <a:endParaRPr lang="fr-FR" sz="2400" dirty="0"/>
+              <a:rPr lang="fr-FR" sz="2600" dirty="0" smtClean="0"/>
+              <a:t>Souhaitez-vous que votre dépôt de données soit relu avant d'être mis en ligne?</a:t>
+            </a:r>
           </a:p>
           <a:p>
             <a:pPr>
               <a:lnSpc>
-                <a:spcPct val="110000"/>
+                <a:spcPct val="120000"/>
               </a:lnSpc>
             </a:pPr>
             <a:r>
-              <a:rPr lang="fr-FR" sz="2400" dirty="0"/>
+              <a:rPr lang="fr-FR" sz="2600" dirty="0" smtClean="0"/>
               <a:t>Une brève fiche descriptive accompagne chacun des huit entrepôts de données comparés : </a:t>
             </a:r>
             <a:r>
-              <a:rPr lang="fr-FR" sz="2400" dirty="0">
+              <a:rPr lang="fr-FR" sz="2600" dirty="0" smtClean="0">
                 <a:hlinkClick r:id="rId3"/>
               </a:rPr>
               <a:t>4TU.ResearchData</a:t>
             </a:r>
             <a:r>
-              <a:rPr lang="fr-FR" sz="2400" dirty="0"/>
+              <a:rPr lang="fr-FR" sz="2600" dirty="0" smtClean="0"/>
               <a:t>, </a:t>
             </a:r>
             <a:r>
-              <a:rPr lang="fr-FR" sz="2400" dirty="0" err="1">
+              <a:rPr lang="fr-FR" sz="2600" dirty="0" err="1" smtClean="0">
                 <a:hlinkClick r:id="rId4"/>
               </a:rPr>
               <a:t>Figshare</a:t>
             </a:r>
             <a:r>
-              <a:rPr lang="fr-FR" sz="2400" dirty="0"/>
+              <a:rPr lang="fr-FR" sz="2600" dirty="0" smtClean="0"/>
               <a:t>, </a:t>
             </a:r>
             <a:r>
-              <a:rPr lang="fr-FR" sz="2400" dirty="0">
+              <a:rPr lang="fr-FR" sz="2600" dirty="0" smtClean="0">
                 <a:hlinkClick r:id="rId5"/>
               </a:rPr>
               <a:t>Harvard </a:t>
             </a:r>
             <a:r>
-              <a:rPr lang="fr-FR" sz="2400" dirty="0" err="1">
+              <a:rPr lang="fr-FR" sz="2600" dirty="0" err="1" smtClean="0">
                 <a:hlinkClick r:id="rId5"/>
               </a:rPr>
               <a:t>Dataverse</a:t>
             </a:r>
             <a:r>
-              <a:rPr lang="fr-FR" sz="2400" dirty="0"/>
+              <a:rPr lang="fr-FR" sz="2600" dirty="0" smtClean="0"/>
               <a:t>, </a:t>
             </a:r>
             <a:r>
-              <a:rPr lang="fr-FR" sz="2400" dirty="0" err="1">
+              <a:rPr lang="fr-FR" sz="2600" dirty="0" err="1" smtClean="0">
                 <a:hlinkClick r:id="rId6"/>
               </a:rPr>
               <a:t>Dryad</a:t>
             </a:r>
             <a:r>
-              <a:rPr lang="fr-FR" sz="2400" dirty="0"/>
+              <a:rPr lang="fr-FR" sz="2600" dirty="0" smtClean="0"/>
               <a:t>, </a:t>
             </a:r>
             <a:r>
-              <a:rPr lang="fr-FR" sz="2400" dirty="0" err="1">
+              <a:rPr lang="fr-FR" sz="2600" dirty="0" err="1" smtClean="0">
                 <a:hlinkClick r:id="rId7"/>
               </a:rPr>
               <a:t>Mendeley</a:t>
             </a:r>
             <a:r>
-              <a:rPr lang="fr-FR" sz="2400" dirty="0">
+              <a:rPr lang="fr-FR" sz="2600" dirty="0" smtClean="0">
                 <a:hlinkClick r:id="rId7"/>
               </a:rPr>
               <a:t> Data</a:t>
             </a:r>
             <a:r>
-              <a:rPr lang="fr-FR" sz="2400" dirty="0"/>
+              <a:rPr lang="fr-FR" sz="2600" dirty="0" smtClean="0"/>
               <a:t>, </a:t>
             </a:r>
             <a:r>
-              <a:rPr lang="fr-FR" sz="2400" dirty="0">
+              <a:rPr lang="fr-FR" sz="2600" dirty="0" smtClean="0">
                 <a:hlinkClick r:id="rId8"/>
               </a:rPr>
               <a:t>Open Science Framework (OSF)</a:t>
             </a:r>
             <a:r>
-              <a:rPr lang="fr-FR" sz="2400" dirty="0"/>
+              <a:rPr lang="fr-FR" sz="2600" dirty="0" smtClean="0"/>
               <a:t>, </a:t>
             </a:r>
             <a:r>
-              <a:rPr lang="fr-FR" sz="2400" dirty="0">
+              <a:rPr lang="fr-FR" sz="2600" dirty="0" smtClean="0">
                 <a:hlinkClick r:id="rId9"/>
               </a:rPr>
               <a:t>B2SHARE</a:t>
             </a:r>
             <a:r>
-              <a:rPr lang="fr-FR" sz="2400" dirty="0"/>
+              <a:rPr lang="fr-FR" sz="2600" dirty="0" smtClean="0"/>
               <a:t>, </a:t>
             </a:r>
             <a:r>
-              <a:rPr lang="fr-FR" sz="2400" dirty="0" err="1">
+              <a:rPr lang="fr-FR" sz="2600" dirty="0" err="1" smtClean="0">
                 <a:hlinkClick r:id="rId10"/>
               </a:rPr>
               <a:t>Zenodo</a:t>
             </a:r>
+            <a:endParaRPr lang="fr-FR" sz="2600" dirty="0" smtClean="0"/>
+          </a:p>
+          <a:p>
+            <a:pPr>
+              <a:lnSpc>
+                <a:spcPct val="120000"/>
+              </a:lnSpc>
+            </a:pPr>
+            <a:endParaRPr lang="fr-FR" sz="2400" dirty="0" smtClean="0"/>
+          </a:p>
+          <a:p>
+            <a:pPr>
+              <a:lnSpc>
+                <a:spcPct val="120000"/>
+              </a:lnSpc>
+            </a:pPr>
             <a:endParaRPr lang="en-GB" altLang="fr-FR" sz="2400" dirty="0">
               <a:ea typeface="Arial" charset="0"/>
               <a:cs typeface="Arial" charset="0"/>
             </a:endParaRPr>
           </a:p>
           <a:p>
+            <a:pPr>
+              <a:lnSpc>
+                <a:spcPct val="120000"/>
+              </a:lnSpc>
+            </a:pPr>
             <a:endParaRPr lang="fr-FR" dirty="0"/>
           </a:p>
         </p:txBody>
       </p:sp>
       <p:sp>
         <p:nvSpPr>
-          <p:cNvPr id="4" name="Espace réservé du pied de page 3"/>
-          <p:cNvSpPr>
-            <a:spLocks noGrp="1"/>
-          </p:cNvSpPr>
-          <p:nvPr>
-            <p:ph type="ftr" sz="quarter" idx="11"/>
-          </p:nvPr>
-        </p:nvSpPr>
-        <p:spPr/>
-        <p:txBody>
-          <a:bodyPr/>
-          <a:lstStyle/>
-          <a:p>
-            <a:r>
-              <a:rPr lang="fr-FR" smtClean="0"/>
-              <a:t>F. Flamerie - Données de recherche : entrepôts - 2021-06-29</a:t>
-            </a:r>
-            <a:endParaRPr lang="fr-FR"/>
-          </a:p>
-        </p:txBody>
-      </p:sp>
-      <p:sp>
-        <p:nvSpPr>
           <p:cNvPr id="5" name="Espace réservé du numéro de diapositive 4"/>
           <p:cNvSpPr>
             <a:spLocks noGrp="1"/>
@@ -8035,7 +9818,7 @@
           <a:p>
             <a:fld id="{99E13252-68E5-4994-B57B-B03F39B52C7D}" type="slidenum">
               <a:rPr lang="fr-FR" smtClean="0"/>
-              <a:t>19</a:t>
+              <a:t>21</a:t>
             </a:fld>
             <a:endParaRPr lang="fr-FR"/>
           </a:p>
@@ -8051,7 +9834,12 @@
             <p:ph type="title"/>
           </p:nvPr>
         </p:nvSpPr>
-        <p:spPr/>
+        <p:spPr>
+          <a:xfrm>
+            <a:off x="838200" y="103868"/>
+            <a:ext cx="11018855" cy="1325563"/>
+          </a:xfrm>
+        </p:spPr>
         <p:txBody>
           <a:bodyPr/>
           <a:lstStyle/>
@@ -8059,6 +9847,29 @@
             <a:r>
               <a:rPr lang="fr-FR" dirty="0" smtClean="0"/>
               <a:t>Trouver un entrepôt de données généraliste</a:t>
+            </a:r>
+            <a:endParaRPr lang="fr-FR" dirty="0"/>
+          </a:p>
+        </p:txBody>
+      </p:sp>
+      <p:sp>
+        <p:nvSpPr>
+          <p:cNvPr id="2" name="Espace réservé du pied de page 1"/>
+          <p:cNvSpPr>
+            <a:spLocks noGrp="1"/>
+          </p:cNvSpPr>
+          <p:nvPr>
+            <p:ph type="ftr" sz="quarter" idx="11"/>
+          </p:nvPr>
+        </p:nvSpPr>
+        <p:spPr/>
+        <p:txBody>
+          <a:bodyPr/>
+          <a:lstStyle/>
+          <a:p>
+            <a:r>
+              <a:rPr lang="fr-FR" smtClean="0"/>
+              <a:t>F. Flamerie - Données de recherche : entrepôts - 2022-06-28</a:t>
             </a:r>
             <a:endParaRPr lang="fr-FR" dirty="0"/>
           </a:p>
@@ -8067,7 +9878,7 @@
     </p:spTree>
     <p:extLst>
       <p:ext uri="{BB962C8B-B14F-4D97-AF65-F5344CB8AC3E}">
-        <p14:creationId xmlns:p14="http://schemas.microsoft.com/office/powerpoint/2010/main" val="1229576762"/>
+        <p14:creationId xmlns:p14="http://schemas.microsoft.com/office/powerpoint/2010/main" val="2087334142"/>
       </p:ext>
     </p:extLst>
   </p:cSld>
@@ -8077,7 +9888,7 @@
 </p:sld>
 </file>
 
-<file path=ppt/slides/slide2.xml><?xml version="1.0" encoding="utf-8"?>
+<file path=ppt/slides/slide22.xml><?xml version="1.0" encoding="utf-8"?>
 <p:sld xmlns:a="http://schemas.openxmlformats.org/drawingml/2006/main" xmlns:r="http://schemas.openxmlformats.org/officeDocument/2006/relationships" xmlns:p="http://schemas.openxmlformats.org/presentationml/2006/main">
   <p:cSld>
     <p:spTree>
@@ -8094,29 +9905,55 @@
           <a:chExt cx="0" cy="0"/>
         </a:xfrm>
       </p:grpSpPr>
-      <p:sp>
-        <p:nvSpPr>
-          <p:cNvPr id="2" name="Titre 1"/>
-          <p:cNvSpPr>
-            <a:spLocks noGrp="1"/>
-          </p:cNvSpPr>
-          <p:nvPr>
-            <p:ph type="title"/>
-          </p:nvPr>
-        </p:nvSpPr>
+      <p:pic>
+        <p:nvPicPr>
+          <p:cNvPr id="7" name="Image 6"/>
+          <p:cNvPicPr>
+            <a:picLocks noChangeAspect="1"/>
+          </p:cNvPicPr>
+          <p:nvPr/>
+        </p:nvPicPr>
+        <p:blipFill>
+          <a:blip r:embed="rId2"/>
+          <a:stretch>
+            <a:fillRect/>
+          </a:stretch>
+        </p:blipFill>
         <p:spPr>
           <a:xfrm>
-            <a:off x="838200" y="263586"/>
-            <a:ext cx="10515600" cy="1325563"/>
+            <a:off x="3205077" y="246976"/>
+            <a:ext cx="8863394" cy="5951030"/>
+          </a:xfrm>
+          <a:prstGeom prst="rect">
+            <a:avLst/>
+          </a:prstGeom>
+        </p:spPr>
+      </p:pic>
+      <p:sp>
+        <p:nvSpPr>
+          <p:cNvPr id="2" name="Titre 1"/>
+          <p:cNvSpPr>
+            <a:spLocks noGrp="1"/>
+          </p:cNvSpPr>
+          <p:nvPr>
+            <p:ph type="title"/>
+          </p:nvPr>
+        </p:nvSpPr>
+        <p:spPr>
+          <a:xfrm>
+            <a:off x="256645" y="246976"/>
+            <a:ext cx="3780099" cy="2353364"/>
           </a:xfrm>
         </p:spPr>
         <p:txBody>
-          <a:bodyPr/>
+          <a:bodyPr>
+            <a:noAutofit/>
+          </a:bodyPr>
           <a:lstStyle/>
           <a:p>
             <a:r>
               <a:rPr lang="fr-FR" dirty="0" smtClean="0"/>
-              <a:t>Programme</a:t>
+              <a:t>Trouver un entrepôt de données généraliste</a:t>
             </a:r>
             <a:endParaRPr lang="fr-FR" dirty="0"/>
           </a:p>
@@ -8124,118 +9961,189 @@
       </p:sp>
       <p:sp>
         <p:nvSpPr>
-          <p:cNvPr id="3" name="Espace réservé du contenu 2"/>
-          <p:cNvSpPr>
-            <a:spLocks noGrp="1"/>
-          </p:cNvSpPr>
-          <p:nvPr>
-            <p:ph idx="1"/>
-          </p:nvPr>
+          <p:cNvPr id="5" name="Espace réservé du numéro de diapositive 4"/>
+          <p:cNvSpPr>
+            <a:spLocks noGrp="1"/>
+          </p:cNvSpPr>
+          <p:nvPr>
+            <p:ph type="sldNum" sz="quarter" idx="12"/>
+          </p:nvPr>
+        </p:nvSpPr>
+        <p:spPr/>
+        <p:txBody>
+          <a:bodyPr/>
+          <a:lstStyle/>
+          <a:p>
+            <a:fld id="{99E13252-68E5-4994-B57B-B03F39B52C7D}" type="slidenum">
+              <a:rPr lang="fr-FR" smtClean="0"/>
+              <a:pPr/>
+              <a:t>22</a:t>
+            </a:fld>
+            <a:endParaRPr lang="fr-FR" dirty="0"/>
+          </a:p>
+        </p:txBody>
+      </p:sp>
+      <p:sp>
+        <p:nvSpPr>
+          <p:cNvPr id="6" name="Rectangle 5"/>
+          <p:cNvSpPr/>
+          <p:nvPr/>
         </p:nvSpPr>
         <p:spPr>
           <a:xfrm>
-            <a:off x="838200" y="1396735"/>
-            <a:ext cx="10515600" cy="5191893"/>
+            <a:off x="256645" y="5930027"/>
+            <a:ext cx="7060557" cy="1217769"/>
           </a:xfrm>
+          <a:prstGeom prst="rect">
+            <a:avLst/>
+          </a:prstGeom>
         </p:spPr>
         <p:txBody>
-          <a:bodyPr>
-            <a:normAutofit/>
+          <a:bodyPr wrap="square">
+            <a:spAutoFit/>
           </a:bodyPr>
           <a:lstStyle/>
           <a:p>
-            <a:pPr marL="0" indent="0">
+            <a:pPr marL="0" lvl="1" defTabSz="914400">
               <a:lnSpc>
-                <a:spcPct val="110000"/>
+                <a:spcPct val="90000"/>
               </a:lnSpc>
               <a:spcBef>
-                <a:spcPts val="0"/>
+                <a:spcPts val="500"/>
               </a:spcBef>
-              <a:buNone/>
             </a:pPr>
             <a:r>
-              <a:rPr lang="fr-FR" sz="1800" i="1" dirty="0" smtClean="0"/>
-              <a:t>La </a:t>
-            </a:r>
-            <a:r>
-              <a:rPr lang="fr-FR" sz="1800" i="1" dirty="0"/>
-              <a:t>mise à disposition des données associées aux articles ou données sous-jacentes (</a:t>
-            </a:r>
-            <a:r>
-              <a:rPr lang="fr-FR" sz="1800" i="1" dirty="0" err="1"/>
-              <a:t>underlying</a:t>
-            </a:r>
-            <a:r>
-              <a:rPr lang="fr-FR" sz="1800" i="1" dirty="0"/>
-              <a:t> data) est une demande croissante de la part des éditeurs et des agences de financement. Les entrepôts de données permettent de répondre à ces exigences, en assurant l'accessibilité, l'archivage et/ou la diffusion des données déposées, en conformité avec les principes FAIR. Cette session présente les différents types d’entrepôts de données et des recommandations pour identifier un entrepôt adapté.</a:t>
-            </a:r>
-            <a:r>
-              <a:rPr lang="fr-FR" sz="1800" dirty="0"/>
+              <a:rPr lang="en-GB" sz="2400" dirty="0" err="1" smtClean="0">
+                <a:latin typeface="Corbel" panose="020B0503020204020204" pitchFamily="34" charset="0"/>
+                <a:ea typeface="Arial" charset="0"/>
+                <a:cs typeface="Arial" charset="0"/>
+              </a:rPr>
+              <a:t>Outil</a:t>
+            </a:r>
+            <a:r>
+              <a:rPr lang="en-GB" sz="2400" dirty="0" smtClean="0">
+                <a:latin typeface="Corbel" panose="020B0503020204020204" pitchFamily="34" charset="0"/>
+                <a:ea typeface="Arial" charset="0"/>
+                <a:cs typeface="Arial" charset="0"/>
+              </a:rPr>
               <a:t> </a:t>
             </a:r>
-          </a:p>
-          <a:p>
-            <a:pPr marL="0" indent="0">
+            <a:r>
+              <a:rPr lang="en-GB" sz="2400" dirty="0" err="1" smtClean="0">
+                <a:latin typeface="Corbel" panose="020B0503020204020204" pitchFamily="34" charset="0"/>
+                <a:ea typeface="Arial" charset="0"/>
+                <a:cs typeface="Arial" charset="0"/>
+              </a:rPr>
+              <a:t>d’aide</a:t>
+            </a:r>
+            <a:r>
+              <a:rPr lang="en-GB" sz="2400" dirty="0" smtClean="0">
+                <a:latin typeface="Corbel" panose="020B0503020204020204" pitchFamily="34" charset="0"/>
+                <a:ea typeface="Arial" charset="0"/>
+                <a:cs typeface="Arial" charset="0"/>
+              </a:rPr>
+              <a:t> à la </a:t>
+            </a:r>
+            <a:r>
+              <a:rPr lang="en-GB" sz="2400" dirty="0" err="1" smtClean="0">
+                <a:latin typeface="Corbel" panose="020B0503020204020204" pitchFamily="34" charset="0"/>
+                <a:ea typeface="Arial" charset="0"/>
+                <a:cs typeface="Arial" charset="0"/>
+              </a:rPr>
+              <a:t>décision</a:t>
+            </a:r>
+            <a:r>
+              <a:rPr lang="en-GB" sz="2400" dirty="0" smtClean="0">
+                <a:latin typeface="Corbel" panose="020B0503020204020204" pitchFamily="34" charset="0"/>
+                <a:ea typeface="Arial" charset="0"/>
+                <a:cs typeface="Arial" charset="0"/>
+              </a:rPr>
+              <a:t> </a:t>
+            </a:r>
+            <a:r>
+              <a:rPr lang="en-GB" sz="2400" dirty="0" err="1" smtClean="0">
+                <a:latin typeface="Corbel" panose="020B0503020204020204" pitchFamily="34" charset="0"/>
+                <a:ea typeface="Arial" charset="0"/>
+                <a:cs typeface="Arial" charset="0"/>
+              </a:rPr>
+              <a:t>en</a:t>
+            </a:r>
+            <a:r>
+              <a:rPr lang="en-GB" sz="2400" dirty="0" smtClean="0">
+                <a:latin typeface="Corbel" panose="020B0503020204020204" pitchFamily="34" charset="0"/>
+                <a:ea typeface="Arial" charset="0"/>
+                <a:cs typeface="Arial" charset="0"/>
+              </a:rPr>
+              <a:t> </a:t>
+            </a:r>
+            <a:r>
+              <a:rPr lang="en-GB" sz="2400" dirty="0" err="1" smtClean="0">
+                <a:latin typeface="Corbel" panose="020B0503020204020204" pitchFamily="34" charset="0"/>
+                <a:ea typeface="Arial" charset="0"/>
+                <a:cs typeface="Arial" charset="0"/>
+              </a:rPr>
+              <a:t>ligne</a:t>
+            </a:r>
+            <a:r>
+              <a:rPr lang="en-GB" sz="2400" dirty="0" smtClean="0">
+                <a:latin typeface="Corbel" panose="020B0503020204020204" pitchFamily="34" charset="0"/>
+                <a:ea typeface="Arial" charset="0"/>
+                <a:cs typeface="Arial" charset="0"/>
+              </a:rPr>
+              <a:t> </a:t>
+            </a:r>
+          </a:p>
+          <a:p>
+            <a:pPr lvl="1" indent="-457200">
               <a:lnSpc>
-                <a:spcPct val="100000"/>
+                <a:spcPct val="90000"/>
               </a:lnSpc>
               <a:spcBef>
-                <a:spcPts val="0"/>
+                <a:spcPts val="500"/>
               </a:spcBef>
-              <a:buNone/>
             </a:pPr>
             <a:r>
-              <a:rPr lang="fr-FR" dirty="0" smtClean="0"/>
+              <a:rPr lang="fr-FR" sz="2400" dirty="0" smtClean="0">
+                <a:latin typeface="Corbel" panose="020B0503020204020204" pitchFamily="34" charset="0"/>
+                <a:hlinkClick r:id="rId3"/>
+              </a:rPr>
+              <a:t>http</a:t>
+            </a:r>
+            <a:r>
+              <a:rPr lang="fr-FR" sz="2400" dirty="0">
+                <a:latin typeface="Corbel" panose="020B0503020204020204" pitchFamily="34" charset="0"/>
+                <a:hlinkClick r:id="rId3"/>
+              </a:rPr>
+              <a:t>://busec2.u-bordeaux.fr/aide-choix-entrepot/</a:t>
+            </a:r>
+            <a:r>
+              <a:rPr lang="fr-FR" sz="2400" dirty="0">
+                <a:latin typeface="Corbel" panose="020B0503020204020204" pitchFamily="34" charset="0"/>
+              </a:rPr>
               <a:t> </a:t>
             </a:r>
-            <a:endParaRPr lang="fr-FR" sz="3600" dirty="0" smtClean="0"/>
-          </a:p>
-          <a:p>
-            <a:pPr>
+          </a:p>
+          <a:p>
+            <a:pPr marL="457200" lvl="1" indent="-457200" defTabSz="914400">
               <a:lnSpc>
-                <a:spcPct val="120000"/>
+                <a:spcPct val="90000"/>
               </a:lnSpc>
+              <a:spcBef>
+                <a:spcPts val="500"/>
+              </a:spcBef>
             </a:pPr>
             <a:r>
-              <a:rPr lang="fr-FR" sz="3600" dirty="0" smtClean="0"/>
-              <a:t>Introduction </a:t>
-            </a:r>
-          </a:p>
-          <a:p>
-            <a:pPr>
-              <a:lnSpc>
-                <a:spcPct val="120000"/>
-              </a:lnSpc>
-            </a:pPr>
-            <a:r>
-              <a:rPr lang="fr-FR" sz="3600" dirty="0" smtClean="0"/>
-              <a:t>Trouver un entrepôt de données généraliste</a:t>
-            </a:r>
-          </a:p>
-          <a:p>
-            <a:pPr>
-              <a:lnSpc>
-                <a:spcPct val="120000"/>
-              </a:lnSpc>
-            </a:pPr>
-            <a:r>
-              <a:rPr lang="fr-FR" sz="3600" dirty="0" smtClean="0"/>
-              <a:t>Trouver </a:t>
-            </a:r>
-            <a:r>
-              <a:rPr lang="fr-FR" sz="3600" dirty="0" smtClean="0"/>
-              <a:t>un </a:t>
-            </a:r>
-            <a:r>
-              <a:rPr lang="fr-FR" sz="3600" dirty="0" smtClean="0"/>
-              <a:t>entrepôt de données spécialisé</a:t>
-            </a:r>
-          </a:p>
-        </p:txBody>
-      </p:sp>
-      <p:sp>
-        <p:nvSpPr>
-          <p:cNvPr id="4" name="Espace réservé du pied de page 3"/>
+              <a:rPr lang="fr-FR" sz="2400" dirty="0" smtClean="0">
+                <a:latin typeface="Corbel" panose="020B0503020204020204" pitchFamily="34" charset="0"/>
+              </a:rPr>
+              <a:t> </a:t>
+            </a:r>
+          </a:p>
+        </p:txBody>
+      </p:sp>
+      <p:sp>
+        <p:nvSpPr>
+          <p:cNvPr id="3" name="Espace réservé du pied de page 2"/>
           <p:cNvSpPr>
             <a:spLocks noGrp="1"/>
           </p:cNvSpPr>
@@ -8250,32 +10158,8 @@
           <a:p>
             <a:r>
               <a:rPr lang="fr-FR" smtClean="0"/>
-              <a:t>F. Flamerie - Données de recherche : entrepôts - 2021-06-29</a:t>
-            </a:r>
-            <a:endParaRPr lang="fr-FR" dirty="0"/>
-          </a:p>
-        </p:txBody>
-      </p:sp>
-      <p:sp>
-        <p:nvSpPr>
-          <p:cNvPr id="5" name="Espace réservé du numéro de diapositive 4"/>
-          <p:cNvSpPr>
-            <a:spLocks noGrp="1"/>
-          </p:cNvSpPr>
-          <p:nvPr>
-            <p:ph type="sldNum" sz="quarter" idx="12"/>
-          </p:nvPr>
-        </p:nvSpPr>
-        <p:spPr/>
-        <p:txBody>
-          <a:bodyPr/>
-          <a:lstStyle/>
-          <a:p>
-            <a:fld id="{99E13252-68E5-4994-B57B-B03F39B52C7D}" type="slidenum">
-              <a:rPr lang="fr-FR" smtClean="0"/>
-              <a:pPr/>
-              <a:t>2</a:t>
-            </a:fld>
+              <a:t>F. Flamerie - Données de recherche : entrepôts - 2022-06-28</a:t>
+            </a:r>
             <a:endParaRPr lang="fr-FR" dirty="0"/>
           </a:p>
         </p:txBody>
@@ -8283,7 +10167,7 @@
     </p:spTree>
     <p:extLst>
       <p:ext uri="{BB962C8B-B14F-4D97-AF65-F5344CB8AC3E}">
-        <p14:creationId xmlns:p14="http://schemas.microsoft.com/office/powerpoint/2010/main" val="4147771159"/>
+        <p14:creationId xmlns:p14="http://schemas.microsoft.com/office/powerpoint/2010/main" val="2992503790"/>
       </p:ext>
     </p:extLst>
   </p:cSld>
@@ -8293,7 +10177,7 @@
 </p:sld>
 </file>
 
-<file path=ppt/slides/slide20.xml><?xml version="1.0" encoding="utf-8"?>
+<file path=ppt/slides/slide23.xml><?xml version="1.0" encoding="utf-8"?>
 <p:sld xmlns:a="http://schemas.openxmlformats.org/drawingml/2006/main" xmlns:r="http://schemas.openxmlformats.org/officeDocument/2006/relationships" xmlns:p="http://schemas.openxmlformats.org/presentationml/2006/main">
   <p:cSld>
     <p:spTree>
@@ -8327,7 +10211,15 @@
           <a:p>
             <a:r>
               <a:rPr lang="fr-FR" dirty="0" smtClean="0"/>
-              <a:t>Trouver un entrepôt de données généraliste</a:t>
+              <a:t>Limites </a:t>
+            </a:r>
+            <a:r>
+              <a:rPr lang="fr-FR" dirty="0"/>
+              <a:t>des entrepôts de données </a:t>
+            </a:r>
+            <a:r>
+              <a:rPr lang="fr-FR" dirty="0" smtClean="0"/>
+              <a:t>généralistes</a:t>
             </a:r>
             <a:endParaRPr lang="fr-FR" dirty="0"/>
           </a:p>
@@ -8335,25 +10227,93 @@
       </p:sp>
       <p:sp>
         <p:nvSpPr>
-          <p:cNvPr id="4" name="Espace réservé du pied de page 3"/>
-          <p:cNvSpPr>
-            <a:spLocks noGrp="1"/>
-          </p:cNvSpPr>
-          <p:nvPr>
-            <p:ph type="ftr" sz="quarter" idx="11"/>
-          </p:nvPr>
-        </p:nvSpPr>
-        <p:spPr/>
-        <p:txBody>
-          <a:bodyPr/>
-          <a:lstStyle/>
-          <a:p>
-            <a:r>
-              <a:rPr lang="fr-FR" smtClean="0"/>
-              <a:t>F. Flamerie - Données de recherche : entrepôts - 2021-06-29</a:t>
+          <p:cNvPr id="3" name="Espace réservé du contenu 2"/>
+          <p:cNvSpPr>
+            <a:spLocks noGrp="1"/>
+          </p:cNvSpPr>
+          <p:nvPr>
+            <p:ph idx="1"/>
+          </p:nvPr>
+        </p:nvSpPr>
+        <p:spPr/>
+        <p:txBody>
+          <a:bodyPr/>
+          <a:lstStyle/>
+          <a:p>
+            <a:pPr marL="0" indent="0">
+              <a:buNone/>
+            </a:pPr>
+            <a:r>
+              <a:rPr lang="fr-FR" dirty="0" smtClean="0"/>
+              <a:t>Les entrepôts de données généralistes ne permettent généralement pas de bénéficier des avantages suivants des entrepôts spécialisés  </a:t>
+            </a:r>
+          </a:p>
+          <a:p>
+            <a:r>
+              <a:rPr lang="fr-FR" dirty="0" smtClean="0"/>
+              <a:t>Prise </a:t>
+            </a:r>
+            <a:r>
+              <a:rPr lang="fr-FR" dirty="0"/>
+              <a:t>en compte </a:t>
+            </a:r>
+            <a:r>
+              <a:rPr lang="fr-FR" dirty="0" smtClean="0"/>
+              <a:t>des </a:t>
+            </a:r>
+            <a:r>
+              <a:rPr lang="fr-FR" dirty="0"/>
+              <a:t>spécificités </a:t>
+            </a:r>
+            <a:r>
+              <a:rPr lang="fr-FR" dirty="0" smtClean="0"/>
+              <a:t>d’un ou plusieurs domaines disciplinaires </a:t>
             </a:r>
             <a:endParaRPr lang="fr-FR" dirty="0"/>
           </a:p>
+          <a:p>
+            <a:r>
+              <a:rPr lang="fr-FR" dirty="0"/>
+              <a:t> </a:t>
+            </a:r>
+            <a:r>
+              <a:rPr lang="fr-FR" dirty="0" smtClean="0"/>
+              <a:t>Richesse et précision des informations descriptives</a:t>
+            </a:r>
+            <a:endParaRPr lang="fr-FR" dirty="0"/>
+          </a:p>
+          <a:p>
+            <a:r>
+              <a:rPr lang="fr-FR" dirty="0"/>
+              <a:t> Interopérabilité : </a:t>
+            </a:r>
+            <a:r>
+              <a:rPr lang="fr-FR" dirty="0" smtClean="0"/>
+              <a:t>renforcée </a:t>
+            </a:r>
+            <a:r>
+              <a:rPr lang="fr-FR" dirty="0"/>
+              <a:t>si l’entrepôt de données requiert la conformité à un format de données</a:t>
+            </a:r>
+          </a:p>
+          <a:p>
+            <a:r>
+              <a:rPr lang="fr-FR" dirty="0"/>
+              <a:t> Réutilisation des données par des applications informatiques (</a:t>
+            </a:r>
+            <a:r>
+              <a:rPr lang="fr-FR" i="1" dirty="0"/>
+              <a:t>machine </a:t>
+            </a:r>
+            <a:r>
+              <a:rPr lang="fr-FR" i="1" dirty="0" err="1"/>
+              <a:t>readability</a:t>
+            </a:r>
+            <a:r>
+              <a:rPr lang="fr-FR" dirty="0"/>
+              <a:t>) - cf. point ci-dessus </a:t>
+            </a:r>
+          </a:p>
         </p:txBody>
       </p:sp>
       <p:sp>
@@ -8374,7 +10334,7 @@
             <a:fld id="{99E13252-68E5-4994-B57B-B03F39B52C7D}" type="slidenum">
               <a:rPr lang="fr-FR" smtClean="0"/>
               <a:pPr/>
-              <a:t>20</a:t>
+              <a:t>23</a:t>
             </a:fld>
             <a:endParaRPr lang="fr-FR" dirty="0"/>
           </a:p>
@@ -8382,160 +10342,31 @@
       </p:sp>
       <p:sp>
         <p:nvSpPr>
-          <p:cNvPr id="6" name="Rectangle 5"/>
-          <p:cNvSpPr/>
-          <p:nvPr/>
-        </p:nvSpPr>
-        <p:spPr>
-          <a:xfrm>
-            <a:off x="838200" y="1690688"/>
-            <a:ext cx="8544559" cy="424732"/>
-          </a:xfrm>
-          <a:prstGeom prst="rect">
-            <a:avLst/>
-          </a:prstGeom>
-        </p:spPr>
-        <p:txBody>
-          <a:bodyPr wrap="square">
-            <a:spAutoFit/>
-          </a:bodyPr>
-          <a:lstStyle/>
-          <a:p>
-            <a:pPr marL="457200" lvl="1" indent="-457200" defTabSz="914400">
-              <a:lnSpc>
-                <a:spcPct val="90000"/>
-              </a:lnSpc>
-              <a:spcBef>
-                <a:spcPts val="500"/>
-              </a:spcBef>
-            </a:pPr>
-            <a:r>
-              <a:rPr lang="en-GB" sz="2400" dirty="0" err="1" smtClean="0">
-                <a:latin typeface="Corbel" panose="020B0503020204020204" pitchFamily="34" charset="0"/>
-                <a:ea typeface="Arial" charset="0"/>
-                <a:cs typeface="Arial" charset="0"/>
-              </a:rPr>
-              <a:t>Outil</a:t>
-            </a:r>
-            <a:r>
-              <a:rPr lang="en-GB" sz="2400" dirty="0" smtClean="0">
-                <a:latin typeface="Corbel" panose="020B0503020204020204" pitchFamily="34" charset="0"/>
-                <a:ea typeface="Arial" charset="0"/>
-                <a:cs typeface="Arial" charset="0"/>
-              </a:rPr>
-              <a:t> </a:t>
-            </a:r>
-            <a:r>
-              <a:rPr lang="en-GB" sz="2400" dirty="0" err="1" smtClean="0">
-                <a:latin typeface="Corbel" panose="020B0503020204020204" pitchFamily="34" charset="0"/>
-                <a:ea typeface="Arial" charset="0"/>
-                <a:cs typeface="Arial" charset="0"/>
-              </a:rPr>
-              <a:t>d’aide</a:t>
-            </a:r>
-            <a:r>
-              <a:rPr lang="en-GB" sz="2400" dirty="0" smtClean="0">
-                <a:latin typeface="Corbel" panose="020B0503020204020204" pitchFamily="34" charset="0"/>
-                <a:ea typeface="Arial" charset="0"/>
-                <a:cs typeface="Arial" charset="0"/>
-              </a:rPr>
-              <a:t> à la </a:t>
-            </a:r>
-            <a:r>
-              <a:rPr lang="en-GB" sz="2400" dirty="0" err="1" smtClean="0">
-                <a:latin typeface="Corbel" panose="020B0503020204020204" pitchFamily="34" charset="0"/>
-                <a:ea typeface="Arial" charset="0"/>
-                <a:cs typeface="Arial" charset="0"/>
-              </a:rPr>
-              <a:t>décision</a:t>
-            </a:r>
-            <a:r>
-              <a:rPr lang="en-GB" sz="2400" dirty="0" smtClean="0">
-                <a:latin typeface="Corbel" panose="020B0503020204020204" pitchFamily="34" charset="0"/>
-                <a:ea typeface="Arial" charset="0"/>
-                <a:cs typeface="Arial" charset="0"/>
-              </a:rPr>
-              <a:t> </a:t>
-            </a:r>
-            <a:r>
-              <a:rPr lang="en-GB" sz="2400" dirty="0" err="1" smtClean="0">
-                <a:latin typeface="Corbel" panose="020B0503020204020204" pitchFamily="34" charset="0"/>
-                <a:ea typeface="Arial" charset="0"/>
-                <a:cs typeface="Arial" charset="0"/>
-              </a:rPr>
-              <a:t>en</a:t>
-            </a:r>
-            <a:r>
-              <a:rPr lang="en-GB" sz="2400" dirty="0" smtClean="0">
-                <a:latin typeface="Corbel" panose="020B0503020204020204" pitchFamily="34" charset="0"/>
-                <a:ea typeface="Arial" charset="0"/>
-                <a:cs typeface="Arial" charset="0"/>
-              </a:rPr>
-              <a:t> </a:t>
-            </a:r>
-            <a:r>
-              <a:rPr lang="en-GB" sz="2400" dirty="0" err="1" smtClean="0">
-                <a:latin typeface="Corbel" panose="020B0503020204020204" pitchFamily="34" charset="0"/>
-                <a:ea typeface="Arial" charset="0"/>
-                <a:cs typeface="Arial" charset="0"/>
-              </a:rPr>
-              <a:t>ligne</a:t>
-            </a:r>
-            <a:r>
-              <a:rPr lang="en-GB" sz="2400" dirty="0" smtClean="0">
-                <a:latin typeface="Corbel" panose="020B0503020204020204" pitchFamily="34" charset="0"/>
-                <a:ea typeface="Arial" charset="0"/>
-                <a:cs typeface="Arial" charset="0"/>
-              </a:rPr>
-              <a:t> : </a:t>
-            </a:r>
-            <a:r>
-              <a:rPr lang="fr-FR" sz="2400" dirty="0">
-                <a:latin typeface="Corbel" panose="020B0503020204020204" pitchFamily="34" charset="0"/>
-                <a:hlinkClick r:id="rId2"/>
-              </a:rPr>
-              <a:t>Trouver un entrepôt de données</a:t>
-            </a:r>
-            <a:r>
-              <a:rPr lang="fr-FR" sz="2400" dirty="0">
-                <a:latin typeface="Corbel" panose="020B0503020204020204" pitchFamily="34" charset="0"/>
-              </a:rPr>
-              <a:t> </a:t>
-            </a:r>
-            <a:endParaRPr lang="fr-FR" sz="2400" dirty="0" smtClean="0">
-              <a:latin typeface="Corbel" panose="020B0503020204020204" pitchFamily="34" charset="0"/>
-            </a:endParaRPr>
-          </a:p>
-        </p:txBody>
-      </p:sp>
-      <p:pic>
-        <p:nvPicPr>
-          <p:cNvPr id="7" name="Image 6"/>
-          <p:cNvPicPr>
-            <a:picLocks noChangeAspect="1"/>
-          </p:cNvPicPr>
-          <p:nvPr/>
-        </p:nvPicPr>
-        <p:blipFill>
-          <a:blip r:embed="rId3"/>
-          <a:stretch>
-            <a:fillRect/>
-          </a:stretch>
-        </p:blipFill>
-        <p:spPr>
-          <a:xfrm>
-            <a:off x="2986336" y="2180590"/>
-            <a:ext cx="6219328" cy="4175760"/>
-          </a:xfrm>
-          <a:prstGeom prst="rect">
-            <a:avLst/>
-          </a:prstGeom>
-        </p:spPr>
-      </p:pic>
+          <p:cNvPr id="4" name="Espace réservé du pied de page 3"/>
+          <p:cNvSpPr>
+            <a:spLocks noGrp="1"/>
+          </p:cNvSpPr>
+          <p:nvPr>
+            <p:ph type="ftr" sz="quarter" idx="11"/>
+          </p:nvPr>
+        </p:nvSpPr>
+        <p:spPr/>
+        <p:txBody>
+          <a:bodyPr/>
+          <a:lstStyle/>
+          <a:p>
+            <a:r>
+              <a:rPr lang="fr-FR" smtClean="0"/>
+              <a:t>F. Flamerie - Données de recherche : entrepôts - 2022-06-28</a:t>
+            </a:r>
+            <a:endParaRPr lang="fr-FR" dirty="0"/>
+          </a:p>
+        </p:txBody>
+      </p:sp>
     </p:spTree>
     <p:extLst>
       <p:ext uri="{BB962C8B-B14F-4D97-AF65-F5344CB8AC3E}">
-        <p14:creationId xmlns:p14="http://schemas.microsoft.com/office/powerpoint/2010/main" val="2376094620"/>
+        <p14:creationId xmlns:p14="http://schemas.microsoft.com/office/powerpoint/2010/main" val="3530766980"/>
       </p:ext>
     </p:extLst>
   </p:cSld>
@@ -8545,7 +10376,7 @@
 </p:sld>
 </file>
 
-<file path=ppt/slides/slide21.xml><?xml version="1.0" encoding="utf-8"?>
+<file path=ppt/slides/slide24.xml><?xml version="1.0" encoding="utf-8"?>
 <p:sld xmlns:a="http://schemas.openxmlformats.org/drawingml/2006/main" xmlns:r="http://schemas.openxmlformats.org/officeDocument/2006/relationships" xmlns:p="http://schemas.openxmlformats.org/presentationml/2006/main">
   <p:cSld>
     <p:spTree>
@@ -8676,7 +10507,7 @@
           <a:p>
             <a:r>
               <a:rPr lang="fr-FR" smtClean="0"/>
-              <a:t>F. Flamerie - Données de recherche : entrepôts - 2021-06-29</a:t>
+              <a:t>F. Flamerie - Données de recherche : entrepôts - 2022-06-28</a:t>
             </a:r>
             <a:endParaRPr lang="fr-FR" dirty="0"/>
           </a:p>
@@ -8699,7 +10530,7 @@
           <a:p>
             <a:fld id="{99E13252-68E5-4994-B57B-B03F39B52C7D}" type="slidenum">
               <a:rPr lang="fr-FR" smtClean="0"/>
-              <a:t>21</a:t>
+              <a:t>24</a:t>
             </a:fld>
             <a:endParaRPr lang="fr-FR"/>
           </a:p>
@@ -8718,7 +10549,7 @@
 </p:sld>
 </file>
 
-<file path=ppt/slides/slide22.xml><?xml version="1.0" encoding="utf-8"?>
+<file path=ppt/slides/slide25.xml><?xml version="1.0" encoding="utf-8"?>
 <p:sld xmlns:a="http://schemas.openxmlformats.org/drawingml/2006/main" xmlns:r="http://schemas.openxmlformats.org/officeDocument/2006/relationships" xmlns:p="http://schemas.openxmlformats.org/presentationml/2006/main">
   <p:cSld>
     <p:spTree>
@@ -9053,7 +10884,7 @@
           <a:p>
             <a:r>
               <a:rPr lang="fr-FR" smtClean="0"/>
-              <a:t>F. Flamerie - Données de recherche : entrepôts - 2021-06-29</a:t>
+              <a:t>F. Flamerie - Données de recherche : entrepôts - 2022-06-28</a:t>
             </a:r>
             <a:endParaRPr lang="fr-FR"/>
           </a:p>
@@ -9076,7 +10907,7 @@
           <a:p>
             <a:fld id="{99E13252-68E5-4994-B57B-B03F39B52C7D}" type="slidenum">
               <a:rPr lang="fr-FR" smtClean="0"/>
-              <a:t>22</a:t>
+              <a:t>25</a:t>
             </a:fld>
             <a:endParaRPr lang="fr-FR"/>
           </a:p>
@@ -9095,7 +10926,7 @@
 </p:sld>
 </file>
 
-<file path=ppt/slides/slide23.xml><?xml version="1.0" encoding="utf-8"?>
+<file path=ppt/slides/slide26.xml><?xml version="1.0" encoding="utf-8"?>
 <p:sld xmlns:a="http://schemas.openxmlformats.org/drawingml/2006/main" xmlns:r="http://schemas.openxmlformats.org/officeDocument/2006/relationships" xmlns:p="http://schemas.openxmlformats.org/presentationml/2006/main">
   <p:cSld>
     <p:spTree>
@@ -9156,7 +10987,7 @@
           <a:p>
             <a:r>
               <a:rPr lang="fr-FR" smtClean="0"/>
-              <a:t>F. Flamerie - Données de recherche : entrepôts - 2021-06-29</a:t>
+              <a:t>F. Flamerie - Données de recherche : entrepôts - 2022-06-28</a:t>
             </a:r>
             <a:endParaRPr lang="fr-FR" dirty="0"/>
           </a:p>
@@ -9180,7 +11011,7 @@
             <a:fld id="{99E13252-68E5-4994-B57B-B03F39B52C7D}" type="slidenum">
               <a:rPr lang="fr-FR" smtClean="0"/>
               <a:pPr/>
-              <a:t>23</a:t>
+              <a:t>26</a:t>
             </a:fld>
             <a:endParaRPr lang="fr-FR" dirty="0"/>
           </a:p>
@@ -9515,7 +11346,7 @@
 </p:sld>
 </file>
 
-<file path=ppt/slides/slide24.xml><?xml version="1.0" encoding="utf-8"?>
+<file path=ppt/slides/slide27.xml><?xml version="1.0" encoding="utf-8"?>
 <p:sld xmlns:a="http://schemas.openxmlformats.org/drawingml/2006/main" xmlns:r="http://schemas.openxmlformats.org/officeDocument/2006/relationships" xmlns:p="http://schemas.openxmlformats.org/presentationml/2006/main">
   <p:cSld>
     <p:spTree>
@@ -9606,12 +11437,20 @@
               </a:spcBef>
             </a:pPr>
             <a:r>
-              <a:rPr lang="fr-FR" b="1" dirty="0" err="1"/>
+              <a:rPr lang="fr-FR" b="1" dirty="0" smtClean="0"/>
+              <a:t> </a:t>
+            </a:r>
+            <a:r>
+              <a:rPr lang="fr-FR" b="1" dirty="0" err="1" smtClean="0"/>
               <a:t>Certificates</a:t>
             </a:r>
             <a:r>
+              <a:rPr lang="fr-FR" dirty="0" smtClean="0"/>
+              <a:t> </a:t>
+            </a:r>
+            <a:r>
               <a:rPr lang="fr-FR" dirty="0"/>
-              <a:t> : par quelle certification l'entrepôt est-il qualifié?</a:t>
+              <a:t>: par quelle certification l'entrepôt est-il qualifié?</a:t>
             </a:r>
           </a:p>
           <a:p>
@@ -9624,12 +11463,16 @@
               </a:spcBef>
             </a:pPr>
             <a:r>
-              <a:rPr lang="fr-FR" b="1" dirty="0"/>
-              <a:t>Accès</a:t>
+              <a:rPr lang="fr-FR" b="1" dirty="0" smtClean="0"/>
+              <a:t> Accès</a:t>
+            </a:r>
+            <a:r>
+              <a:rPr lang="fr-FR" dirty="0" smtClean="0"/>
+              <a:t> </a:t>
             </a:r>
             <a:r>
               <a:rPr lang="fr-FR" dirty="0"/>
-              <a:t> : gradient de valeurs de fermé à ouvert - se décompose en 3 types d'accès : </a:t>
+              <a:t>: gradient de valeurs de fermé à ouvert - se décompose en 3 types d'accès : </a:t>
             </a:r>
           </a:p>
           <a:p>
@@ -9703,12 +11546,20 @@
               </a:spcBef>
             </a:pPr>
             <a:r>
-              <a:rPr lang="fr-FR" b="1" dirty="0" err="1"/>
+              <a:rPr lang="fr-FR" b="1" dirty="0" smtClean="0"/>
+              <a:t> </a:t>
+            </a:r>
+            <a:r>
+              <a:rPr lang="fr-FR" b="1" dirty="0" err="1" smtClean="0"/>
               <a:t>Versioning</a:t>
             </a:r>
             <a:r>
+              <a:rPr lang="fr-FR" dirty="0" smtClean="0"/>
+              <a:t> </a:t>
+            </a:r>
+            <a:r>
               <a:rPr lang="fr-FR" dirty="0"/>
-              <a:t> : les jeux de données peuvent-ils être </a:t>
+              <a:t>: les jeux de données peuvent-ils être </a:t>
             </a:r>
             <a:r>
               <a:rPr lang="fr-FR" dirty="0" err="1"/>
@@ -9741,7 +11592,7 @@
           <a:p>
             <a:r>
               <a:rPr lang="fr-FR" smtClean="0"/>
-              <a:t>F. Flamerie - Données de recherche : entrepôts - 2021-06-29</a:t>
+              <a:t>F. Flamerie - Données de recherche : entrepôts - 2022-06-28</a:t>
             </a:r>
             <a:endParaRPr lang="fr-FR" dirty="0"/>
           </a:p>
@@ -9765,7 +11616,7 @@
             <a:fld id="{99E13252-68E5-4994-B57B-B03F39B52C7D}" type="slidenum">
               <a:rPr lang="fr-FR" smtClean="0"/>
               <a:pPr/>
-              <a:t>24</a:t>
+              <a:t>27</a:t>
             </a:fld>
             <a:endParaRPr lang="fr-FR" dirty="0"/>
           </a:p>
@@ -9784,7 +11635,7 @@
 </p:sld>
 </file>
 
-<file path=ppt/slides/slide25.xml><?xml version="1.0" encoding="utf-8"?>
+<file path=ppt/slides/slide28.xml><?xml version="1.0" encoding="utf-8"?>
 <p:sld xmlns:a="http://schemas.openxmlformats.org/drawingml/2006/main" xmlns:r="http://schemas.openxmlformats.org/officeDocument/2006/relationships" xmlns:p="http://schemas.openxmlformats.org/presentationml/2006/main">
   <p:cSld>
     <p:spTree>
@@ -10020,7 +11871,7 @@
           <a:p>
             <a:r>
               <a:rPr lang="fr-FR" smtClean="0"/>
-              <a:t>F. Flamerie - Données de recherche : entrepôts - 2021-06-29</a:t>
+              <a:t>F. Flamerie - Données de recherche : entrepôts - 2022-06-28</a:t>
             </a:r>
             <a:endParaRPr lang="fr-FR" dirty="0"/>
           </a:p>
@@ -10044,7 +11895,7 @@
             <a:fld id="{99E13252-68E5-4994-B57B-B03F39B52C7D}" type="slidenum">
               <a:rPr lang="fr-FR" smtClean="0"/>
               <a:pPr/>
-              <a:t>25</a:t>
+              <a:t>28</a:t>
             </a:fld>
             <a:endParaRPr lang="fr-FR" dirty="0"/>
           </a:p>
@@ -10092,7 +11943,7 @@
 </p:sld>
 </file>
 
-<file path=ppt/slides/slide26.xml><?xml version="1.0" encoding="utf-8"?>
+<file path=ppt/slides/slide29.xml><?xml version="1.0" encoding="utf-8"?>
 <p:sld xmlns:a="http://schemas.openxmlformats.org/drawingml/2006/main" xmlns:r="http://schemas.openxmlformats.org/officeDocument/2006/relationships" xmlns:p="http://schemas.openxmlformats.org/presentationml/2006/main">
   <p:cSld>
     <p:spTree>
@@ -10186,7 +12037,7 @@
           <a:p>
             <a:r>
               <a:rPr lang="fr-FR" smtClean="0"/>
-              <a:t>F. Flamerie - Données de recherche : entrepôts - 2021-06-29</a:t>
+              <a:t>F. Flamerie - Données de recherche : entrepôts - 2022-06-28</a:t>
             </a:r>
             <a:endParaRPr lang="fr-FR" dirty="0"/>
           </a:p>
@@ -10201,7 +12052,7 @@
           <p:nvPr/>
         </p:nvPicPr>
         <p:blipFill>
-          <a:blip r:embed="rId2">
+          <a:blip r:embed="rId3">
             <a:extLst>
               <a:ext uri="{28A0092B-C50C-407E-A947-70E740481C1C}">
                 <a14:useLocalDpi xmlns:a14="http://schemas.microsoft.com/office/drawing/2010/main" val="0"/>
@@ -10239,7 +12090,7 @@
           <a:p>
             <a:fld id="{99E13252-68E5-4994-B57B-B03F39B52C7D}" type="slidenum">
               <a:rPr lang="fr-FR" smtClean="0"/>
-              <a:t>26</a:t>
+              <a:t>29</a:t>
             </a:fld>
             <a:endParaRPr lang="fr-FR"/>
           </a:p>
@@ -10402,7 +12253,7 @@
           <a:p>
             <a:r>
               <a:rPr lang="fr-FR" smtClean="0"/>
-              <a:t>F. Flamerie - Données de recherche : entrepôts - 2021-06-29</a:t>
+              <a:t>F. Flamerie - Données de recherche : entrepôts - 2022-06-28</a:t>
             </a:r>
             <a:endParaRPr lang="fr-FR" dirty="0"/>
           </a:p>
@@ -10477,10 +12328,9 @@
           <a:lstStyle/>
           <a:p>
             <a:r>
-              <a:rPr lang="fr-FR" dirty="0" smtClean="0"/>
+              <a:rPr lang="fr-FR" dirty="0"/>
               <a:t>Terminologie : données de recherche</a:t>
             </a:r>
-            <a:endParaRPr lang="fr-FR" dirty="0"/>
           </a:p>
         </p:txBody>
       </p:sp>
@@ -10496,13 +12346,13 @@
         </p:nvSpPr>
         <p:spPr>
           <a:xfrm>
-            <a:off x="838200" y="1441312"/>
-            <a:ext cx="9871364" cy="5033230"/>
+            <a:off x="838200" y="1338886"/>
+            <a:ext cx="10515600" cy="5033230"/>
           </a:xfrm>
         </p:spPr>
         <p:txBody>
           <a:bodyPr>
-            <a:normAutofit fontScale="70000" lnSpcReduction="20000"/>
+            <a:normAutofit lnSpcReduction="10000"/>
           </a:bodyPr>
           <a:lstStyle/>
           <a:p>
@@ -10512,7 +12362,7 @@
               </a:lnSpc>
             </a:pPr>
             <a:r>
-              <a:rPr lang="fr-FR" dirty="0" smtClean="0"/>
+              <a:rPr lang="fr-FR" dirty="0"/>
               <a:t>Définition large OCDE</a:t>
             </a:r>
           </a:p>
@@ -10527,7 +12377,6 @@
               <a:rPr lang="fr-FR" dirty="0"/>
               <a:t>Enregistrements factuels (chiffres, textes, images et sons), qui sont utilisés comme sources principales pour la recherche scientifique et sont généralement reconnus par la communauté scientifique comme nécessaires pour valider des résultats de recherche. </a:t>
             </a:r>
-            <a:endParaRPr lang="fr-FR" dirty="0" smtClean="0"/>
           </a:p>
           <a:p>
             <a:pPr>
@@ -10537,84 +12386,43 @@
             </a:pPr>
             <a:r>
               <a:rPr lang="fr-FR" dirty="0"/>
-              <a:t> Définition NIH : </a:t>
-            </a:r>
-            <a:r>
-              <a:rPr lang="en-US" dirty="0">
-                <a:hlinkClick r:id="rId2"/>
-              </a:rPr>
-              <a:t>NOT-OD-21-013: Final NIH Policy for Data Management and Sharing</a:t>
-            </a:r>
-            <a:endParaRPr lang="fr-FR" dirty="0"/>
-          </a:p>
-          <a:p>
-            <a:pPr marL="630238" indent="0">
-              <a:lnSpc>
-                <a:spcPct val="120000"/>
-              </a:lnSpc>
-              <a:buNone/>
-            </a:pPr>
-            <a:r>
-              <a:rPr lang="en-US" b="1" dirty="0" smtClean="0">
-                <a:solidFill>
-                  <a:schemeClr val="bg2">
-                    <a:lumMod val="50000"/>
-                  </a:schemeClr>
-                </a:solidFill>
-              </a:rPr>
-              <a:t>“Scientific </a:t>
-            </a:r>
-            <a:r>
-              <a:rPr lang="en-US" b="1" dirty="0">
-                <a:solidFill>
-                  <a:schemeClr val="bg2">
-                    <a:lumMod val="50000"/>
-                  </a:schemeClr>
-                </a:solidFill>
-              </a:rPr>
-              <a:t>Data: </a:t>
-            </a:r>
-            <a:r>
-              <a:rPr lang="en-US" dirty="0">
-                <a:solidFill>
-                  <a:schemeClr val="bg2">
-                    <a:lumMod val="50000"/>
-                  </a:schemeClr>
-                </a:solidFill>
-              </a:rPr>
-              <a:t>The recorded factual material commonly accepted in the scientific community as of sufficient quality to validate and replicate research findings, regardless of whether the data are used to support scholarly publications. Scientific data </a:t>
-            </a:r>
-            <a:r>
-              <a:rPr lang="en-US" u="sng" dirty="0">
-                <a:solidFill>
-                  <a:schemeClr val="bg2">
-                    <a:lumMod val="50000"/>
-                  </a:schemeClr>
-                </a:solidFill>
-              </a:rPr>
-              <a:t>do not include</a:t>
-            </a:r>
-            <a:r>
-              <a:rPr lang="en-US" dirty="0">
-                <a:solidFill>
-                  <a:schemeClr val="bg2">
-                    <a:lumMod val="50000"/>
-                  </a:schemeClr>
-                </a:solidFill>
-              </a:rPr>
-              <a:t> laboratory notebooks, preliminary analyses, completed case report forms, drafts of scientific papers, plans for future research, peer reviews, communications with colleagues, or physical objects, such as laboratory specimens</a:t>
-            </a:r>
-            <a:r>
-              <a:rPr lang="en-US" dirty="0" smtClean="0">
-                <a:solidFill>
-                  <a:schemeClr val="bg2">
-                    <a:lumMod val="50000"/>
-                  </a:schemeClr>
-                </a:solidFill>
-              </a:rPr>
-              <a:t>.”</a:t>
-            </a:r>
-            <a:endParaRPr lang="fr-FR" dirty="0" smtClean="0"/>
+              <a:t> Typologie</a:t>
+            </a:r>
+          </a:p>
+          <a:p>
+            <a:pPr lvl="1"/>
+            <a:r>
+              <a:rPr lang="fr-FR" dirty="0"/>
+              <a:t>Données d'observation</a:t>
+            </a:r>
+          </a:p>
+          <a:p>
+            <a:pPr lvl="1"/>
+            <a:r>
+              <a:rPr lang="fr-FR" dirty="0"/>
+              <a:t>Données expérimentales</a:t>
+            </a:r>
+          </a:p>
+          <a:p>
+            <a:pPr lvl="1"/>
+            <a:r>
+              <a:rPr lang="fr-FR" dirty="0"/>
+              <a:t>Données de références</a:t>
+            </a:r>
+          </a:p>
+          <a:p>
+            <a:pPr lvl="1"/>
+            <a:r>
+              <a:rPr lang="fr-FR" dirty="0"/>
+              <a:t>Données de simulation numériques</a:t>
+            </a:r>
+          </a:p>
+          <a:p>
+            <a:pPr lvl="1"/>
+            <a:r>
+              <a:rPr lang="fr-FR" dirty="0"/>
+              <a:t>Données dérivées ou compilées</a:t>
+            </a:r>
           </a:p>
           <a:p>
             <a:pPr>
@@ -10622,53 +12430,7 @@
                 <a:spcPct val="120000"/>
               </a:lnSpc>
             </a:pPr>
-            <a:r>
-              <a:rPr lang="fr-FR" dirty="0"/>
-              <a:t> </a:t>
-            </a:r>
-            <a:r>
-              <a:rPr lang="fr-FR" dirty="0" smtClean="0"/>
-              <a:t>Un sous-ensemble :  </a:t>
-            </a:r>
-            <a:r>
-              <a:rPr lang="fr-FR" dirty="0"/>
-              <a:t>les données </a:t>
-            </a:r>
-            <a:r>
-              <a:rPr lang="fr-FR" dirty="0" smtClean="0"/>
-              <a:t>sous-jacentes à une publication </a:t>
-            </a:r>
-            <a:r>
-              <a:rPr lang="fr-FR" dirty="0"/>
-              <a:t>ou </a:t>
-            </a:r>
-            <a:r>
-              <a:rPr lang="fr-FR" i="1" dirty="0" err="1"/>
-              <a:t>underlying</a:t>
-            </a:r>
-            <a:r>
-              <a:rPr lang="fr-FR" i="1" dirty="0"/>
-              <a:t> </a:t>
-            </a:r>
-            <a:r>
-              <a:rPr lang="fr-FR" i="1" dirty="0" smtClean="0"/>
-              <a:t>data</a:t>
-            </a:r>
-            <a:r>
-              <a:rPr lang="fr-FR" dirty="0" smtClean="0"/>
-              <a:t> </a:t>
-            </a:r>
-          </a:p>
-          <a:p>
-            <a:pPr lvl="1">
-              <a:lnSpc>
-                <a:spcPct val="120000"/>
-              </a:lnSpc>
-            </a:pPr>
-            <a:r>
-              <a:rPr lang="fr-FR" dirty="0" smtClean="0"/>
-              <a:t>Y compris la documentation et le code informatique associés à ces données</a:t>
-            </a:r>
+            <a:endParaRPr lang="fr-FR" dirty="0"/>
           </a:p>
           <a:p>
             <a:pPr marL="457200" lvl="1" indent="0">
@@ -10680,29 +12442,6 @@
       </p:sp>
       <p:sp>
         <p:nvSpPr>
-          <p:cNvPr id="4" name="Espace réservé du pied de page 3"/>
-          <p:cNvSpPr>
-            <a:spLocks noGrp="1"/>
-          </p:cNvSpPr>
-          <p:nvPr>
-            <p:ph type="ftr" sz="quarter" idx="11"/>
-          </p:nvPr>
-        </p:nvSpPr>
-        <p:spPr/>
-        <p:txBody>
-          <a:bodyPr/>
-          <a:lstStyle/>
-          <a:p>
-            <a:r>
-              <a:rPr lang="fr-FR" smtClean="0"/>
-              <a:t>F. Flamerie - Données de recherche : entrepôts - 2021-06-29</a:t>
-            </a:r>
-            <a:endParaRPr lang="fr-FR"/>
-          </a:p>
-        </p:txBody>
-      </p:sp>
-      <p:sp>
-        <p:nvSpPr>
           <p:cNvPr id="5" name="Espace réservé du numéro de diapositive 4"/>
           <p:cNvSpPr>
             <a:spLocks noGrp="1"/>
@@ -10724,10 +12463,33 @@
           </a:p>
         </p:txBody>
       </p:sp>
+      <p:sp>
+        <p:nvSpPr>
+          <p:cNvPr id="2" name="Espace réservé du pied de page 1"/>
+          <p:cNvSpPr>
+            <a:spLocks noGrp="1"/>
+          </p:cNvSpPr>
+          <p:nvPr>
+            <p:ph type="ftr" sz="quarter" idx="11"/>
+          </p:nvPr>
+        </p:nvSpPr>
+        <p:spPr/>
+        <p:txBody>
+          <a:bodyPr/>
+          <a:lstStyle/>
+          <a:p>
+            <a:r>
+              <a:rPr lang="fr-FR" smtClean="0"/>
+              <a:t>F. Flamerie - Données de recherche : entrepôts - 2022-06-28</a:t>
+            </a:r>
+            <a:endParaRPr lang="fr-FR" dirty="0"/>
+          </a:p>
+        </p:txBody>
+      </p:sp>
     </p:spTree>
     <p:extLst>
       <p:ext uri="{BB962C8B-B14F-4D97-AF65-F5344CB8AC3E}">
-        <p14:creationId xmlns:p14="http://schemas.microsoft.com/office/powerpoint/2010/main" val="2216663595"/>
+        <p14:creationId xmlns:p14="http://schemas.microsoft.com/office/powerpoint/2010/main" val="3292078574"/>
       </p:ext>
     </p:extLst>
   </p:cSld>
@@ -10756,6 +12518,213 @@
       </p:grpSpPr>
       <p:sp>
         <p:nvSpPr>
+          <p:cNvPr id="6" name="Titre 5"/>
+          <p:cNvSpPr>
+            <a:spLocks noGrp="1"/>
+          </p:cNvSpPr>
+          <p:nvPr>
+            <p:ph type="title"/>
+          </p:nvPr>
+        </p:nvSpPr>
+        <p:spPr>
+          <a:xfrm>
+            <a:off x="550003" y="454546"/>
+            <a:ext cx="4614422" cy="1325563"/>
+          </a:xfrm>
+        </p:spPr>
+        <p:txBody>
+          <a:bodyPr>
+            <a:normAutofit fontScale="90000"/>
+          </a:bodyPr>
+          <a:lstStyle/>
+          <a:p>
+            <a:r>
+              <a:rPr lang="fr-FR" dirty="0"/>
+              <a:t>Terminologie : données de recherche</a:t>
+            </a:r>
+          </a:p>
+        </p:txBody>
+      </p:sp>
+      <p:sp>
+        <p:nvSpPr>
+          <p:cNvPr id="7" name="Espace réservé du contenu 6"/>
+          <p:cNvSpPr>
+            <a:spLocks noGrp="1"/>
+          </p:cNvSpPr>
+          <p:nvPr>
+            <p:ph idx="1"/>
+          </p:nvPr>
+        </p:nvSpPr>
+        <p:spPr>
+          <a:xfrm>
+            <a:off x="550003" y="5902098"/>
+            <a:ext cx="3804902" cy="771980"/>
+          </a:xfrm>
+        </p:spPr>
+        <p:txBody>
+          <a:bodyPr>
+            <a:normAutofit fontScale="47500" lnSpcReduction="20000"/>
+          </a:bodyPr>
+          <a:lstStyle/>
+          <a:p>
+            <a:pPr marL="0" indent="0">
+              <a:lnSpc>
+                <a:spcPct val="120000"/>
+              </a:lnSpc>
+              <a:buNone/>
+            </a:pPr>
+            <a:r>
+              <a:rPr lang="fr-FR" dirty="0"/>
+              <a:t>Source : </a:t>
+            </a:r>
+            <a:r>
+              <a:rPr lang="fr-FR" dirty="0" err="1"/>
+              <a:t>Bracco</a:t>
+            </a:r>
+            <a:r>
+              <a:rPr lang="fr-FR" dirty="0"/>
+              <a:t>, L., Bouchet-</a:t>
+            </a:r>
+            <a:r>
+              <a:rPr lang="fr-FR" dirty="0" err="1"/>
+              <a:t>Moneret</a:t>
+            </a:r>
+            <a:r>
+              <a:rPr lang="fr-FR" dirty="0"/>
+              <a:t>, F., &amp; </a:t>
+            </a:r>
+            <a:r>
+              <a:rPr lang="fr-FR" dirty="0" err="1"/>
+              <a:t>Jouneau</a:t>
+            </a:r>
+            <a:r>
+              <a:rPr lang="fr-FR" dirty="0"/>
+              <a:t>, T. (2021). Que sont les données de la recherche ? </a:t>
+            </a:r>
+            <a:r>
+              <a:rPr lang="fr-FR" dirty="0">
+                <a:hlinkClick r:id="rId3"/>
+              </a:rPr>
+              <a:t>https://doi.org/10.5281/zenodo.5495210</a:t>
+            </a:r>
+            <a:endParaRPr lang="fr-FR" dirty="0"/>
+          </a:p>
+        </p:txBody>
+      </p:sp>
+      <p:sp>
+        <p:nvSpPr>
+          <p:cNvPr id="5" name="Espace réservé du numéro de diapositive 4"/>
+          <p:cNvSpPr>
+            <a:spLocks noGrp="1"/>
+          </p:cNvSpPr>
+          <p:nvPr>
+            <p:ph type="sldNum" sz="quarter" idx="12"/>
+          </p:nvPr>
+        </p:nvSpPr>
+        <p:spPr/>
+        <p:txBody>
+          <a:bodyPr/>
+          <a:lstStyle/>
+          <a:p>
+            <a:fld id="{99E13252-68E5-4994-B57B-B03F39B52C7D}" type="slidenum">
+              <a:rPr lang="fr-FR" smtClean="0"/>
+              <a:t>5</a:t>
+            </a:fld>
+            <a:endParaRPr lang="fr-FR"/>
+          </a:p>
+        </p:txBody>
+      </p:sp>
+      <p:pic>
+        <p:nvPicPr>
+          <p:cNvPr id="9" name="Image 8">
+            <a:extLst>
+              <a:ext uri="{FF2B5EF4-FFF2-40B4-BE49-F238E27FC236}">
+                <a16:creationId xmlns:a16="http://schemas.microsoft.com/office/drawing/2014/main" xmlns="" id="{5C569CDF-83FD-4CEF-A36F-5E59EBDC2FC7}"/>
+              </a:ext>
+            </a:extLst>
+          </p:cNvPr>
+          <p:cNvPicPr>
+            <a:picLocks noChangeAspect="1"/>
+          </p:cNvPicPr>
+          <p:nvPr/>
+        </p:nvPicPr>
+        <p:blipFill>
+          <a:blip r:embed="rId4">
+            <a:extLst>
+              <a:ext uri="{28A0092B-C50C-407E-A947-70E740481C1C}">
+                <a14:useLocalDpi xmlns:a14="http://schemas.microsoft.com/office/drawing/2010/main" val="0"/>
+              </a:ext>
+            </a:extLst>
+          </a:blip>
+          <a:stretch>
+            <a:fillRect/>
+          </a:stretch>
+        </p:blipFill>
+        <p:spPr>
+          <a:xfrm>
+            <a:off x="4899886" y="68262"/>
+            <a:ext cx="6998895" cy="6721475"/>
+          </a:xfrm>
+          <a:prstGeom prst="rect">
+            <a:avLst/>
+          </a:prstGeom>
+        </p:spPr>
+      </p:pic>
+      <p:sp>
+        <p:nvSpPr>
+          <p:cNvPr id="2" name="Espace réservé du pied de page 1"/>
+          <p:cNvSpPr>
+            <a:spLocks noGrp="1"/>
+          </p:cNvSpPr>
+          <p:nvPr>
+            <p:ph type="ftr" sz="quarter" idx="11"/>
+          </p:nvPr>
+        </p:nvSpPr>
+        <p:spPr/>
+        <p:txBody>
+          <a:bodyPr/>
+          <a:lstStyle/>
+          <a:p>
+            <a:r>
+              <a:rPr lang="fr-FR" smtClean="0"/>
+              <a:t>F. Flamerie - Données de recherche : entrepôts - 2022-06-28</a:t>
+            </a:r>
+            <a:endParaRPr lang="fr-FR" dirty="0"/>
+          </a:p>
+        </p:txBody>
+      </p:sp>
+    </p:spTree>
+    <p:extLst>
+      <p:ext uri="{BB962C8B-B14F-4D97-AF65-F5344CB8AC3E}">
+        <p14:creationId xmlns:p14="http://schemas.microsoft.com/office/powerpoint/2010/main" val="403629657"/>
+      </p:ext>
+    </p:extLst>
+  </p:cSld>
+  <p:clrMapOvr>
+    <a:masterClrMapping/>
+  </p:clrMapOvr>
+</p:sld>
+</file>
+
+<file path=ppt/slides/slide6.xml><?xml version="1.0" encoding="utf-8"?>
+<p:sld xmlns:a="http://schemas.openxmlformats.org/drawingml/2006/main" xmlns:r="http://schemas.openxmlformats.org/officeDocument/2006/relationships" xmlns:p="http://schemas.openxmlformats.org/presentationml/2006/main">
+  <p:cSld>
+    <p:spTree>
+      <p:nvGrpSpPr>
+        <p:cNvPr id="1" name=""/>
+        <p:cNvGrpSpPr/>
+        <p:nvPr/>
+      </p:nvGrpSpPr>
+      <p:grpSpPr>
+        <a:xfrm>
+          <a:off x="0" y="0"/>
+          <a:ext cx="0" cy="0"/>
+          <a:chOff x="0" y="0"/>
+          <a:chExt cx="0" cy="0"/>
+        </a:xfrm>
+      </p:grpSpPr>
+      <p:sp>
+        <p:nvSpPr>
           <p:cNvPr id="2" name="Titre 1"/>
           <p:cNvSpPr>
             <a:spLocks noGrp="1"/>
@@ -10906,7 +12875,7 @@
           <a:p>
             <a:r>
               <a:rPr lang="fr-FR" smtClean="0"/>
-              <a:t>F. Flamerie - Données de recherche : entrepôts - 2021-06-29</a:t>
+              <a:t>F. Flamerie - Données de recherche : entrepôts - 2022-06-28</a:t>
             </a:r>
             <a:endParaRPr lang="fr-FR" dirty="0"/>
           </a:p>
@@ -10930,7 +12899,7 @@
             <a:fld id="{99E13252-68E5-4994-B57B-B03F39B52C7D}" type="slidenum">
               <a:rPr lang="fr-FR" smtClean="0"/>
               <a:pPr/>
-              <a:t>5</a:t>
+              <a:t>6</a:t>
             </a:fld>
             <a:endParaRPr lang="fr-FR" dirty="0"/>
           </a:p>
@@ -11359,219 +13328,6 @@
 </p:sld>
 </file>
 
-<file path=ppt/slides/slide6.xml><?xml version="1.0" encoding="utf-8"?>
-<p:sld xmlns:a="http://schemas.openxmlformats.org/drawingml/2006/main" xmlns:r="http://schemas.openxmlformats.org/officeDocument/2006/relationships" xmlns:p="http://schemas.openxmlformats.org/presentationml/2006/main">
-  <p:cSld>
-    <p:spTree>
-      <p:nvGrpSpPr>
-        <p:cNvPr id="1" name=""/>
-        <p:cNvGrpSpPr/>
-        <p:nvPr/>
-      </p:nvGrpSpPr>
-      <p:grpSpPr>
-        <a:xfrm>
-          <a:off x="0" y="0"/>
-          <a:ext cx="0" cy="0"/>
-          <a:chOff x="0" y="0"/>
-          <a:chExt cx="0" cy="0"/>
-        </a:xfrm>
-      </p:grpSpPr>
-      <p:sp>
-        <p:nvSpPr>
-          <p:cNvPr id="6" name="Titre 5"/>
-          <p:cNvSpPr>
-            <a:spLocks noGrp="1"/>
-          </p:cNvSpPr>
-          <p:nvPr>
-            <p:ph type="title"/>
-          </p:nvPr>
-        </p:nvSpPr>
-        <p:spPr/>
-        <p:txBody>
-          <a:bodyPr/>
-          <a:lstStyle/>
-          <a:p>
-            <a:r>
-              <a:rPr lang="fr-FR" dirty="0" smtClean="0"/>
-              <a:t>Modes de partage des données de recherche</a:t>
-            </a:r>
-            <a:endParaRPr lang="fr-FR" dirty="0"/>
-          </a:p>
-        </p:txBody>
-      </p:sp>
-      <p:sp>
-        <p:nvSpPr>
-          <p:cNvPr id="7" name="Espace réservé du contenu 6"/>
-          <p:cNvSpPr>
-            <a:spLocks noGrp="1"/>
-          </p:cNvSpPr>
-          <p:nvPr>
-            <p:ph idx="1"/>
-          </p:nvPr>
-        </p:nvSpPr>
-        <p:spPr/>
-        <p:txBody>
-          <a:bodyPr>
-            <a:normAutofit/>
-          </a:bodyPr>
-          <a:lstStyle/>
-          <a:p>
-            <a:endParaRPr lang="fr-FR" dirty="0" smtClean="0"/>
-          </a:p>
-          <a:p>
-            <a:pPr marL="0" indent="0">
-              <a:buNone/>
-            </a:pPr>
-            <a:r>
-              <a:rPr lang="fr-FR" sz="3200" dirty="0"/>
-              <a:t>Quel mode de partage des données vous semble-t-il le plus fréquent</a:t>
-            </a:r>
-            <a:r>
-              <a:rPr lang="fr-FR" sz="3200" dirty="0" smtClean="0"/>
-              <a:t>? - réponse dans le sondage Zoom</a:t>
-            </a:r>
-            <a:endParaRPr lang="fr-FR" sz="3200" dirty="0"/>
-          </a:p>
-          <a:p>
-            <a:r>
-              <a:rPr lang="fr-FR" dirty="0" smtClean="0"/>
-              <a:t> Fichiers </a:t>
-            </a:r>
-            <a:r>
-              <a:rPr lang="fr-FR" dirty="0"/>
-              <a:t>supplémentaires à un article </a:t>
-            </a:r>
-            <a:r>
-              <a:rPr lang="fr-FR" dirty="0" smtClean="0"/>
-              <a:t>scientifique</a:t>
-            </a:r>
-          </a:p>
-          <a:p>
-            <a:r>
-              <a:rPr lang="fr-FR" dirty="0"/>
-              <a:t> </a:t>
-            </a:r>
-            <a:r>
-              <a:rPr lang="fr-FR" dirty="0" smtClean="0"/>
-              <a:t>Dépôt </a:t>
-            </a:r>
-            <a:r>
-              <a:rPr lang="fr-FR" dirty="0"/>
-              <a:t>dans un entrepôt de données accessible </a:t>
-            </a:r>
-            <a:r>
-              <a:rPr lang="fr-FR" dirty="0" smtClean="0"/>
-              <a:t>publiquement</a:t>
-            </a:r>
-          </a:p>
-          <a:p>
-            <a:r>
-              <a:rPr lang="fr-FR" dirty="0"/>
-              <a:t> </a:t>
-            </a:r>
-            <a:r>
-              <a:rPr lang="fr-FR" dirty="0" smtClean="0"/>
-              <a:t>Privé</a:t>
-            </a:r>
-            <a:r>
-              <a:rPr lang="fr-FR" dirty="0"/>
-              <a:t>, sur </a:t>
-            </a:r>
-            <a:r>
-              <a:rPr lang="fr-FR" dirty="0" smtClean="0"/>
-              <a:t>demande</a:t>
-            </a:r>
-          </a:p>
-          <a:p>
-            <a:r>
-              <a:rPr lang="fr-FR" dirty="0" smtClean="0"/>
-              <a:t>Autre </a:t>
-            </a:r>
-            <a:r>
-              <a:rPr lang="fr-FR" dirty="0"/>
-              <a:t>(précisez dans la discussion </a:t>
-            </a:r>
-            <a:r>
-              <a:rPr lang="fr-FR" dirty="0" smtClean="0"/>
-              <a:t>Zoom)</a:t>
-            </a:r>
-          </a:p>
-          <a:p>
-            <a:r>
-              <a:rPr lang="fr-FR" dirty="0" smtClean="0"/>
-              <a:t>Aucun </a:t>
-            </a:r>
-            <a:r>
-              <a:rPr lang="fr-FR" dirty="0"/>
-              <a:t>partage</a:t>
-            </a:r>
-          </a:p>
-          <a:p>
-            <a:pPr lvl="1"/>
-            <a:endParaRPr lang="fr-FR" dirty="0"/>
-          </a:p>
-        </p:txBody>
-      </p:sp>
-      <p:sp>
-        <p:nvSpPr>
-          <p:cNvPr id="4" name="Espace réservé du pied de page 3"/>
-          <p:cNvSpPr>
-            <a:spLocks noGrp="1"/>
-          </p:cNvSpPr>
-          <p:nvPr>
-            <p:ph type="ftr" sz="quarter" idx="11"/>
-          </p:nvPr>
-        </p:nvSpPr>
-        <p:spPr/>
-        <p:txBody>
-          <a:bodyPr/>
-          <a:lstStyle/>
-          <a:p>
-            <a:r>
-              <a:rPr lang="fr-FR" smtClean="0"/>
-              <a:t>F. Flamerie - Données de recherche : entrepôts - 2021-06-29</a:t>
-            </a:r>
-            <a:endParaRPr lang="fr-FR"/>
-          </a:p>
-        </p:txBody>
-      </p:sp>
-      <p:sp>
-        <p:nvSpPr>
-          <p:cNvPr id="5" name="Espace réservé du numéro de diapositive 4"/>
-          <p:cNvSpPr>
-            <a:spLocks noGrp="1"/>
-          </p:cNvSpPr>
-          <p:nvPr>
-            <p:ph type="sldNum" sz="quarter" idx="12"/>
-          </p:nvPr>
-        </p:nvSpPr>
-        <p:spPr/>
-        <p:txBody>
-          <a:bodyPr/>
-          <a:lstStyle/>
-          <a:p>
-            <a:fld id="{99E13252-68E5-4994-B57B-B03F39B52C7D}" type="slidenum">
-              <a:rPr lang="fr-FR" smtClean="0"/>
-              <a:pPr/>
-              <a:t>6</a:t>
-            </a:fld>
-            <a:endParaRPr lang="fr-FR"/>
-          </a:p>
-        </p:txBody>
-      </p:sp>
-    </p:spTree>
-    <p:extLst>
-      <p:ext uri="{BB962C8B-B14F-4D97-AF65-F5344CB8AC3E}">
-        <p14:creationId xmlns:p14="http://schemas.microsoft.com/office/powerpoint/2010/main" val="61851456"/>
-      </p:ext>
-    </p:extLst>
-  </p:cSld>
-  <p:clrMapOvr>
-    <a:masterClrMapping/>
-  </p:clrMapOvr>
-</p:sld>
-</file>
-
 <file path=ppt/slides/slide7.xml><?xml version="1.0" encoding="utf-8"?>
 <p:sld xmlns:a="http://schemas.openxmlformats.org/drawingml/2006/main" xmlns:r="http://schemas.openxmlformats.org/officeDocument/2006/relationships" xmlns:p="http://schemas.openxmlformats.org/presentationml/2006/main">
   <p:cSld>
@@ -11622,6 +13378,219 @@
             <p:ph idx="1"/>
           </p:nvPr>
         </p:nvSpPr>
+        <p:spPr/>
+        <p:txBody>
+          <a:bodyPr>
+            <a:normAutofit/>
+          </a:bodyPr>
+          <a:lstStyle/>
+          <a:p>
+            <a:endParaRPr lang="fr-FR" dirty="0" smtClean="0"/>
+          </a:p>
+          <a:p>
+            <a:pPr marL="0" indent="0">
+              <a:buNone/>
+            </a:pPr>
+            <a:r>
+              <a:rPr lang="fr-FR" sz="3200" dirty="0"/>
+              <a:t>Quel mode de partage des données vous semble-t-il le plus fréquent</a:t>
+            </a:r>
+            <a:r>
+              <a:rPr lang="fr-FR" sz="3200" dirty="0" smtClean="0"/>
+              <a:t>? - réponse dans le sondage Zoom</a:t>
+            </a:r>
+            <a:endParaRPr lang="fr-FR" sz="3200" dirty="0"/>
+          </a:p>
+          <a:p>
+            <a:r>
+              <a:rPr lang="fr-FR" dirty="0" smtClean="0"/>
+              <a:t> Fichiers </a:t>
+            </a:r>
+            <a:r>
+              <a:rPr lang="fr-FR" dirty="0"/>
+              <a:t>supplémentaires à un article </a:t>
+            </a:r>
+            <a:r>
+              <a:rPr lang="fr-FR" dirty="0" smtClean="0"/>
+              <a:t>scientifique</a:t>
+            </a:r>
+          </a:p>
+          <a:p>
+            <a:r>
+              <a:rPr lang="fr-FR" dirty="0"/>
+              <a:t> </a:t>
+            </a:r>
+            <a:r>
+              <a:rPr lang="fr-FR" dirty="0" smtClean="0"/>
+              <a:t>Dépôt </a:t>
+            </a:r>
+            <a:r>
+              <a:rPr lang="fr-FR" dirty="0"/>
+              <a:t>dans un entrepôt de données accessible </a:t>
+            </a:r>
+            <a:r>
+              <a:rPr lang="fr-FR" dirty="0" smtClean="0"/>
+              <a:t>publiquement</a:t>
+            </a:r>
+          </a:p>
+          <a:p>
+            <a:r>
+              <a:rPr lang="fr-FR" dirty="0"/>
+              <a:t> </a:t>
+            </a:r>
+            <a:r>
+              <a:rPr lang="fr-FR" dirty="0" smtClean="0"/>
+              <a:t>Privé</a:t>
+            </a:r>
+            <a:r>
+              <a:rPr lang="fr-FR" dirty="0"/>
+              <a:t>, sur </a:t>
+            </a:r>
+            <a:r>
+              <a:rPr lang="fr-FR" dirty="0" smtClean="0"/>
+              <a:t>demande</a:t>
+            </a:r>
+          </a:p>
+          <a:p>
+            <a:r>
+              <a:rPr lang="fr-FR" dirty="0" smtClean="0"/>
+              <a:t>Autre </a:t>
+            </a:r>
+            <a:r>
+              <a:rPr lang="fr-FR" dirty="0"/>
+              <a:t>(précisez dans la discussion </a:t>
+            </a:r>
+            <a:r>
+              <a:rPr lang="fr-FR" dirty="0" smtClean="0"/>
+              <a:t>Zoom)</a:t>
+            </a:r>
+          </a:p>
+          <a:p>
+            <a:r>
+              <a:rPr lang="fr-FR" dirty="0" smtClean="0"/>
+              <a:t>Aucun </a:t>
+            </a:r>
+            <a:r>
+              <a:rPr lang="fr-FR" dirty="0"/>
+              <a:t>partage</a:t>
+            </a:r>
+          </a:p>
+          <a:p>
+            <a:pPr lvl="1"/>
+            <a:endParaRPr lang="fr-FR" dirty="0"/>
+          </a:p>
+        </p:txBody>
+      </p:sp>
+      <p:sp>
+        <p:nvSpPr>
+          <p:cNvPr id="4" name="Espace réservé du pied de page 3"/>
+          <p:cNvSpPr>
+            <a:spLocks noGrp="1"/>
+          </p:cNvSpPr>
+          <p:nvPr>
+            <p:ph type="ftr" sz="quarter" idx="11"/>
+          </p:nvPr>
+        </p:nvSpPr>
+        <p:spPr/>
+        <p:txBody>
+          <a:bodyPr/>
+          <a:lstStyle/>
+          <a:p>
+            <a:r>
+              <a:rPr lang="fr-FR" smtClean="0"/>
+              <a:t>F. Flamerie - Données de recherche : entrepôts - 2022-06-28</a:t>
+            </a:r>
+            <a:endParaRPr lang="fr-FR"/>
+          </a:p>
+        </p:txBody>
+      </p:sp>
+      <p:sp>
+        <p:nvSpPr>
+          <p:cNvPr id="5" name="Espace réservé du numéro de diapositive 4"/>
+          <p:cNvSpPr>
+            <a:spLocks noGrp="1"/>
+          </p:cNvSpPr>
+          <p:nvPr>
+            <p:ph type="sldNum" sz="quarter" idx="12"/>
+          </p:nvPr>
+        </p:nvSpPr>
+        <p:spPr/>
+        <p:txBody>
+          <a:bodyPr/>
+          <a:lstStyle/>
+          <a:p>
+            <a:fld id="{99E13252-68E5-4994-B57B-B03F39B52C7D}" type="slidenum">
+              <a:rPr lang="fr-FR" smtClean="0"/>
+              <a:pPr/>
+              <a:t>7</a:t>
+            </a:fld>
+            <a:endParaRPr lang="fr-FR"/>
+          </a:p>
+        </p:txBody>
+      </p:sp>
+    </p:spTree>
+    <p:extLst>
+      <p:ext uri="{BB962C8B-B14F-4D97-AF65-F5344CB8AC3E}">
+        <p14:creationId xmlns:p14="http://schemas.microsoft.com/office/powerpoint/2010/main" val="61851456"/>
+      </p:ext>
+    </p:extLst>
+  </p:cSld>
+  <p:clrMapOvr>
+    <a:masterClrMapping/>
+  </p:clrMapOvr>
+</p:sld>
+</file>
+
+<file path=ppt/slides/slide8.xml><?xml version="1.0" encoding="utf-8"?>
+<p:sld xmlns:a="http://schemas.openxmlformats.org/drawingml/2006/main" xmlns:r="http://schemas.openxmlformats.org/officeDocument/2006/relationships" xmlns:p="http://schemas.openxmlformats.org/presentationml/2006/main">
+  <p:cSld>
+    <p:spTree>
+      <p:nvGrpSpPr>
+        <p:cNvPr id="1" name=""/>
+        <p:cNvGrpSpPr/>
+        <p:nvPr/>
+      </p:nvGrpSpPr>
+      <p:grpSpPr>
+        <a:xfrm>
+          <a:off x="0" y="0"/>
+          <a:ext cx="0" cy="0"/>
+          <a:chOff x="0" y="0"/>
+          <a:chExt cx="0" cy="0"/>
+        </a:xfrm>
+      </p:grpSpPr>
+      <p:sp>
+        <p:nvSpPr>
+          <p:cNvPr id="6" name="Titre 5"/>
+          <p:cNvSpPr>
+            <a:spLocks noGrp="1"/>
+          </p:cNvSpPr>
+          <p:nvPr>
+            <p:ph type="title"/>
+          </p:nvPr>
+        </p:nvSpPr>
+        <p:spPr/>
+        <p:txBody>
+          <a:bodyPr/>
+          <a:lstStyle/>
+          <a:p>
+            <a:r>
+              <a:rPr lang="fr-FR" dirty="0" smtClean="0"/>
+              <a:t>Modes de partage des données de recherche</a:t>
+            </a:r>
+            <a:endParaRPr lang="fr-FR" dirty="0"/>
+          </a:p>
+        </p:txBody>
+      </p:sp>
+      <p:sp>
+        <p:nvSpPr>
+          <p:cNvPr id="7" name="Espace réservé du contenu 6"/>
+          <p:cNvSpPr>
+            <a:spLocks noGrp="1"/>
+          </p:cNvSpPr>
+          <p:nvPr>
+            <p:ph idx="1"/>
+          </p:nvPr>
+        </p:nvSpPr>
         <p:spPr>
           <a:xfrm>
             <a:off x="838200" y="1441312"/>
@@ -11670,7 +13639,7 @@
           <a:p>
             <a:r>
               <a:rPr lang="fr-FR" smtClean="0"/>
-              <a:t>F. Flamerie - Données de recherche : entrepôts - 2021-06-29</a:t>
+              <a:t>F. Flamerie - Données de recherche : entrepôts - 2022-06-28</a:t>
             </a:r>
             <a:endParaRPr lang="fr-FR"/>
           </a:p>
@@ -11693,7 +13662,7 @@
           <a:p>
             <a:fld id="{99E13252-68E5-4994-B57B-B03F39B52C7D}" type="slidenum">
               <a:rPr lang="fr-FR" smtClean="0"/>
-              <a:t>7</a:t>
+              <a:t>8</a:t>
             </a:fld>
             <a:endParaRPr lang="fr-FR"/>
           </a:p>
@@ -11817,382 +13786,6 @@
 </p:sld>
 </file>
 
-<file path=ppt/slides/slide8.xml><?xml version="1.0" encoding="utf-8"?>
-<p:sld xmlns:a="http://schemas.openxmlformats.org/drawingml/2006/main" xmlns:r="http://schemas.openxmlformats.org/officeDocument/2006/relationships" xmlns:p="http://schemas.openxmlformats.org/presentationml/2006/main">
-  <p:cSld>
-    <p:spTree>
-      <p:nvGrpSpPr>
-        <p:cNvPr id="1" name=""/>
-        <p:cNvGrpSpPr/>
-        <p:nvPr/>
-      </p:nvGrpSpPr>
-      <p:grpSpPr>
-        <a:xfrm>
-          <a:off x="0" y="0"/>
-          <a:ext cx="0" cy="0"/>
-          <a:chOff x="0" y="0"/>
-          <a:chExt cx="0" cy="0"/>
-        </a:xfrm>
-      </p:grpSpPr>
-      <p:sp>
-        <p:nvSpPr>
-          <p:cNvPr id="6" name="Titre 5"/>
-          <p:cNvSpPr>
-            <a:spLocks noGrp="1"/>
-          </p:cNvSpPr>
-          <p:nvPr>
-            <p:ph type="title"/>
-          </p:nvPr>
-        </p:nvSpPr>
-        <p:spPr/>
-        <p:txBody>
-          <a:bodyPr/>
-          <a:lstStyle/>
-          <a:p>
-            <a:r>
-              <a:rPr lang="fr-FR" dirty="0" smtClean="0"/>
-              <a:t>Modes de partage des données de recherche</a:t>
-            </a:r>
-            <a:endParaRPr lang="fr-FR" dirty="0"/>
-          </a:p>
-        </p:txBody>
-      </p:sp>
-      <p:sp>
-        <p:nvSpPr>
-          <p:cNvPr id="7" name="Espace réservé du contenu 6"/>
-          <p:cNvSpPr>
-            <a:spLocks noGrp="1"/>
-          </p:cNvSpPr>
-          <p:nvPr>
-            <p:ph idx="1"/>
-          </p:nvPr>
-        </p:nvSpPr>
-        <p:spPr>
-          <a:xfrm>
-            <a:off x="838200" y="2359025"/>
-            <a:ext cx="3479800" cy="4351338"/>
-          </a:xfrm>
-        </p:spPr>
-        <p:txBody>
-          <a:bodyPr>
-            <a:normAutofit/>
-          </a:bodyPr>
-          <a:lstStyle/>
-          <a:p>
-            <a:r>
-              <a:rPr lang="fr-FR" sz="2400" dirty="0" smtClean="0"/>
-              <a:t>Enquête menée par PLOS</a:t>
-            </a:r>
-          </a:p>
-          <a:p>
-            <a:r>
-              <a:rPr lang="fr-FR" sz="2400" dirty="0" smtClean="0"/>
-              <a:t>1477 </a:t>
-            </a:r>
-            <a:r>
-              <a:rPr lang="fr-FR" sz="2400" dirty="0"/>
-              <a:t>réponses</a:t>
-            </a:r>
-          </a:p>
-          <a:p>
-            <a:pPr lvl="1"/>
-            <a:r>
-              <a:rPr lang="fr-FR" dirty="0"/>
-              <a:t>20,9% Médecine et sciences de la santé</a:t>
-            </a:r>
-          </a:p>
-          <a:p>
-            <a:pPr lvl="1"/>
-            <a:r>
-              <a:rPr lang="fr-FR" dirty="0"/>
-              <a:t>30,4% Biologie et sciences de la vie</a:t>
-            </a:r>
-          </a:p>
-          <a:p>
-            <a:pPr lvl="1"/>
-            <a:r>
-              <a:rPr lang="fr-FR" dirty="0"/>
-              <a:t>9,7% Sciences </a:t>
-            </a:r>
-            <a:r>
-              <a:rPr lang="fr-FR" dirty="0" smtClean="0"/>
-              <a:t>sociales</a:t>
-            </a:r>
-            <a:endParaRPr lang="fr-FR" sz="2400" dirty="0" smtClean="0"/>
-          </a:p>
-          <a:p>
-            <a:pPr lvl="1"/>
-            <a:endParaRPr lang="fr-FR" dirty="0"/>
-          </a:p>
-        </p:txBody>
-      </p:sp>
-      <p:sp>
-        <p:nvSpPr>
-          <p:cNvPr id="4" name="Espace réservé du pied de page 3"/>
-          <p:cNvSpPr>
-            <a:spLocks noGrp="1"/>
-          </p:cNvSpPr>
-          <p:nvPr>
-            <p:ph type="ftr" sz="quarter" idx="11"/>
-          </p:nvPr>
-        </p:nvSpPr>
-        <p:spPr/>
-        <p:txBody>
-          <a:bodyPr/>
-          <a:lstStyle/>
-          <a:p>
-            <a:r>
-              <a:rPr lang="fr-FR" smtClean="0"/>
-              <a:t>F. Flamerie - Données de recherche : entrepôts - 2021-06-29</a:t>
-            </a:r>
-            <a:endParaRPr lang="fr-FR" dirty="0"/>
-          </a:p>
-        </p:txBody>
-      </p:sp>
-      <p:sp>
-        <p:nvSpPr>
-          <p:cNvPr id="5" name="Espace réservé du numéro de diapositive 4"/>
-          <p:cNvSpPr>
-            <a:spLocks noGrp="1"/>
-          </p:cNvSpPr>
-          <p:nvPr>
-            <p:ph type="sldNum" sz="quarter" idx="12"/>
-          </p:nvPr>
-        </p:nvSpPr>
-        <p:spPr/>
-        <p:txBody>
-          <a:bodyPr/>
-          <a:lstStyle/>
-          <a:p>
-            <a:fld id="{99E13252-68E5-4994-B57B-B03F39B52C7D}" type="slidenum">
-              <a:rPr lang="fr-FR" smtClean="0"/>
-              <a:pPr/>
-              <a:t>8</a:t>
-            </a:fld>
-            <a:endParaRPr lang="fr-FR"/>
-          </a:p>
-        </p:txBody>
-      </p:sp>
-      <p:sp>
-        <p:nvSpPr>
-          <p:cNvPr id="12" name="Rectangle 11"/>
-          <p:cNvSpPr/>
-          <p:nvPr/>
-        </p:nvSpPr>
-        <p:spPr>
-          <a:xfrm>
-            <a:off x="4825700" y="1829931"/>
-            <a:ext cx="7112600" cy="4708981"/>
-          </a:xfrm>
-          <a:prstGeom prst="rect">
-            <a:avLst/>
-          </a:prstGeom>
-          <a:noFill/>
-        </p:spPr>
-        <p:txBody>
-          <a:bodyPr wrap="square">
-            <a:spAutoFit/>
-          </a:bodyPr>
-          <a:lstStyle/>
-          <a:p>
-            <a:r>
-              <a:rPr lang="en-US" sz="2400" dirty="0" smtClean="0">
-                <a:solidFill>
-                  <a:schemeClr val="bg2">
-                    <a:lumMod val="50000"/>
-                  </a:schemeClr>
-                </a:solidFill>
-                <a:latin typeface="Corbel" panose="020B0503020204020204" pitchFamily="34" charset="0"/>
-              </a:rPr>
-              <a:t>“The </a:t>
-            </a:r>
-            <a:r>
-              <a:rPr lang="en-US" sz="2400" dirty="0">
-                <a:solidFill>
-                  <a:schemeClr val="bg2">
-                    <a:lumMod val="50000"/>
-                  </a:schemeClr>
-                </a:solidFill>
-                <a:latin typeface="Corbel" panose="020B0503020204020204" pitchFamily="34" charset="0"/>
-              </a:rPr>
-              <a:t>question was answered by 1150 participants. Sharing data as supplemental </a:t>
-            </a:r>
-            <a:r>
-              <a:rPr lang="en-US" sz="2400" dirty="0" smtClean="0">
-                <a:solidFill>
-                  <a:schemeClr val="bg2">
-                    <a:lumMod val="50000"/>
-                  </a:schemeClr>
-                </a:solidFill>
-                <a:latin typeface="Corbel" panose="020B0503020204020204" pitchFamily="34" charset="0"/>
-              </a:rPr>
-              <a:t>files alongside </a:t>
-            </a:r>
-            <a:r>
-              <a:rPr lang="en-US" sz="2400" dirty="0">
-                <a:solidFill>
-                  <a:schemeClr val="bg2">
-                    <a:lumMod val="50000"/>
-                  </a:schemeClr>
-                </a:solidFill>
-                <a:latin typeface="Corbel" panose="020B0503020204020204" pitchFamily="34" charset="0"/>
-              </a:rPr>
-              <a:t>a research paper was the most common method for all career levels (63%), </a:t>
-            </a:r>
-            <a:r>
-              <a:rPr lang="en-US" sz="2400" dirty="0" smtClean="0">
-                <a:solidFill>
-                  <a:schemeClr val="bg2">
-                    <a:lumMod val="50000"/>
-                  </a:schemeClr>
-                </a:solidFill>
-                <a:latin typeface="Corbel" panose="020B0503020204020204" pitchFamily="34" charset="0"/>
-              </a:rPr>
-              <a:t>followed by </a:t>
-            </a:r>
-            <a:r>
-              <a:rPr lang="en-US" sz="2400" dirty="0">
-                <a:solidFill>
-                  <a:schemeClr val="bg2">
-                    <a:lumMod val="50000"/>
-                  </a:schemeClr>
-                </a:solidFill>
-                <a:latin typeface="Corbel" panose="020B0503020204020204" pitchFamily="34" charset="0"/>
-              </a:rPr>
-              <a:t>deposition in a public repository (56%) and sharing privately on request (47%). Only 12% </a:t>
-            </a:r>
-            <a:r>
-              <a:rPr lang="en-US" sz="2400" dirty="0" smtClean="0">
-                <a:solidFill>
-                  <a:schemeClr val="bg2">
-                    <a:lumMod val="50000"/>
-                  </a:schemeClr>
-                </a:solidFill>
-                <a:latin typeface="Corbel" panose="020B0503020204020204" pitchFamily="34" charset="0"/>
-              </a:rPr>
-              <a:t>of respondents </a:t>
-            </a:r>
-            <a:r>
-              <a:rPr lang="en-US" sz="2400" dirty="0">
-                <a:solidFill>
-                  <a:schemeClr val="bg2">
-                    <a:lumMod val="50000"/>
-                  </a:schemeClr>
-                </a:solidFill>
-                <a:latin typeface="Corbel" panose="020B0503020204020204" pitchFamily="34" charset="0"/>
-              </a:rPr>
-              <a:t>reported that they had never shared their research data - the largest proportion of whom (44%) work in Medicine and Health Science </a:t>
-            </a:r>
-            <a:r>
-              <a:rPr lang="en-US" sz="2400" dirty="0" smtClean="0">
-                <a:solidFill>
-                  <a:schemeClr val="bg2">
-                    <a:lumMod val="50000"/>
-                  </a:schemeClr>
-                </a:solidFill>
-                <a:latin typeface="Corbel" panose="020B0503020204020204" pitchFamily="34" charset="0"/>
-              </a:rPr>
-              <a:t>disciplines.”</a:t>
-            </a:r>
-          </a:p>
-          <a:p>
-            <a:endParaRPr lang="en-US" sz="1600" dirty="0" smtClean="0">
-              <a:latin typeface="Corbel" panose="020B0503020204020204" pitchFamily="34" charset="0"/>
-            </a:endParaRPr>
-          </a:p>
-          <a:p>
-            <a:r>
-              <a:rPr lang="en-US" sz="1600" dirty="0" smtClean="0">
-                <a:latin typeface="Corbel" panose="020B0503020204020204" pitchFamily="34" charset="0"/>
-              </a:rPr>
-              <a:t>Source : </a:t>
-            </a:r>
-            <a:r>
-              <a:rPr lang="en-US" sz="1600" dirty="0" err="1" smtClean="0">
-                <a:latin typeface="Corbel" panose="020B0503020204020204" pitchFamily="34" charset="0"/>
-              </a:rPr>
-              <a:t>Hrynaszkiewicz</a:t>
-            </a:r>
-            <a:r>
-              <a:rPr lang="en-US" sz="1600" dirty="0">
-                <a:latin typeface="Corbel" panose="020B0503020204020204" pitchFamily="34" charset="0"/>
-              </a:rPr>
-              <a:t>, I., Harney, J., &amp; </a:t>
-            </a:r>
-            <a:r>
-              <a:rPr lang="en-US" sz="1600" dirty="0" err="1">
-                <a:latin typeface="Corbel" panose="020B0503020204020204" pitchFamily="34" charset="0"/>
-              </a:rPr>
-              <a:t>Cadwallader</a:t>
-            </a:r>
-            <a:r>
-              <a:rPr lang="en-US" sz="1600" dirty="0">
-                <a:latin typeface="Corbel" panose="020B0503020204020204" pitchFamily="34" charset="0"/>
-              </a:rPr>
-              <a:t>, L. (2021). </a:t>
-            </a:r>
-            <a:r>
-              <a:rPr lang="en-US" sz="1600" i="1" dirty="0">
-                <a:latin typeface="Corbel" panose="020B0503020204020204" pitchFamily="34" charset="0"/>
-              </a:rPr>
-              <a:t>A survey of researchers’ needs and priorities for data sharing</a:t>
-            </a:r>
-            <a:r>
-              <a:rPr lang="en-US" sz="1600" dirty="0">
-                <a:latin typeface="Corbel" panose="020B0503020204020204" pitchFamily="34" charset="0"/>
-              </a:rPr>
-              <a:t>. OSF Preprints. </a:t>
-            </a:r>
-            <a:r>
-              <a:rPr lang="en-US" sz="1600" dirty="0">
-                <a:latin typeface="Corbel" panose="020B0503020204020204" pitchFamily="34" charset="0"/>
-                <a:hlinkClick r:id="rId3"/>
-              </a:rPr>
-              <a:t>https://</a:t>
-            </a:r>
-            <a:r>
-              <a:rPr lang="en-US" sz="1600" dirty="0" smtClean="0">
-                <a:latin typeface="Corbel" panose="020B0503020204020204" pitchFamily="34" charset="0"/>
-                <a:hlinkClick r:id="rId3"/>
-              </a:rPr>
-              <a:t>doi.org/10.31219/osf.io/njr5u</a:t>
-            </a:r>
-            <a:endParaRPr lang="en-US" sz="2000" dirty="0" smtClean="0">
-              <a:solidFill>
-                <a:schemeClr val="bg2">
-                  <a:lumMod val="50000"/>
-                </a:schemeClr>
-              </a:solidFill>
-              <a:latin typeface="Corbel" panose="020B0503020204020204" pitchFamily="34" charset="0"/>
-            </a:endParaRPr>
-          </a:p>
-          <a:p>
-            <a:endParaRPr lang="fr-FR" sz="2000" dirty="0">
-              <a:latin typeface="Corbel" panose="020B0503020204020204" pitchFamily="34" charset="0"/>
-            </a:endParaRPr>
-          </a:p>
-        </p:txBody>
-      </p:sp>
-    </p:spTree>
-    <p:extLst>
-      <p:ext uri="{BB962C8B-B14F-4D97-AF65-F5344CB8AC3E}">
-        <p14:creationId xmlns:p14="http://schemas.microsoft.com/office/powerpoint/2010/main" val="94933082"/>
-      </p:ext>
-    </p:extLst>
-  </p:cSld>
-  <p:clrMapOvr>
-    <a:masterClrMapping/>
-  </p:clrMapOvr>
-  <p:timing>
-    <p:tnLst>
-      <p:par>
-        <p:cTn id="1" dur="indefinite" restart="never" nodeType="tmRoot"/>
-      </p:par>
-    </p:tnLst>
-  </p:timing>
-</p:sld>
-</file>
-
 <file path=ppt/slides/slide9.xml><?xml version="1.0" encoding="utf-8"?>
 <p:sld xmlns:a="http://schemas.openxmlformats.org/drawingml/2006/main" xmlns:r="http://schemas.openxmlformats.org/officeDocument/2006/relationships" xmlns:p="http://schemas.openxmlformats.org/presentationml/2006/main">
   <p:cSld>
@@ -12212,7 +13805,7 @@
       </p:grpSpPr>
       <p:sp>
         <p:nvSpPr>
-          <p:cNvPr id="2" name="Titre 1"/>
+          <p:cNvPr id="6" name="Titre 5"/>
           <p:cNvSpPr>
             <a:spLocks noGrp="1"/>
           </p:cNvSpPr>
@@ -12235,7 +13828,7 @@
       </p:sp>
       <p:sp>
         <p:nvSpPr>
-          <p:cNvPr id="3" name="Espace réservé du contenu 2"/>
+          <p:cNvPr id="7" name="Espace réservé du contenu 6"/>
           <p:cNvSpPr>
             <a:spLocks noGrp="1"/>
           </p:cNvSpPr>
@@ -12245,331 +13838,59 @@
         </p:nvSpPr>
         <p:spPr>
           <a:xfrm>
-            <a:off x="849328" y="1689100"/>
-            <a:ext cx="5261390" cy="5032375"/>
+            <a:off x="838200" y="2359025"/>
+            <a:ext cx="3479800" cy="4351338"/>
           </a:xfrm>
         </p:spPr>
         <p:txBody>
           <a:bodyPr>
-            <a:normAutofit fontScale="85000" lnSpcReduction="20000"/>
+            <a:normAutofit/>
           </a:bodyPr>
           <a:lstStyle/>
           <a:p>
-            <a:pPr marL="0" indent="0">
-              <a:lnSpc>
-                <a:spcPct val="120000"/>
-              </a:lnSpc>
-              <a:buNone/>
-            </a:pPr>
+            <a:r>
+              <a:rPr lang="fr-FR" sz="2400" dirty="0" smtClean="0"/>
+              <a:t>Enquête menée par PLOS</a:t>
+            </a:r>
+          </a:p>
+          <a:p>
+            <a:r>
+              <a:rPr lang="fr-FR" sz="2400" dirty="0" smtClean="0"/>
+              <a:t>1477 </a:t>
+            </a:r>
+            <a:r>
+              <a:rPr lang="fr-FR" sz="2400" dirty="0"/>
+              <a:t>réponses</a:t>
+            </a:r>
+          </a:p>
+          <a:p>
+            <a:pPr lvl="1"/>
+            <a:r>
+              <a:rPr lang="fr-FR" dirty="0"/>
+              <a:t>20,9% Médecine et sciences de la santé</a:t>
+            </a:r>
+          </a:p>
+          <a:p>
+            <a:pPr lvl="1"/>
+            <a:r>
+              <a:rPr lang="fr-FR" dirty="0"/>
+              <a:t>30,4% Biologie et sciences de la vie</a:t>
+            </a:r>
+          </a:p>
+          <a:p>
+            <a:pPr lvl="1"/>
+            <a:r>
+              <a:rPr lang="fr-FR" dirty="0"/>
+              <a:t>9,7% Sciences </a:t>
+            </a:r>
             <a:r>
               <a:rPr lang="fr-FR" dirty="0" smtClean="0"/>
-              <a:t>NB ces modes de partage ne sont pas exclusifs les uns des autres, des fichiers supplémentaires à un article peuvent être déposés dans un entrepôt de données, parfois par  la revue elle-même. </a:t>
-            </a:r>
-          </a:p>
-          <a:p>
-            <a:pPr marL="0" indent="0">
-              <a:lnSpc>
-                <a:spcPct val="120000"/>
-              </a:lnSpc>
-              <a:buNone/>
-            </a:pPr>
-            <a:r>
-              <a:rPr lang="fr-FR" dirty="0" smtClean="0"/>
-              <a:t>Exemple: </a:t>
-            </a:r>
-          </a:p>
-          <a:p>
-            <a:pPr>
-              <a:lnSpc>
-                <a:spcPct val="120000"/>
-              </a:lnSpc>
-            </a:pPr>
-            <a:r>
-              <a:rPr lang="fr-FR" sz="1400" dirty="0" smtClean="0"/>
-              <a:t>Article : Rousselot</a:t>
-            </a:r>
-            <a:r>
-              <a:rPr lang="fr-FR" sz="1400" dirty="0"/>
-              <a:t>, N., </a:t>
-            </a:r>
-            <a:r>
-              <a:rPr lang="fr-FR" sz="1400" dirty="0" err="1"/>
-              <a:t>Tombrey</a:t>
-            </a:r>
-            <a:r>
-              <a:rPr lang="fr-FR" sz="1400" dirty="0"/>
-              <a:t>, T., </a:t>
-            </a:r>
-            <a:r>
-              <a:rPr lang="fr-FR" sz="1400" dirty="0" err="1"/>
-              <a:t>Zongo</a:t>
-            </a:r>
-            <a:r>
-              <a:rPr lang="fr-FR" sz="1400" dirty="0"/>
-              <a:t>, D., </a:t>
-            </a:r>
-            <a:r>
-              <a:rPr lang="fr-FR" sz="1400" dirty="0" err="1"/>
-              <a:t>Mouillet</a:t>
-            </a:r>
-            <a:r>
-              <a:rPr lang="fr-FR" sz="1400" dirty="0"/>
-              <a:t>, E., Joseph, J.-P., Gay, B., &amp; Salmi, L. R. (2018). </a:t>
-            </a:r>
-            <a:r>
-              <a:rPr lang="fr-FR" sz="1400" dirty="0" err="1"/>
-              <a:t>Development</a:t>
-            </a:r>
-            <a:r>
-              <a:rPr lang="fr-FR" sz="1400" dirty="0"/>
-              <a:t> and pilot </a:t>
-            </a:r>
-            <a:r>
-              <a:rPr lang="fr-FR" sz="1400" dirty="0" err="1"/>
-              <a:t>testing</a:t>
-            </a:r>
-            <a:r>
-              <a:rPr lang="fr-FR" sz="1400" dirty="0"/>
-              <a:t> of a </a:t>
-            </a:r>
-            <a:r>
-              <a:rPr lang="fr-FR" sz="1400" dirty="0" err="1"/>
-              <a:t>tool</a:t>
-            </a:r>
-            <a:r>
-              <a:rPr lang="fr-FR" sz="1400" dirty="0"/>
-              <a:t> to </a:t>
-            </a:r>
-            <a:r>
-              <a:rPr lang="fr-FR" sz="1400" dirty="0" err="1"/>
-              <a:t>assess</a:t>
-            </a:r>
-            <a:r>
-              <a:rPr lang="fr-FR" sz="1400" dirty="0"/>
-              <a:t> </a:t>
-            </a:r>
-            <a:r>
-              <a:rPr lang="fr-FR" sz="1400" dirty="0" err="1"/>
-              <a:t>evidence-based</a:t>
-            </a:r>
-            <a:r>
-              <a:rPr lang="fr-FR" sz="1400" dirty="0"/>
-              <a:t> practice </a:t>
-            </a:r>
-            <a:r>
-              <a:rPr lang="fr-FR" sz="1400" dirty="0" err="1"/>
-              <a:t>skills</a:t>
-            </a:r>
-            <a:r>
-              <a:rPr lang="fr-FR" sz="1400" dirty="0"/>
-              <a:t> </a:t>
-            </a:r>
-            <a:r>
-              <a:rPr lang="fr-FR" sz="1400" dirty="0" err="1"/>
-              <a:t>among</a:t>
-            </a:r>
-            <a:r>
-              <a:rPr lang="fr-FR" sz="1400" dirty="0"/>
-              <a:t> French </a:t>
-            </a:r>
-            <a:r>
-              <a:rPr lang="fr-FR" sz="1400" dirty="0" err="1"/>
-              <a:t>general</a:t>
-            </a:r>
-            <a:r>
-              <a:rPr lang="fr-FR" sz="1400" dirty="0"/>
-              <a:t> </a:t>
-            </a:r>
-            <a:r>
-              <a:rPr lang="fr-FR" sz="1400" dirty="0" err="1"/>
-              <a:t>practitioners</a:t>
-            </a:r>
-            <a:r>
-              <a:rPr lang="fr-FR" sz="1400" dirty="0"/>
-              <a:t>. </a:t>
-            </a:r>
-            <a:r>
-              <a:rPr lang="fr-FR" sz="1400" i="1" dirty="0"/>
-              <a:t>BMC </a:t>
-            </a:r>
-            <a:r>
-              <a:rPr lang="fr-FR" sz="1400" i="1" dirty="0" err="1"/>
-              <a:t>Medical</a:t>
-            </a:r>
-            <a:r>
-              <a:rPr lang="fr-FR" sz="1400" i="1" dirty="0"/>
-              <a:t> Education</a:t>
-            </a:r>
-            <a:r>
-              <a:rPr lang="fr-FR" sz="1400" dirty="0"/>
-              <a:t>, </a:t>
-            </a:r>
-            <a:r>
-              <a:rPr lang="fr-FR" sz="1400" i="1" dirty="0"/>
-              <a:t>18</a:t>
-            </a:r>
-            <a:r>
-              <a:rPr lang="fr-FR" sz="1400" dirty="0"/>
-              <a:t>(1), 254. </a:t>
-            </a:r>
-            <a:r>
-              <a:rPr lang="fr-FR" sz="1400" dirty="0">
-                <a:hlinkClick r:id="rId2"/>
-              </a:rPr>
-              <a:t>https://doi.org/10.1186/s12909-018-1368-y</a:t>
-            </a:r>
-            <a:endParaRPr lang="fr-FR" sz="1400" dirty="0"/>
-          </a:p>
-          <a:p>
-            <a:pPr>
-              <a:lnSpc>
-                <a:spcPct val="120000"/>
-              </a:lnSpc>
-            </a:pPr>
-            <a:r>
-              <a:rPr lang="fr-FR" sz="1400" dirty="0" smtClean="0"/>
-              <a:t>Fichiers déposés dans </a:t>
-            </a:r>
-            <a:r>
-              <a:rPr lang="fr-FR" sz="1400" dirty="0" err="1" smtClean="0"/>
-              <a:t>Figshare</a:t>
-            </a:r>
-            <a:r>
-              <a:rPr lang="fr-FR" sz="1400" dirty="0" smtClean="0"/>
-              <a:t>  : </a:t>
-            </a:r>
-            <a:r>
-              <a:rPr lang="fr-FR" sz="1400" dirty="0"/>
-              <a:t>Rousselot, N., </a:t>
-            </a:r>
-            <a:r>
-              <a:rPr lang="fr-FR" sz="1400" dirty="0" err="1"/>
-              <a:t>Tombrey</a:t>
-            </a:r>
-            <a:r>
-              <a:rPr lang="fr-FR" sz="1400" dirty="0"/>
-              <a:t>, T., Drissa </a:t>
-            </a:r>
-            <a:r>
-              <a:rPr lang="fr-FR" sz="1400" dirty="0" err="1"/>
-              <a:t>Zongo</a:t>
-            </a:r>
-            <a:r>
-              <a:rPr lang="fr-FR" sz="1400" dirty="0"/>
-              <a:t>, </a:t>
-            </a:r>
-            <a:r>
-              <a:rPr lang="fr-FR" sz="1400" dirty="0" err="1"/>
-              <a:t>Mouillet</a:t>
-            </a:r>
-            <a:r>
-              <a:rPr lang="fr-FR" sz="1400" dirty="0"/>
-              <a:t>, E., Jean-Philippe Joseph, Gay, B., &amp; Salmi, L. (2018). </a:t>
-            </a:r>
-            <a:r>
-              <a:rPr lang="fr-FR" sz="1400" i="1" dirty="0" err="1"/>
-              <a:t>Development</a:t>
-            </a:r>
-            <a:r>
-              <a:rPr lang="fr-FR" sz="1400" i="1" dirty="0"/>
-              <a:t> and pilot </a:t>
-            </a:r>
-            <a:r>
-              <a:rPr lang="fr-FR" sz="1400" i="1" dirty="0" err="1"/>
-              <a:t>testing</a:t>
-            </a:r>
-            <a:r>
-              <a:rPr lang="fr-FR" sz="1400" i="1" dirty="0"/>
-              <a:t> of a </a:t>
-            </a:r>
-            <a:r>
-              <a:rPr lang="fr-FR" sz="1400" i="1" dirty="0" err="1"/>
-              <a:t>tool</a:t>
-            </a:r>
-            <a:r>
-              <a:rPr lang="fr-FR" sz="1400" i="1" dirty="0"/>
-              <a:t> to </a:t>
-            </a:r>
-            <a:r>
-              <a:rPr lang="fr-FR" sz="1400" i="1" dirty="0" err="1"/>
-              <a:t>assess</a:t>
-            </a:r>
-            <a:r>
-              <a:rPr lang="fr-FR" sz="1400" i="1" dirty="0"/>
-              <a:t> </a:t>
-            </a:r>
-            <a:r>
-              <a:rPr lang="fr-FR" sz="1400" i="1" dirty="0" err="1"/>
-              <a:t>evidence-based</a:t>
-            </a:r>
-            <a:r>
-              <a:rPr lang="fr-FR" sz="1400" i="1" dirty="0"/>
-              <a:t> practice </a:t>
-            </a:r>
-            <a:r>
-              <a:rPr lang="fr-FR" sz="1400" i="1" dirty="0" err="1"/>
-              <a:t>skills</a:t>
-            </a:r>
-            <a:r>
-              <a:rPr lang="fr-FR" sz="1400" i="1" dirty="0"/>
-              <a:t> </a:t>
-            </a:r>
-            <a:r>
-              <a:rPr lang="fr-FR" sz="1400" i="1" dirty="0" err="1"/>
-              <a:t>among</a:t>
-            </a:r>
-            <a:r>
-              <a:rPr lang="fr-FR" sz="1400" i="1" dirty="0"/>
-              <a:t> French </a:t>
-            </a:r>
-            <a:r>
-              <a:rPr lang="fr-FR" sz="1400" i="1" dirty="0" err="1"/>
-              <a:t>general</a:t>
-            </a:r>
-            <a:r>
-              <a:rPr lang="fr-FR" sz="1400" i="1" dirty="0"/>
-              <a:t> </a:t>
-            </a:r>
-            <a:r>
-              <a:rPr lang="fr-FR" sz="1400" i="1" dirty="0" err="1"/>
-              <a:t>practitioners</a:t>
-            </a:r>
-            <a:r>
-              <a:rPr lang="fr-FR" sz="1400" dirty="0"/>
-              <a:t> [Data set]. </a:t>
-            </a:r>
-            <a:r>
-              <a:rPr lang="fr-FR" sz="1400" dirty="0" err="1"/>
-              <a:t>Figshare</a:t>
-            </a:r>
-            <a:r>
-              <a:rPr lang="fr-FR" sz="1400" dirty="0"/>
-              <a:t>. </a:t>
-            </a:r>
-            <a:r>
-              <a:rPr lang="fr-FR" sz="1400" dirty="0">
-                <a:hlinkClick r:id="rId3"/>
-              </a:rPr>
-              <a:t>https://doi.org/10.6084/M9.FIGSHARE.C.4297076.V1</a:t>
-            </a:r>
-            <a:endParaRPr lang="fr-FR" sz="1400" dirty="0"/>
-          </a:p>
-          <a:p>
-            <a:pPr marL="0" indent="0">
-              <a:lnSpc>
-                <a:spcPct val="120000"/>
-              </a:lnSpc>
-              <a:buNone/>
-            </a:pPr>
-            <a:endParaRPr lang="fr-FR" sz="1400" dirty="0"/>
-          </a:p>
-          <a:p>
-            <a:pPr marL="0" indent="0">
-              <a:lnSpc>
-                <a:spcPct val="120000"/>
-              </a:lnSpc>
-              <a:buNone/>
-            </a:pPr>
+              <a:t>sociales</a:t>
+            </a:r>
+            <a:endParaRPr lang="fr-FR" sz="2400" dirty="0" smtClean="0"/>
+          </a:p>
+          <a:p>
+            <a:pPr lvl="1"/>
             <a:endParaRPr lang="fr-FR" dirty="0"/>
           </a:p>
         </p:txBody>
@@ -12591,7 +13912,7 @@
           <a:p>
             <a:r>
               <a:rPr lang="fr-FR" smtClean="0"/>
-              <a:t>F. Flamerie - Données de recherche : entrepôts - 2021-06-29</a:t>
+              <a:t>F. Flamerie - Données de recherche : entrepôts - 2022-06-28</a:t>
             </a:r>
             <a:endParaRPr lang="fr-FR" dirty="0"/>
           </a:p>
@@ -12617,214 +13938,214 @@
               <a:pPr/>
               <a:t>9</a:t>
             </a:fld>
-            <a:endParaRPr lang="fr-FR" dirty="0"/>
-          </a:p>
-        </p:txBody>
-      </p:sp>
-      <p:grpSp>
-        <p:nvGrpSpPr>
-          <p:cNvPr id="6" name="Arrow19" descr="{&quot;Key&quot;:&quot;POWER_USER_SHAPE_ICON&quot;,&quot;Value&quot;:&quot;POWER_USER_SHAPE_ICON_STYLE_1&quot;}"/>
-          <p:cNvGrpSpPr>
-            <a:grpSpLocks noChangeAspect="1"/>
-          </p:cNvGrpSpPr>
+            <a:endParaRPr lang="fr-FR"/>
+          </a:p>
+        </p:txBody>
+      </p:sp>
+      <p:sp>
+        <p:nvSpPr>
+          <p:cNvPr id="12" name="Rectangle 11"/>
+          <p:cNvSpPr/>
           <p:nvPr/>
-        </p:nvGrpSpPr>
-        <p:grpSpPr>
-          <a:xfrm>
-            <a:off x="6211348" y="4633880"/>
-            <a:ext cx="426762" cy="371182"/>
-            <a:chOff x="1412032" y="2732632"/>
-            <a:chExt cx="1016496" cy="884112"/>
-          </a:xfrm>
-          <a:solidFill>
-            <a:srgbClr val="ED7F3D"/>
-          </a:solidFill>
-        </p:grpSpPr>
-        <p:sp>
-          <p:nvSpPr>
-            <p:cNvPr id="7" name="Chevron 6"/>
-            <p:cNvSpPr/>
-            <p:nvPr/>
-          </p:nvSpPr>
-          <p:spPr>
-            <a:xfrm>
-              <a:off x="1412032" y="2732632"/>
-              <a:ext cx="576064" cy="884112"/>
-            </a:xfrm>
-            <a:prstGeom prst="chevron">
-              <a:avLst>
-                <a:gd name="adj" fmla="val 56184"/>
-              </a:avLst>
-            </a:prstGeom>
-            <a:grpFill/>
-            <a:ln>
-              <a:noFill/>
-            </a:ln>
-          </p:spPr>
-          <p:style>
-            <a:lnRef idx="2">
-              <a:schemeClr val="accent1">
-                <a:shade val="50000"/>
-              </a:schemeClr>
-            </a:lnRef>
-            <a:fillRef idx="1">
-              <a:schemeClr val="accent1"/>
-            </a:fillRef>
-            <a:effectRef idx="0">
-              <a:schemeClr val="accent1"/>
-            </a:effectRef>
-            <a:fontRef idx="minor">
-              <a:schemeClr val="lt1"/>
-            </a:fontRef>
-          </p:style>
-          <p:txBody>
-            <a:bodyPr rtlCol="0" anchor="ctr"/>
-            <a:lstStyle/>
-            <a:p>
-              <a:pPr marL="0" marR="0" lvl="0" indent="0" algn="ctr" defTabSz="914400" rtl="0" eaLnBrk="1" fontAlgn="auto" latinLnBrk="0" hangingPunct="1">
-                <a:lnSpc>
-                  <a:spcPct val="100000"/>
-                </a:lnSpc>
-                <a:spcBef>
-                  <a:spcPts val="0"/>
-                </a:spcBef>
-                <a:spcAft>
-                  <a:spcPts val="0"/>
-                </a:spcAft>
-                <a:buClrTx/>
-                <a:buSzTx/>
-                <a:buFontTx/>
-                <a:buNone/>
-                <a:tabLst/>
-                <a:defRPr/>
-              </a:pPr>
-              <a:endParaRPr kumimoji="0" lang="fr-FR" sz="1800" b="0" i="0" u="none" strike="noStrike" kern="1200" cap="none" spc="0" normalizeH="0" baseline="0" noProof="0">
-                <a:ln>
-                  <a:noFill/>
-                </a:ln>
-                <a:solidFill>
-                  <a:prstClr val="black"/>
-                </a:solidFill>
-                <a:effectLst/>
-                <a:uLnTx/>
-                <a:uFillTx/>
-                <a:latin typeface="Calibri" panose="020F0502020204030204"/>
-                <a:ea typeface="+mn-ea"/>
-                <a:cs typeface="+mn-cs"/>
-              </a:endParaRPr>
-            </a:p>
-          </p:txBody>
-        </p:sp>
-        <p:sp>
-          <p:nvSpPr>
-            <p:cNvPr id="8" name="Chevron 7"/>
-            <p:cNvSpPr/>
-            <p:nvPr/>
-          </p:nvSpPr>
-          <p:spPr>
-            <a:xfrm>
-              <a:off x="1852464" y="2732632"/>
-              <a:ext cx="576064" cy="884112"/>
-            </a:xfrm>
-            <a:prstGeom prst="chevron">
-              <a:avLst>
-                <a:gd name="adj" fmla="val 56184"/>
-              </a:avLst>
-            </a:prstGeom>
-            <a:grpFill/>
-            <a:ln>
-              <a:noFill/>
-            </a:ln>
-          </p:spPr>
-          <p:style>
-            <a:lnRef idx="2">
-              <a:schemeClr val="accent1">
-                <a:shade val="50000"/>
-              </a:schemeClr>
-            </a:lnRef>
-            <a:fillRef idx="1">
-              <a:schemeClr val="accent1"/>
-            </a:fillRef>
-            <a:effectRef idx="0">
-              <a:schemeClr val="accent1"/>
-            </a:effectRef>
-            <a:fontRef idx="minor">
-              <a:schemeClr val="lt1"/>
-            </a:fontRef>
-          </p:style>
-          <p:txBody>
-            <a:bodyPr rtlCol="0" anchor="ctr"/>
-            <a:lstStyle/>
-            <a:p>
-              <a:pPr marL="0" marR="0" lvl="0" indent="0" algn="ctr" defTabSz="914400" rtl="0" eaLnBrk="1" fontAlgn="auto" latinLnBrk="0" hangingPunct="1">
-                <a:lnSpc>
-                  <a:spcPct val="100000"/>
-                </a:lnSpc>
-                <a:spcBef>
-                  <a:spcPts val="0"/>
-                </a:spcBef>
-                <a:spcAft>
-                  <a:spcPts val="0"/>
-                </a:spcAft>
-                <a:buClrTx/>
-                <a:buSzTx/>
-                <a:buFontTx/>
-                <a:buNone/>
-                <a:tabLst/>
-                <a:defRPr/>
-              </a:pPr>
-              <a:endParaRPr kumimoji="0" lang="fr-FR" sz="1800" b="0" i="0" u="none" strike="noStrike" kern="1200" cap="none" spc="0" normalizeH="0" baseline="0" noProof="0">
-                <a:ln>
-                  <a:noFill/>
-                </a:ln>
-                <a:solidFill>
-                  <a:prstClr val="black"/>
-                </a:solidFill>
-                <a:effectLst/>
-                <a:uLnTx/>
-                <a:uFillTx/>
-                <a:latin typeface="Calibri" panose="020F0502020204030204"/>
-                <a:ea typeface="+mn-ea"/>
-                <a:cs typeface="+mn-cs"/>
-              </a:endParaRPr>
-            </a:p>
-          </p:txBody>
-        </p:sp>
-      </p:grpSp>
-      <p:pic>
-        <p:nvPicPr>
-          <p:cNvPr id="12" name="Image 11"/>
-          <p:cNvPicPr>
-            <a:picLocks noChangeAspect="1"/>
-          </p:cNvPicPr>
-          <p:nvPr/>
-        </p:nvPicPr>
-        <p:blipFill>
-          <a:blip r:embed="rId4">
-            <a:extLst>
-              <a:ext uri="{28A0092B-C50C-407E-A947-70E740481C1C}">
-                <a14:useLocalDpi xmlns:a14="http://schemas.microsoft.com/office/drawing/2010/main" val="0"/>
-              </a:ext>
-            </a:extLst>
-          </a:blip>
-          <a:stretch>
-            <a:fillRect/>
-          </a:stretch>
-        </p:blipFill>
+        </p:nvSpPr>
         <p:spPr>
           <a:xfrm>
-            <a:off x="7165503" y="976179"/>
-            <a:ext cx="4745484" cy="5745296"/>
+            <a:off x="4825700" y="1829931"/>
+            <a:ext cx="7112600" cy="4708981"/>
           </a:xfrm>
           <a:prstGeom prst="rect">
             <a:avLst/>
           </a:prstGeom>
+          <a:noFill/>
         </p:spPr>
-      </p:pic>
+        <p:txBody>
+          <a:bodyPr wrap="square">
+            <a:spAutoFit/>
+          </a:bodyPr>
+          <a:lstStyle/>
+          <a:p>
+            <a:r>
+              <a:rPr lang="en-US" sz="2400" dirty="0" smtClean="0">
+                <a:solidFill>
+                  <a:schemeClr val="bg2">
+                    <a:lumMod val="50000"/>
+                  </a:schemeClr>
+                </a:solidFill>
+                <a:latin typeface="Corbel" panose="020B0503020204020204" pitchFamily="34" charset="0"/>
+              </a:rPr>
+              <a:t>“The </a:t>
+            </a:r>
+            <a:r>
+              <a:rPr lang="en-US" sz="2400" dirty="0">
+                <a:solidFill>
+                  <a:schemeClr val="bg2">
+                    <a:lumMod val="50000"/>
+                  </a:schemeClr>
+                </a:solidFill>
+                <a:latin typeface="Corbel" panose="020B0503020204020204" pitchFamily="34" charset="0"/>
+              </a:rPr>
+              <a:t>question was answered by 1150 participants. Sharing data as supplemental </a:t>
+            </a:r>
+            <a:r>
+              <a:rPr lang="en-US" sz="2400" dirty="0" smtClean="0">
+                <a:solidFill>
+                  <a:schemeClr val="bg2">
+                    <a:lumMod val="50000"/>
+                  </a:schemeClr>
+                </a:solidFill>
+                <a:latin typeface="Corbel" panose="020B0503020204020204" pitchFamily="34" charset="0"/>
+              </a:rPr>
+              <a:t>files alongside </a:t>
+            </a:r>
+            <a:r>
+              <a:rPr lang="en-US" sz="2400" dirty="0">
+                <a:solidFill>
+                  <a:schemeClr val="bg2">
+                    <a:lumMod val="50000"/>
+                  </a:schemeClr>
+                </a:solidFill>
+                <a:latin typeface="Corbel" panose="020B0503020204020204" pitchFamily="34" charset="0"/>
+              </a:rPr>
+              <a:t>a research paper was the most common method for all career levels (63%), </a:t>
+            </a:r>
+            <a:r>
+              <a:rPr lang="en-US" sz="2400" dirty="0" smtClean="0">
+                <a:solidFill>
+                  <a:schemeClr val="bg2">
+                    <a:lumMod val="50000"/>
+                  </a:schemeClr>
+                </a:solidFill>
+                <a:latin typeface="Corbel" panose="020B0503020204020204" pitchFamily="34" charset="0"/>
+              </a:rPr>
+              <a:t>followed by </a:t>
+            </a:r>
+            <a:r>
+              <a:rPr lang="en-US" sz="2400" dirty="0">
+                <a:solidFill>
+                  <a:schemeClr val="bg2">
+                    <a:lumMod val="50000"/>
+                  </a:schemeClr>
+                </a:solidFill>
+                <a:latin typeface="Corbel" panose="020B0503020204020204" pitchFamily="34" charset="0"/>
+              </a:rPr>
+              <a:t>deposition in a public repository (56%) and sharing privately on request (47%). Only 12% </a:t>
+            </a:r>
+            <a:r>
+              <a:rPr lang="en-US" sz="2400" dirty="0" smtClean="0">
+                <a:solidFill>
+                  <a:schemeClr val="bg2">
+                    <a:lumMod val="50000"/>
+                  </a:schemeClr>
+                </a:solidFill>
+                <a:latin typeface="Corbel" panose="020B0503020204020204" pitchFamily="34" charset="0"/>
+              </a:rPr>
+              <a:t>of respondents </a:t>
+            </a:r>
+            <a:r>
+              <a:rPr lang="en-US" sz="2400" dirty="0">
+                <a:solidFill>
+                  <a:schemeClr val="bg2">
+                    <a:lumMod val="50000"/>
+                  </a:schemeClr>
+                </a:solidFill>
+                <a:latin typeface="Corbel" panose="020B0503020204020204" pitchFamily="34" charset="0"/>
+              </a:rPr>
+              <a:t>reported that they had never shared their research data - the largest proportion of whom (44%) work in Medicine and Health Science </a:t>
+            </a:r>
+            <a:r>
+              <a:rPr lang="en-US" sz="2400" dirty="0" smtClean="0">
+                <a:solidFill>
+                  <a:schemeClr val="bg2">
+                    <a:lumMod val="50000"/>
+                  </a:schemeClr>
+                </a:solidFill>
+                <a:latin typeface="Corbel" panose="020B0503020204020204" pitchFamily="34" charset="0"/>
+              </a:rPr>
+              <a:t>disciplines.”</a:t>
+            </a:r>
+          </a:p>
+          <a:p>
+            <a:endParaRPr lang="en-US" sz="1600" dirty="0" smtClean="0">
+              <a:latin typeface="Corbel" panose="020B0503020204020204" pitchFamily="34" charset="0"/>
+            </a:endParaRPr>
+          </a:p>
+          <a:p>
+            <a:r>
+              <a:rPr lang="en-US" sz="1600" dirty="0" smtClean="0">
+                <a:latin typeface="Corbel" panose="020B0503020204020204" pitchFamily="34" charset="0"/>
+              </a:rPr>
+              <a:t>Source : </a:t>
+            </a:r>
+            <a:r>
+              <a:rPr lang="en-US" sz="1600" dirty="0" err="1" smtClean="0">
+                <a:latin typeface="Corbel" panose="020B0503020204020204" pitchFamily="34" charset="0"/>
+              </a:rPr>
+              <a:t>Hrynaszkiewicz</a:t>
+            </a:r>
+            <a:r>
+              <a:rPr lang="en-US" sz="1600" dirty="0">
+                <a:latin typeface="Corbel" panose="020B0503020204020204" pitchFamily="34" charset="0"/>
+              </a:rPr>
+              <a:t>, I., Harney, J., &amp; </a:t>
+            </a:r>
+            <a:r>
+              <a:rPr lang="en-US" sz="1600" dirty="0" err="1">
+                <a:latin typeface="Corbel" panose="020B0503020204020204" pitchFamily="34" charset="0"/>
+              </a:rPr>
+              <a:t>Cadwallader</a:t>
+            </a:r>
+            <a:r>
+              <a:rPr lang="en-US" sz="1600" dirty="0">
+                <a:latin typeface="Corbel" panose="020B0503020204020204" pitchFamily="34" charset="0"/>
+              </a:rPr>
+              <a:t>, L. (2021). </a:t>
+            </a:r>
+            <a:r>
+              <a:rPr lang="en-US" sz="1600" i="1" dirty="0">
+                <a:latin typeface="Corbel" panose="020B0503020204020204" pitchFamily="34" charset="0"/>
+              </a:rPr>
+              <a:t>A survey of researchers’ needs and priorities for data sharing</a:t>
+            </a:r>
+            <a:r>
+              <a:rPr lang="en-US" sz="1600" dirty="0">
+                <a:latin typeface="Corbel" panose="020B0503020204020204" pitchFamily="34" charset="0"/>
+              </a:rPr>
+              <a:t>. OSF Preprints. </a:t>
+            </a:r>
+            <a:r>
+              <a:rPr lang="en-US" sz="1600" dirty="0">
+                <a:latin typeface="Corbel" panose="020B0503020204020204" pitchFamily="34" charset="0"/>
+                <a:hlinkClick r:id="rId3"/>
+              </a:rPr>
+              <a:t>https://</a:t>
+            </a:r>
+            <a:r>
+              <a:rPr lang="en-US" sz="1600" dirty="0" smtClean="0">
+                <a:latin typeface="Corbel" panose="020B0503020204020204" pitchFamily="34" charset="0"/>
+                <a:hlinkClick r:id="rId3"/>
+              </a:rPr>
+              <a:t>doi.org/10.31219/osf.io/njr5u</a:t>
+            </a:r>
+            <a:endParaRPr lang="en-US" sz="2000" dirty="0" smtClean="0">
+              <a:solidFill>
+                <a:schemeClr val="bg2">
+                  <a:lumMod val="50000"/>
+                </a:schemeClr>
+              </a:solidFill>
+              <a:latin typeface="Corbel" panose="020B0503020204020204" pitchFamily="34" charset="0"/>
+            </a:endParaRPr>
+          </a:p>
+          <a:p>
+            <a:endParaRPr lang="fr-FR" sz="2000" dirty="0">
+              <a:latin typeface="Corbel" panose="020B0503020204020204" pitchFamily="34" charset="0"/>
+            </a:endParaRPr>
+          </a:p>
+        </p:txBody>
+      </p:sp>
     </p:spTree>
     <p:extLst>
       <p:ext uri="{BB962C8B-B14F-4D97-AF65-F5344CB8AC3E}">
-        <p14:creationId xmlns:p14="http://schemas.microsoft.com/office/powerpoint/2010/main" val="3890717875"/>
+        <p14:creationId xmlns:p14="http://schemas.microsoft.com/office/powerpoint/2010/main" val="94933082"/>
       </p:ext>
     </p:extLst>
   </p:cSld>
